--- a/default_template.pptx
+++ b/default_template.pptx
@@ -478,8 +478,8 @@
 </file>
 
 <file path=ppt/slideLayouts/slideLayout1.xml><?xml version="1.0" encoding="utf-8"?>
-<p:sldLayout xmlns:a="http://schemas.openxmlformats.org/drawingml/2006/main" xmlns:r="http://schemas.openxmlformats.org/officeDocument/2006/relationships" xmlns:p="http://schemas.openxmlformats.org/presentationml/2006/main" type="title" preserve="1">
-  <p:cSld name="제목 슬라이드">
+<p:sldLayout xmlns:a="http://schemas.openxmlformats.org/drawingml/2006/main" xmlns:r="http://schemas.openxmlformats.org/officeDocument/2006/relationships" xmlns:p="http://schemas.openxmlformats.org/presentationml/2006/main" preserve="1" userDrawn="1">
+  <p:cSld name="제목 및 내용">
     <p:spTree>
       <p:nvGrpSpPr>
         <p:cNvPr id="1" name=""/>
@@ -496,168 +496,976 @@
       </p:grpSpPr>
       <p:sp>
         <p:nvSpPr>
-          <p:cNvPr id="2" name="제목 1"/>
-          <p:cNvSpPr>
-            <a:spLocks noGrp="1"/>
-          </p:cNvSpPr>
-          <p:nvPr>
-            <p:ph type="ctrTitle"/>
-          </p:nvPr>
+          <p:cNvPr id="7" name="모서리가 둥근 직사각형 2">
+            <a:extLst>
+              <a:ext uri="{FF2B5EF4-FFF2-40B4-BE49-F238E27FC236}">
+                <a16:creationId xmlns:a16="http://schemas.microsoft.com/office/drawing/2014/main" id="{B34F6C56-8D52-4A58-8C85-1EC625DC9FB1}"/>
+              </a:ext>
+            </a:extLst>
+          </p:cNvPr>
+          <p:cNvSpPr/>
+          <p:nvPr userDrawn="1"/>
         </p:nvSpPr>
         <p:spPr>
           <a:xfrm>
-            <a:off x="1524000" y="1122363"/>
-            <a:ext cx="9144000" cy="2387600"/>
+            <a:off x="4528736" y="4940089"/>
+            <a:ext cx="3156182" cy="434053"/>
           </a:xfrm>
+          <a:prstGeom prst="roundRect">
+            <a:avLst>
+              <a:gd name="adj" fmla="val 50000"/>
+            </a:avLst>
+          </a:prstGeom>
+          <a:solidFill>
+            <a:schemeClr val="bg1">
+              <a:lumMod val="95000"/>
+            </a:schemeClr>
+          </a:solidFill>
+          <a:ln w="28575">
+            <a:solidFill>
+              <a:schemeClr val="tx1">
+                <a:lumMod val="65000"/>
+                <a:lumOff val="35000"/>
+              </a:schemeClr>
+            </a:solidFill>
+          </a:ln>
         </p:spPr>
+        <p:style>
+          <a:lnRef idx="2">
+            <a:schemeClr val="accent1">
+              <a:shade val="50000"/>
+            </a:schemeClr>
+          </a:lnRef>
+          <a:fillRef idx="1">
+            <a:schemeClr val="accent1"/>
+          </a:fillRef>
+          <a:effectRef idx="0">
+            <a:schemeClr val="accent1"/>
+          </a:effectRef>
+          <a:fontRef idx="minor">
+            <a:schemeClr val="lt1"/>
+          </a:fontRef>
+        </p:style>
         <p:txBody>
-          <a:bodyPr anchor="b"/>
-          <a:lstStyle>
-            <a:lvl1pPr algn="ctr">
-              <a:defRPr sz="6000"/>
-            </a:lvl1pPr>
-          </a:lstStyle>
-          <a:p>
-            <a:r>
-              <a:rPr lang="ko-KR" altLang="en-US"/>
-              <a:t>마스터 제목 스타일 편집</a:t>
-            </a:r>
+          <a:bodyPr rtlCol="0" anchor="ctr"/>
+          <a:lstStyle/>
+          <a:p>
+            <a:pPr algn="ctr"/>
+            <a:endParaRPr lang="en-US" altLang="ko-KR" sz="2400" dirty="0">
+              <a:solidFill>
+                <a:prstClr val="black">
+                  <a:lumMod val="65000"/>
+                  <a:lumOff val="35000"/>
+                </a:prstClr>
+              </a:solidFill>
+              <a:effectLst>
+                <a:outerShdw blurRad="38100" dist="38100" dir="2700000" algn="tl">
+                  <a:srgbClr val="000000">
+                    <a:alpha val="43137"/>
+                  </a:srgbClr>
+                </a:outerShdw>
+              </a:effectLst>
+              <a:latin typeface="나눔바른고딕 Light" panose="020B0603020101020101" pitchFamily="50" charset="-127"/>
+              <a:ea typeface="나눔바른고딕 Light" panose="020B0603020101020101" pitchFamily="50" charset="-127"/>
+            </a:endParaRPr>
           </a:p>
         </p:txBody>
       </p:sp>
+      <p:grpSp>
+        <p:nvGrpSpPr>
+          <p:cNvPr id="8" name="그룹 7">
+            <a:extLst>
+              <a:ext uri="{FF2B5EF4-FFF2-40B4-BE49-F238E27FC236}">
+                <a16:creationId xmlns:a16="http://schemas.microsoft.com/office/drawing/2014/main" id="{73B6A4A3-AD50-4D5A-91CB-CFD295C294B1}"/>
+              </a:ext>
+            </a:extLst>
+          </p:cNvPr>
+          <p:cNvGrpSpPr/>
+          <p:nvPr userDrawn="1"/>
+        </p:nvGrpSpPr>
+        <p:grpSpPr>
+          <a:xfrm>
+            <a:off x="3005264" y="736601"/>
+            <a:ext cx="6108619" cy="3655786"/>
+            <a:chOff x="3630678" y="1273635"/>
+            <a:chExt cx="5083937" cy="3042551"/>
+          </a:xfrm>
+        </p:grpSpPr>
+        <p:grpSp>
+          <p:nvGrpSpPr>
+            <p:cNvPr id="9" name="그룹 8">
+              <a:extLst>
+                <a:ext uri="{FF2B5EF4-FFF2-40B4-BE49-F238E27FC236}">
+                  <a16:creationId xmlns:a16="http://schemas.microsoft.com/office/drawing/2014/main" id="{3BF4D0B4-31A2-4676-A07B-DAF351CD7C1E}"/>
+                </a:ext>
+              </a:extLst>
+            </p:cNvPr>
+            <p:cNvGrpSpPr/>
+            <p:nvPr/>
+          </p:nvGrpSpPr>
+          <p:grpSpPr>
+            <a:xfrm>
+              <a:off x="3630678" y="1273635"/>
+              <a:ext cx="315385" cy="373532"/>
+              <a:chOff x="367914" y="130417"/>
+              <a:chExt cx="315385" cy="373532"/>
+            </a:xfrm>
+          </p:grpSpPr>
+          <p:sp>
+            <p:nvSpPr>
+              <p:cNvPr id="18" name="모서리가 둥근 직사각형 9">
+                <a:extLst>
+                  <a:ext uri="{FF2B5EF4-FFF2-40B4-BE49-F238E27FC236}">
+                    <a16:creationId xmlns:a16="http://schemas.microsoft.com/office/drawing/2014/main" id="{6D91B7AD-F591-4D15-9008-9AAE81FF5639}"/>
+                  </a:ext>
+                </a:extLst>
+              </p:cNvPr>
+              <p:cNvSpPr/>
+              <p:nvPr/>
+            </p:nvSpPr>
+            <p:spPr>
+              <a:xfrm rot="2700000">
+                <a:off x="337523" y="266508"/>
+                <a:ext cx="317901" cy="45719"/>
+              </a:xfrm>
+              <a:prstGeom prst="roundRect">
+                <a:avLst>
+                  <a:gd name="adj" fmla="val 50000"/>
+                </a:avLst>
+              </a:prstGeom>
+              <a:solidFill>
+                <a:schemeClr val="bg1"/>
+              </a:solidFill>
+              <a:ln w="12700">
+                <a:solidFill>
+                  <a:schemeClr val="tx1">
+                    <a:lumMod val="65000"/>
+                    <a:lumOff val="35000"/>
+                  </a:schemeClr>
+                </a:solidFill>
+              </a:ln>
+            </p:spPr>
+            <p:style>
+              <a:lnRef idx="2">
+                <a:schemeClr val="accent1">
+                  <a:shade val="50000"/>
+                </a:schemeClr>
+              </a:lnRef>
+              <a:fillRef idx="1">
+                <a:schemeClr val="accent1"/>
+              </a:fillRef>
+              <a:effectRef idx="0">
+                <a:schemeClr val="accent1"/>
+              </a:effectRef>
+              <a:fontRef idx="minor">
+                <a:schemeClr val="lt1"/>
+              </a:fontRef>
+            </p:style>
+            <p:txBody>
+              <a:bodyPr rtlCol="0" anchor="ctr"/>
+              <a:lstStyle/>
+              <a:p>
+                <a:pPr algn="ctr"/>
+                <a:endParaRPr lang="en-US" altLang="ko-KR" b="1" i="1" dirty="0">
+                  <a:solidFill>
+                    <a:prstClr val="black">
+                      <a:lumMod val="65000"/>
+                      <a:lumOff val="35000"/>
+                    </a:prstClr>
+                  </a:solidFill>
+                </a:endParaRPr>
+              </a:p>
+            </p:txBody>
+          </p:sp>
+          <p:sp>
+            <p:nvSpPr>
+              <p:cNvPr id="19" name="모서리가 둥근 직사각형 10">
+                <a:extLst>
+                  <a:ext uri="{FF2B5EF4-FFF2-40B4-BE49-F238E27FC236}">
+                    <a16:creationId xmlns:a16="http://schemas.microsoft.com/office/drawing/2014/main" id="{21493CBB-54DE-45DE-9385-0648B107A74E}"/>
+                  </a:ext>
+                </a:extLst>
+              </p:cNvPr>
+              <p:cNvSpPr/>
+              <p:nvPr/>
+            </p:nvSpPr>
+            <p:spPr>
+              <a:xfrm rot="4500000">
+                <a:off x="570440" y="213755"/>
+                <a:ext cx="180000" cy="45719"/>
+              </a:xfrm>
+              <a:prstGeom prst="roundRect">
+                <a:avLst>
+                  <a:gd name="adj" fmla="val 50000"/>
+                </a:avLst>
+              </a:prstGeom>
+              <a:solidFill>
+                <a:schemeClr val="bg1"/>
+              </a:solidFill>
+              <a:ln w="12700">
+                <a:solidFill>
+                  <a:schemeClr val="tx1">
+                    <a:lumMod val="65000"/>
+                    <a:lumOff val="35000"/>
+                  </a:schemeClr>
+                </a:solidFill>
+              </a:ln>
+            </p:spPr>
+            <p:style>
+              <a:lnRef idx="2">
+                <a:schemeClr val="accent1">
+                  <a:shade val="50000"/>
+                </a:schemeClr>
+              </a:lnRef>
+              <a:fillRef idx="1">
+                <a:schemeClr val="accent1"/>
+              </a:fillRef>
+              <a:effectRef idx="0">
+                <a:schemeClr val="accent1"/>
+              </a:effectRef>
+              <a:fontRef idx="minor">
+                <a:schemeClr val="lt1"/>
+              </a:fontRef>
+            </p:style>
+            <p:txBody>
+              <a:bodyPr rtlCol="0" anchor="ctr"/>
+              <a:lstStyle/>
+              <a:p>
+                <a:pPr algn="ctr"/>
+                <a:endParaRPr lang="en-US" altLang="ko-KR" b="1" i="1" dirty="0">
+                  <a:solidFill>
+                    <a:prstClr val="black">
+                      <a:lumMod val="65000"/>
+                      <a:lumOff val="35000"/>
+                    </a:prstClr>
+                  </a:solidFill>
+                </a:endParaRPr>
+              </a:p>
+            </p:txBody>
+          </p:sp>
+          <p:sp>
+            <p:nvSpPr>
+              <p:cNvPr id="20" name="모서리가 둥근 직사각형 11">
+                <a:extLst>
+                  <a:ext uri="{FF2B5EF4-FFF2-40B4-BE49-F238E27FC236}">
+                    <a16:creationId xmlns:a16="http://schemas.microsoft.com/office/drawing/2014/main" id="{AA97B54D-E9DC-4611-AFBF-C27527EF2D0C}"/>
+                  </a:ext>
+                </a:extLst>
+              </p:cNvPr>
+              <p:cNvSpPr/>
+              <p:nvPr/>
+            </p:nvSpPr>
+            <p:spPr>
+              <a:xfrm>
+                <a:off x="367914" y="458230"/>
+                <a:ext cx="180000" cy="45719"/>
+              </a:xfrm>
+              <a:prstGeom prst="roundRect">
+                <a:avLst>
+                  <a:gd name="adj" fmla="val 50000"/>
+                </a:avLst>
+              </a:prstGeom>
+              <a:solidFill>
+                <a:schemeClr val="bg1"/>
+              </a:solidFill>
+              <a:ln w="12700">
+                <a:solidFill>
+                  <a:schemeClr val="tx1">
+                    <a:lumMod val="65000"/>
+                    <a:lumOff val="35000"/>
+                  </a:schemeClr>
+                </a:solidFill>
+              </a:ln>
+            </p:spPr>
+            <p:style>
+              <a:lnRef idx="2">
+                <a:schemeClr val="accent1">
+                  <a:shade val="50000"/>
+                </a:schemeClr>
+              </a:lnRef>
+              <a:fillRef idx="1">
+                <a:schemeClr val="accent1"/>
+              </a:fillRef>
+              <a:effectRef idx="0">
+                <a:schemeClr val="accent1"/>
+              </a:effectRef>
+              <a:fontRef idx="minor">
+                <a:schemeClr val="lt1"/>
+              </a:fontRef>
+            </p:style>
+            <p:txBody>
+              <a:bodyPr rtlCol="0" anchor="ctr"/>
+              <a:lstStyle/>
+              <a:p>
+                <a:pPr algn="ctr"/>
+                <a:endParaRPr lang="en-US" altLang="ko-KR" b="1" i="1" dirty="0">
+                  <a:solidFill>
+                    <a:prstClr val="black">
+                      <a:lumMod val="65000"/>
+                      <a:lumOff val="35000"/>
+                    </a:prstClr>
+                  </a:solidFill>
+                </a:endParaRPr>
+              </a:p>
+            </p:txBody>
+          </p:sp>
+        </p:grpSp>
+        <p:sp>
+          <p:nvSpPr>
+            <p:cNvPr id="10" name="모서리가 둥근 직사각형 13">
+              <a:extLst>
+                <a:ext uri="{FF2B5EF4-FFF2-40B4-BE49-F238E27FC236}">
+                  <a16:creationId xmlns:a16="http://schemas.microsoft.com/office/drawing/2014/main" id="{72BC5D11-1F89-4E5C-8FB1-BAE625F1765D}"/>
+                </a:ext>
+              </a:extLst>
+            </p:cNvPr>
+            <p:cNvSpPr/>
+            <p:nvPr/>
+          </p:nvSpPr>
+          <p:spPr>
+            <a:xfrm>
+              <a:off x="3750273" y="4134209"/>
+              <a:ext cx="4923405" cy="181977"/>
+            </a:xfrm>
+            <a:prstGeom prst="roundRect">
+              <a:avLst>
+                <a:gd name="adj" fmla="val 50000"/>
+              </a:avLst>
+            </a:prstGeom>
+            <a:solidFill>
+              <a:schemeClr val="accent5">
+                <a:lumMod val="75000"/>
+              </a:schemeClr>
+            </a:solidFill>
+            <a:ln w="44450">
+              <a:solidFill>
+                <a:srgbClr val="73543B"/>
+              </a:solidFill>
+            </a:ln>
+            <a:effectLst>
+              <a:innerShdw blurRad="63500" dist="50800" dir="5400000">
+                <a:prstClr val="black">
+                  <a:alpha val="50000"/>
+                </a:prstClr>
+              </a:innerShdw>
+            </a:effectLst>
+          </p:spPr>
+          <p:style>
+            <a:lnRef idx="2">
+              <a:schemeClr val="accent1">
+                <a:shade val="50000"/>
+              </a:schemeClr>
+            </a:lnRef>
+            <a:fillRef idx="1">
+              <a:schemeClr val="accent1"/>
+            </a:fillRef>
+            <a:effectRef idx="0">
+              <a:schemeClr val="accent1"/>
+            </a:effectRef>
+            <a:fontRef idx="minor">
+              <a:schemeClr val="lt1"/>
+            </a:fontRef>
+          </p:style>
+          <p:txBody>
+            <a:bodyPr rtlCol="0" anchor="ctr"/>
+            <a:lstStyle/>
+            <a:p>
+              <a:pPr algn="ctr"/>
+              <a:endParaRPr lang="ko-KR" altLang="en-US" dirty="0"/>
+            </a:p>
+          </p:txBody>
+        </p:sp>
+        <p:grpSp>
+          <p:nvGrpSpPr>
+            <p:cNvPr id="11" name="그룹 10">
+              <a:extLst>
+                <a:ext uri="{FF2B5EF4-FFF2-40B4-BE49-F238E27FC236}">
+                  <a16:creationId xmlns:a16="http://schemas.microsoft.com/office/drawing/2014/main" id="{A68F8EA8-C5A8-44AC-98E6-52EFE72C3F09}"/>
+                </a:ext>
+              </a:extLst>
+            </p:cNvPr>
+            <p:cNvGrpSpPr/>
+            <p:nvPr/>
+          </p:nvGrpSpPr>
+          <p:grpSpPr>
+            <a:xfrm>
+              <a:off x="3961219" y="1558267"/>
+              <a:ext cx="4501511" cy="2644522"/>
+              <a:chOff x="625033" y="289367"/>
+              <a:chExt cx="11181143" cy="6568633"/>
+            </a:xfrm>
+          </p:grpSpPr>
+          <p:sp>
+            <p:nvSpPr>
+              <p:cNvPr id="16" name="자유형 5">
+                <a:extLst>
+                  <a:ext uri="{FF2B5EF4-FFF2-40B4-BE49-F238E27FC236}">
+                    <a16:creationId xmlns:a16="http://schemas.microsoft.com/office/drawing/2014/main" id="{3A1D1B04-9686-4228-9A67-A7840C852B4E}"/>
+                  </a:ext>
+                </a:extLst>
+              </p:cNvPr>
+              <p:cNvSpPr/>
+              <p:nvPr/>
+            </p:nvSpPr>
+            <p:spPr>
+              <a:xfrm>
+                <a:off x="625033" y="289367"/>
+                <a:ext cx="11181143" cy="6568633"/>
+              </a:xfrm>
+              <a:custGeom>
+                <a:avLst/>
+                <a:gdLst>
+                  <a:gd name="connsiteX0" fmla="*/ 388732 w 11181143"/>
+                  <a:gd name="connsiteY0" fmla="*/ 0 h 6568633"/>
+                  <a:gd name="connsiteX1" fmla="*/ 10266744 w 11181143"/>
+                  <a:gd name="connsiteY1" fmla="*/ 0 h 6568633"/>
+                  <a:gd name="connsiteX2" fmla="*/ 11181143 w 11181143"/>
+                  <a:gd name="connsiteY2" fmla="*/ 914399 h 6568633"/>
+                  <a:gd name="connsiteX3" fmla="*/ 11181143 w 11181143"/>
+                  <a:gd name="connsiteY3" fmla="*/ 6568633 h 6568633"/>
+                  <a:gd name="connsiteX4" fmla="*/ 0 w 11181143"/>
+                  <a:gd name="connsiteY4" fmla="*/ 6568633 h 6568633"/>
+                  <a:gd name="connsiteX5" fmla="*/ 0 w 11181143"/>
+                  <a:gd name="connsiteY5" fmla="*/ 388732 h 6568633"/>
+                  <a:gd name="connsiteX6" fmla="*/ 388732 w 11181143"/>
+                  <a:gd name="connsiteY6" fmla="*/ 0 h 6568633"/>
+                </a:gdLst>
+                <a:ahLst/>
+                <a:cxnLst>
+                  <a:cxn ang="0">
+                    <a:pos x="connsiteX0" y="connsiteY0"/>
+                  </a:cxn>
+                  <a:cxn ang="0">
+                    <a:pos x="connsiteX1" y="connsiteY1"/>
+                  </a:cxn>
+                  <a:cxn ang="0">
+                    <a:pos x="connsiteX2" y="connsiteY2"/>
+                  </a:cxn>
+                  <a:cxn ang="0">
+                    <a:pos x="connsiteX3" y="connsiteY3"/>
+                  </a:cxn>
+                  <a:cxn ang="0">
+                    <a:pos x="connsiteX4" y="connsiteY4"/>
+                  </a:cxn>
+                  <a:cxn ang="0">
+                    <a:pos x="connsiteX5" y="connsiteY5"/>
+                  </a:cxn>
+                  <a:cxn ang="0">
+                    <a:pos x="connsiteX6" y="connsiteY6"/>
+                  </a:cxn>
+                </a:cxnLst>
+                <a:rect l="l" t="t" r="r" b="b"/>
+                <a:pathLst>
+                  <a:path w="11181143" h="6568633">
+                    <a:moveTo>
+                      <a:pt x="388732" y="0"/>
+                    </a:moveTo>
+                    <a:lnTo>
+                      <a:pt x="10266744" y="0"/>
+                    </a:lnTo>
+                    <a:lnTo>
+                      <a:pt x="11181143" y="914399"/>
+                    </a:lnTo>
+                    <a:lnTo>
+                      <a:pt x="11181143" y="6568633"/>
+                    </a:lnTo>
+                    <a:lnTo>
+                      <a:pt x="0" y="6568633"/>
+                    </a:lnTo>
+                    <a:lnTo>
+                      <a:pt x="0" y="388732"/>
+                    </a:lnTo>
+                    <a:cubicBezTo>
+                      <a:pt x="0" y="174041"/>
+                      <a:pt x="174041" y="0"/>
+                      <a:pt x="388732" y="0"/>
+                    </a:cubicBezTo>
+                    <a:close/>
+                  </a:path>
+                </a:pathLst>
+              </a:custGeom>
+              <a:solidFill>
+                <a:schemeClr val="bg1"/>
+              </a:solidFill>
+              <a:ln w="28575">
+                <a:solidFill>
+                  <a:schemeClr val="tx1">
+                    <a:lumMod val="65000"/>
+                    <a:lumOff val="35000"/>
+                  </a:schemeClr>
+                </a:solidFill>
+              </a:ln>
+            </p:spPr>
+            <p:style>
+              <a:lnRef idx="2">
+                <a:schemeClr val="accent1">
+                  <a:shade val="50000"/>
+                </a:schemeClr>
+              </a:lnRef>
+              <a:fillRef idx="1">
+                <a:schemeClr val="accent1"/>
+              </a:fillRef>
+              <a:effectRef idx="0">
+                <a:schemeClr val="accent1"/>
+              </a:effectRef>
+              <a:fontRef idx="minor">
+                <a:schemeClr val="lt1"/>
+              </a:fontRef>
+            </p:style>
+            <p:txBody>
+              <a:bodyPr rtlCol="0" anchor="ctr"/>
+              <a:lstStyle/>
+              <a:p>
+                <a:pPr algn="ctr"/>
+                <a:endParaRPr lang="ko-KR" altLang="en-US">
+                  <a:solidFill>
+                    <a:prstClr val="white"/>
+                  </a:solidFill>
+                </a:endParaRPr>
+              </a:p>
+            </p:txBody>
+          </p:sp>
+          <p:sp>
+            <p:nvSpPr>
+              <p:cNvPr id="17" name="자유형 7">
+                <a:extLst>
+                  <a:ext uri="{FF2B5EF4-FFF2-40B4-BE49-F238E27FC236}">
+                    <a16:creationId xmlns:a16="http://schemas.microsoft.com/office/drawing/2014/main" id="{53CF1283-E2DA-40AF-848E-CE9369EF8261}"/>
+                  </a:ext>
+                </a:extLst>
+              </p:cNvPr>
+              <p:cNvSpPr/>
+              <p:nvPr/>
+            </p:nvSpPr>
+            <p:spPr>
+              <a:xfrm flipH="1" flipV="1">
+                <a:off x="10891777" y="289367"/>
+                <a:ext cx="914399" cy="914399"/>
+              </a:xfrm>
+              <a:custGeom>
+                <a:avLst/>
+                <a:gdLst>
+                  <a:gd name="connsiteX0" fmla="*/ 0 w 914399"/>
+                  <a:gd name="connsiteY0" fmla="*/ 0 h 914399"/>
+                  <a:gd name="connsiteX1" fmla="*/ 525667 w 914399"/>
+                  <a:gd name="connsiteY1" fmla="*/ 0 h 914399"/>
+                  <a:gd name="connsiteX2" fmla="*/ 914399 w 914399"/>
+                  <a:gd name="connsiteY2" fmla="*/ 388732 h 914399"/>
+                  <a:gd name="connsiteX3" fmla="*/ 914399 w 914399"/>
+                  <a:gd name="connsiteY3" fmla="*/ 914399 h 914399"/>
+                  <a:gd name="connsiteX4" fmla="*/ 0 w 914399"/>
+                  <a:gd name="connsiteY4" fmla="*/ 0 h 914399"/>
+                </a:gdLst>
+                <a:ahLst/>
+                <a:cxnLst>
+                  <a:cxn ang="0">
+                    <a:pos x="connsiteX0" y="connsiteY0"/>
+                  </a:cxn>
+                  <a:cxn ang="0">
+                    <a:pos x="connsiteX1" y="connsiteY1"/>
+                  </a:cxn>
+                  <a:cxn ang="0">
+                    <a:pos x="connsiteX2" y="connsiteY2"/>
+                  </a:cxn>
+                  <a:cxn ang="0">
+                    <a:pos x="connsiteX3" y="connsiteY3"/>
+                  </a:cxn>
+                  <a:cxn ang="0">
+                    <a:pos x="connsiteX4" y="connsiteY4"/>
+                  </a:cxn>
+                </a:cxnLst>
+                <a:rect l="l" t="t" r="r" b="b"/>
+                <a:pathLst>
+                  <a:path w="914399" h="914399">
+                    <a:moveTo>
+                      <a:pt x="0" y="0"/>
+                    </a:moveTo>
+                    <a:lnTo>
+                      <a:pt x="525667" y="0"/>
+                    </a:lnTo>
+                    <a:cubicBezTo>
+                      <a:pt x="740358" y="0"/>
+                      <a:pt x="914399" y="174041"/>
+                      <a:pt x="914399" y="388732"/>
+                    </a:cubicBezTo>
+                    <a:lnTo>
+                      <a:pt x="914399" y="914399"/>
+                    </a:lnTo>
+                    <a:lnTo>
+                      <a:pt x="0" y="0"/>
+                    </a:lnTo>
+                    <a:close/>
+                  </a:path>
+                </a:pathLst>
+              </a:custGeom>
+              <a:solidFill>
+                <a:schemeClr val="bg1"/>
+              </a:solidFill>
+              <a:ln w="28575">
+                <a:solidFill>
+                  <a:schemeClr val="tx1">
+                    <a:lumMod val="65000"/>
+                    <a:lumOff val="35000"/>
+                  </a:schemeClr>
+                </a:solidFill>
+              </a:ln>
+            </p:spPr>
+            <p:style>
+              <a:lnRef idx="2">
+                <a:schemeClr val="accent1">
+                  <a:shade val="50000"/>
+                </a:schemeClr>
+              </a:lnRef>
+              <a:fillRef idx="1">
+                <a:schemeClr val="accent1"/>
+              </a:fillRef>
+              <a:effectRef idx="0">
+                <a:schemeClr val="accent1"/>
+              </a:effectRef>
+              <a:fontRef idx="minor">
+                <a:schemeClr val="lt1"/>
+              </a:fontRef>
+            </p:style>
+            <p:txBody>
+              <a:bodyPr rtlCol="0" anchor="ctr"/>
+              <a:lstStyle/>
+              <a:p>
+                <a:pPr algn="ctr"/>
+                <a:endParaRPr lang="ko-KR" altLang="en-US">
+                  <a:solidFill>
+                    <a:prstClr val="white"/>
+                  </a:solidFill>
+                </a:endParaRPr>
+              </a:p>
+            </p:txBody>
+          </p:sp>
+        </p:grpSp>
+        <p:grpSp>
+          <p:nvGrpSpPr>
+            <p:cNvPr id="12" name="그룹 11">
+              <a:extLst>
+                <a:ext uri="{FF2B5EF4-FFF2-40B4-BE49-F238E27FC236}">
+                  <a16:creationId xmlns:a16="http://schemas.microsoft.com/office/drawing/2014/main" id="{A5CCCBBE-55B3-4D3E-AEAA-BC8DD7FCEC6E}"/>
+                </a:ext>
+              </a:extLst>
+            </p:cNvPr>
+            <p:cNvGrpSpPr/>
+            <p:nvPr/>
+          </p:nvGrpSpPr>
+          <p:grpSpPr>
+            <a:xfrm flipH="1">
+              <a:off x="8399230" y="1338482"/>
+              <a:ext cx="315385" cy="373532"/>
+              <a:chOff x="367914" y="130417"/>
+              <a:chExt cx="315385" cy="373532"/>
+            </a:xfrm>
+          </p:grpSpPr>
+          <p:sp>
+            <p:nvSpPr>
+              <p:cNvPr id="13" name="모서리가 둥근 직사각형 51">
+                <a:extLst>
+                  <a:ext uri="{FF2B5EF4-FFF2-40B4-BE49-F238E27FC236}">
+                    <a16:creationId xmlns:a16="http://schemas.microsoft.com/office/drawing/2014/main" id="{8D936910-D603-4EA4-99D0-53F0C40BA876}"/>
+                  </a:ext>
+                </a:extLst>
+              </p:cNvPr>
+              <p:cNvSpPr/>
+              <p:nvPr/>
+            </p:nvSpPr>
+            <p:spPr>
+              <a:xfrm rot="2700000">
+                <a:off x="337523" y="266508"/>
+                <a:ext cx="317901" cy="45719"/>
+              </a:xfrm>
+              <a:prstGeom prst="roundRect">
+                <a:avLst>
+                  <a:gd name="adj" fmla="val 50000"/>
+                </a:avLst>
+              </a:prstGeom>
+              <a:solidFill>
+                <a:schemeClr val="bg1"/>
+              </a:solidFill>
+              <a:ln w="12700">
+                <a:solidFill>
+                  <a:schemeClr val="tx1">
+                    <a:lumMod val="65000"/>
+                    <a:lumOff val="35000"/>
+                  </a:schemeClr>
+                </a:solidFill>
+              </a:ln>
+            </p:spPr>
+            <p:style>
+              <a:lnRef idx="2">
+                <a:schemeClr val="accent1">
+                  <a:shade val="50000"/>
+                </a:schemeClr>
+              </a:lnRef>
+              <a:fillRef idx="1">
+                <a:schemeClr val="accent1"/>
+              </a:fillRef>
+              <a:effectRef idx="0">
+                <a:schemeClr val="accent1"/>
+              </a:effectRef>
+              <a:fontRef idx="minor">
+                <a:schemeClr val="lt1"/>
+              </a:fontRef>
+            </p:style>
+            <p:txBody>
+              <a:bodyPr rtlCol="0" anchor="ctr"/>
+              <a:lstStyle/>
+              <a:p>
+                <a:pPr algn="ctr"/>
+                <a:endParaRPr lang="en-US" altLang="ko-KR" b="1" i="1" dirty="0">
+                  <a:solidFill>
+                    <a:prstClr val="black">
+                      <a:lumMod val="65000"/>
+                      <a:lumOff val="35000"/>
+                    </a:prstClr>
+                  </a:solidFill>
+                </a:endParaRPr>
+              </a:p>
+            </p:txBody>
+          </p:sp>
+          <p:sp>
+            <p:nvSpPr>
+              <p:cNvPr id="14" name="모서리가 둥근 직사각형 52">
+                <a:extLst>
+                  <a:ext uri="{FF2B5EF4-FFF2-40B4-BE49-F238E27FC236}">
+                    <a16:creationId xmlns:a16="http://schemas.microsoft.com/office/drawing/2014/main" id="{1F7D6750-41D3-477B-9051-B734BFAEE7BC}"/>
+                  </a:ext>
+                </a:extLst>
+              </p:cNvPr>
+              <p:cNvSpPr/>
+              <p:nvPr/>
+            </p:nvSpPr>
+            <p:spPr>
+              <a:xfrm rot="4500000">
+                <a:off x="570440" y="213755"/>
+                <a:ext cx="180000" cy="45719"/>
+              </a:xfrm>
+              <a:prstGeom prst="roundRect">
+                <a:avLst>
+                  <a:gd name="adj" fmla="val 50000"/>
+                </a:avLst>
+              </a:prstGeom>
+              <a:solidFill>
+                <a:schemeClr val="bg1"/>
+              </a:solidFill>
+              <a:ln w="12700">
+                <a:solidFill>
+                  <a:schemeClr val="tx1">
+                    <a:lumMod val="65000"/>
+                    <a:lumOff val="35000"/>
+                  </a:schemeClr>
+                </a:solidFill>
+              </a:ln>
+            </p:spPr>
+            <p:style>
+              <a:lnRef idx="2">
+                <a:schemeClr val="accent1">
+                  <a:shade val="50000"/>
+                </a:schemeClr>
+              </a:lnRef>
+              <a:fillRef idx="1">
+                <a:schemeClr val="accent1"/>
+              </a:fillRef>
+              <a:effectRef idx="0">
+                <a:schemeClr val="accent1"/>
+              </a:effectRef>
+              <a:fontRef idx="minor">
+                <a:schemeClr val="lt1"/>
+              </a:fontRef>
+            </p:style>
+            <p:txBody>
+              <a:bodyPr rtlCol="0" anchor="ctr"/>
+              <a:lstStyle/>
+              <a:p>
+                <a:pPr algn="ctr"/>
+                <a:endParaRPr lang="en-US" altLang="ko-KR" b="1" i="1" dirty="0">
+                  <a:solidFill>
+                    <a:prstClr val="black">
+                      <a:lumMod val="65000"/>
+                      <a:lumOff val="35000"/>
+                    </a:prstClr>
+                  </a:solidFill>
+                </a:endParaRPr>
+              </a:p>
+            </p:txBody>
+          </p:sp>
+          <p:sp>
+            <p:nvSpPr>
+              <p:cNvPr id="15" name="모서리가 둥근 직사각형 53">
+                <a:extLst>
+                  <a:ext uri="{FF2B5EF4-FFF2-40B4-BE49-F238E27FC236}">
+                    <a16:creationId xmlns:a16="http://schemas.microsoft.com/office/drawing/2014/main" id="{749C33CF-7A8B-4679-853F-A49D5EEDD9E5}"/>
+                  </a:ext>
+                </a:extLst>
+              </p:cNvPr>
+              <p:cNvSpPr/>
+              <p:nvPr/>
+            </p:nvSpPr>
+            <p:spPr>
+              <a:xfrm>
+                <a:off x="367914" y="458230"/>
+                <a:ext cx="180000" cy="45719"/>
+              </a:xfrm>
+              <a:prstGeom prst="roundRect">
+                <a:avLst>
+                  <a:gd name="adj" fmla="val 50000"/>
+                </a:avLst>
+              </a:prstGeom>
+              <a:solidFill>
+                <a:schemeClr val="bg1"/>
+              </a:solidFill>
+              <a:ln w="12700">
+                <a:solidFill>
+                  <a:schemeClr val="tx1">
+                    <a:lumMod val="65000"/>
+                    <a:lumOff val="35000"/>
+                  </a:schemeClr>
+                </a:solidFill>
+              </a:ln>
+            </p:spPr>
+            <p:style>
+              <a:lnRef idx="2">
+                <a:schemeClr val="accent1">
+                  <a:shade val="50000"/>
+                </a:schemeClr>
+              </a:lnRef>
+              <a:fillRef idx="1">
+                <a:schemeClr val="accent1"/>
+              </a:fillRef>
+              <a:effectRef idx="0">
+                <a:schemeClr val="accent1"/>
+              </a:effectRef>
+              <a:fontRef idx="minor">
+                <a:schemeClr val="lt1"/>
+              </a:fontRef>
+            </p:style>
+            <p:txBody>
+              <a:bodyPr rtlCol="0" anchor="ctr"/>
+              <a:lstStyle/>
+              <a:p>
+                <a:pPr algn="ctr"/>
+                <a:endParaRPr lang="en-US" altLang="ko-KR" b="1" i="1" dirty="0">
+                  <a:solidFill>
+                    <a:prstClr val="black">
+                      <a:lumMod val="65000"/>
+                      <a:lumOff val="35000"/>
+                    </a:prstClr>
+                  </a:solidFill>
+                </a:endParaRPr>
+              </a:p>
+            </p:txBody>
+          </p:sp>
+        </p:grpSp>
+      </p:grpSp>
       <p:sp>
         <p:nvSpPr>
-          <p:cNvPr id="3" name="부제목 2"/>
-          <p:cNvSpPr>
-            <a:spLocks noGrp="1"/>
-          </p:cNvSpPr>
-          <p:nvPr>
-            <p:ph type="subTitle" idx="1"/>
-          </p:nvPr>
+          <p:cNvPr id="21" name="직사각형 20">
+            <a:extLst>
+              <a:ext uri="{FF2B5EF4-FFF2-40B4-BE49-F238E27FC236}">
+                <a16:creationId xmlns:a16="http://schemas.microsoft.com/office/drawing/2014/main" id="{4ED16616-A756-4D6C-8434-A89A9B1A50EC}"/>
+              </a:ext>
+            </a:extLst>
+          </p:cNvPr>
+          <p:cNvSpPr/>
+          <p:nvPr userDrawn="1"/>
         </p:nvSpPr>
         <p:spPr>
           <a:xfrm>
-            <a:off x="1524000" y="3602038"/>
-            <a:ext cx="9144000" cy="1655762"/>
+            <a:off x="3652428" y="2204891"/>
+            <a:ext cx="4908798" cy="1011944"/>
           </a:xfrm>
+          <a:prstGeom prst="rect">
+            <a:avLst/>
+          </a:prstGeom>
         </p:spPr>
         <p:txBody>
-          <a:bodyPr/>
-          <a:lstStyle>
-            <a:lvl1pPr marL="0" indent="0" algn="ctr">
-              <a:buNone/>
-              <a:defRPr sz="2400"/>
-            </a:lvl1pPr>
-            <a:lvl2pPr marL="457200" indent="0" algn="ctr">
-              <a:buNone/>
-              <a:defRPr sz="2000"/>
-            </a:lvl2pPr>
-            <a:lvl3pPr marL="914400" indent="0" algn="ctr">
-              <a:buNone/>
-              <a:defRPr sz="1800"/>
-            </a:lvl3pPr>
-            <a:lvl4pPr marL="1371600" indent="0" algn="ctr">
-              <a:buNone/>
-              <a:defRPr sz="1600"/>
-            </a:lvl4pPr>
-            <a:lvl5pPr marL="1828800" indent="0" algn="ctr">
-              <a:buNone/>
-              <a:defRPr sz="1600"/>
-            </a:lvl5pPr>
-            <a:lvl6pPr marL="2286000" indent="0" algn="ctr">
-              <a:buNone/>
-              <a:defRPr sz="1600"/>
-            </a:lvl6pPr>
-            <a:lvl7pPr marL="2743200" indent="0" algn="ctr">
-              <a:buNone/>
-              <a:defRPr sz="1600"/>
-            </a:lvl7pPr>
-            <a:lvl8pPr marL="3200400" indent="0" algn="ctr">
-              <a:buNone/>
-              <a:defRPr sz="1600"/>
-            </a:lvl8pPr>
-            <a:lvl9pPr marL="3657600" indent="0" algn="ctr">
-              <a:buNone/>
-              <a:defRPr sz="1600"/>
-            </a:lvl9pPr>
-          </a:lstStyle>
-          <a:p>
-            <a:r>
-              <a:rPr lang="ko-KR" altLang="en-US"/>
-              <a:t>마스터 부제목 스타일 편집</a:t>
-            </a:r>
-          </a:p>
-        </p:txBody>
-      </p:sp>
-      <p:sp>
-        <p:nvSpPr>
-          <p:cNvPr id="4" name="날짜 개체 틀 3"/>
-          <p:cNvSpPr>
-            <a:spLocks noGrp="1"/>
-          </p:cNvSpPr>
-          <p:nvPr>
-            <p:ph type="dt" sz="half" idx="10"/>
-          </p:nvPr>
-        </p:nvSpPr>
-        <p:spPr/>
-        <p:txBody>
-          <a:bodyPr/>
+          <a:bodyPr wrap="square">
+            <a:spAutoFit/>
+          </a:bodyPr>
           <a:lstStyle/>
           <a:p>
-            <a:fld id="{C7351A05-FE79-4763-A84F-D4FE701A9E82}" type="datetimeFigureOut">
-              <a:rPr lang="ko-KR" altLang="en-US" smtClean="0"/>
-              <a:t>2019-04-04</a:t>
-            </a:fld>
-            <a:endParaRPr lang="ko-KR" altLang="en-US"/>
-          </a:p>
-        </p:txBody>
-      </p:sp>
-      <p:sp>
-        <p:nvSpPr>
-          <p:cNvPr id="5" name="바닥글 개체 틀 4"/>
-          <p:cNvSpPr>
-            <a:spLocks noGrp="1"/>
-          </p:cNvSpPr>
-          <p:nvPr>
-            <p:ph type="ftr" sz="quarter" idx="11"/>
-          </p:nvPr>
-        </p:nvSpPr>
-        <p:spPr/>
-        <p:txBody>
-          <a:bodyPr/>
-          <a:lstStyle/>
-          <a:p>
-            <a:endParaRPr lang="ko-KR" altLang="en-US"/>
-          </a:p>
-        </p:txBody>
-      </p:sp>
-      <p:sp>
-        <p:nvSpPr>
-          <p:cNvPr id="6" name="슬라이드 번호 개체 틀 5"/>
-          <p:cNvSpPr>
-            <a:spLocks noGrp="1"/>
-          </p:cNvSpPr>
-          <p:nvPr>
-            <p:ph type="sldNum" sz="quarter" idx="12"/>
-          </p:nvPr>
-        </p:nvSpPr>
-        <p:spPr/>
-        <p:txBody>
-          <a:bodyPr/>
-          <a:lstStyle/>
-          <a:p>
-            <a:fld id="{BAAF555B-7E58-4FDF-83D4-B4CEA304EAF7}" type="slidenum">
-              <a:rPr lang="ko-KR" altLang="en-US" smtClean="0"/>
-              <a:t>‹#›</a:t>
-            </a:fld>
-            <a:endParaRPr lang="ko-KR" altLang="en-US"/>
+            <a:pPr algn="ctr">
+              <a:lnSpc>
+                <a:spcPct val="150000"/>
+              </a:lnSpc>
+            </a:pPr>
+            <a:r>
+              <a:rPr lang="en-US" altLang="ko-KR" i="1" dirty="0" err="1">
+                <a:solidFill>
+                  <a:schemeClr val="tx1">
+                    <a:lumMod val="65000"/>
+                    <a:lumOff val="35000"/>
+                  </a:schemeClr>
+                </a:solidFill>
+              </a:rPr>
+              <a:t>JavaStudy</a:t>
+            </a:r>
+            <a:r>
+              <a:rPr lang="en-US" altLang="ko-KR" i="1" dirty="0">
+                <a:solidFill>
+                  <a:schemeClr val="tx1">
+                    <a:lumMod val="65000"/>
+                    <a:lumOff val="35000"/>
+                  </a:schemeClr>
+                </a:solidFill>
+              </a:rPr>
+              <a:t> </a:t>
+            </a:r>
+            <a:r>
+              <a:rPr lang="ko-KR" altLang="en-US" sz="3200" b="1" i="1" dirty="0" err="1">
+                <a:solidFill>
+                  <a:schemeClr val="tx1">
+                    <a:lumMod val="65000"/>
+                    <a:lumOff val="35000"/>
+                  </a:schemeClr>
+                </a:solidFill>
+              </a:rPr>
+              <a:t>이것이자바다</a:t>
+            </a:r>
+            <a:endParaRPr lang="en-US" altLang="ko-KR" sz="3200" b="1" i="1" dirty="0">
+              <a:solidFill>
+                <a:schemeClr val="tx1">
+                  <a:lumMod val="65000"/>
+                  <a:lumOff val="35000"/>
+                </a:schemeClr>
+              </a:solidFill>
+            </a:endParaRPr>
+          </a:p>
+          <a:p>
+            <a:pPr algn="ctr">
+              <a:lnSpc>
+                <a:spcPct val="150000"/>
+              </a:lnSpc>
+            </a:pPr>
+            <a:r>
+              <a:rPr lang="en-US" altLang="ko-KR" sz="900" dirty="0">
+                <a:solidFill>
+                  <a:schemeClr val="tx1">
+                    <a:lumMod val="65000"/>
+                    <a:lumOff val="35000"/>
+                  </a:schemeClr>
+                </a:solidFill>
+              </a:rPr>
+              <a:t>https://github.com/tomfromkr/javastudy</a:t>
+            </a:r>
+            <a:endParaRPr lang="ko-KR" altLang="en-US" sz="2400" dirty="0">
+              <a:solidFill>
+                <a:schemeClr val="tx1">
+                  <a:lumMod val="65000"/>
+                  <a:lumOff val="35000"/>
+                </a:schemeClr>
+              </a:solidFill>
+            </a:endParaRPr>
           </a:p>
         </p:txBody>
       </p:sp>
     </p:spTree>
     <p:extLst>
       <p:ext uri="{BB962C8B-B14F-4D97-AF65-F5344CB8AC3E}">
-        <p14:creationId xmlns:p14="http://schemas.microsoft.com/office/powerpoint/2010/main" val="2265125616"/>
+        <p14:creationId xmlns:p14="http://schemas.microsoft.com/office/powerpoint/2010/main" val="4091541087"/>
       </p:ext>
     </p:extLst>
   </p:cSld>
@@ -1014,175 +1822,7 @@
 </file>
 
 <file path=ppt/slideLayouts/slideLayout2.xml><?xml version="1.0" encoding="utf-8"?>
-<p:sldLayout xmlns:a="http://schemas.openxmlformats.org/drawingml/2006/main" xmlns:r="http://schemas.openxmlformats.org/officeDocument/2006/relationships" xmlns:p="http://schemas.openxmlformats.org/presentationml/2006/main" type="obj" preserve="1">
-  <p:cSld name="제목 및 내용">
-    <p:spTree>
-      <p:nvGrpSpPr>
-        <p:cNvPr id="1" name=""/>
-        <p:cNvGrpSpPr/>
-        <p:nvPr/>
-      </p:nvGrpSpPr>
-      <p:grpSpPr>
-        <a:xfrm>
-          <a:off x="0" y="0"/>
-          <a:ext cx="0" cy="0"/>
-          <a:chOff x="0" y="0"/>
-          <a:chExt cx="0" cy="0"/>
-        </a:xfrm>
-      </p:grpSpPr>
-      <p:sp>
-        <p:nvSpPr>
-          <p:cNvPr id="2" name="제목 1"/>
-          <p:cNvSpPr>
-            <a:spLocks noGrp="1"/>
-          </p:cNvSpPr>
-          <p:nvPr>
-            <p:ph type="title"/>
-          </p:nvPr>
-        </p:nvSpPr>
-        <p:spPr/>
-        <p:txBody>
-          <a:bodyPr/>
-          <a:lstStyle/>
-          <a:p>
-            <a:r>
-              <a:rPr lang="ko-KR" altLang="en-US"/>
-              <a:t>마스터 제목 스타일 편집</a:t>
-            </a:r>
-          </a:p>
-        </p:txBody>
-      </p:sp>
-      <p:sp>
-        <p:nvSpPr>
-          <p:cNvPr id="3" name="내용 개체 틀 2"/>
-          <p:cNvSpPr>
-            <a:spLocks noGrp="1"/>
-          </p:cNvSpPr>
-          <p:nvPr>
-            <p:ph idx="1"/>
-          </p:nvPr>
-        </p:nvSpPr>
-        <p:spPr/>
-        <p:txBody>
-          <a:bodyPr/>
-          <a:lstStyle/>
-          <a:p>
-            <a:pPr lvl="0"/>
-            <a:r>
-              <a:rPr lang="ko-KR" altLang="en-US"/>
-              <a:t>마스터 텍스트 스타일을 편집합니다</a:t>
-            </a:r>
-          </a:p>
-          <a:p>
-            <a:pPr lvl="1"/>
-            <a:r>
-              <a:rPr lang="ko-KR" altLang="en-US"/>
-              <a:t>둘째 수준</a:t>
-            </a:r>
-          </a:p>
-          <a:p>
-            <a:pPr lvl="2"/>
-            <a:r>
-              <a:rPr lang="ko-KR" altLang="en-US"/>
-              <a:t>셋째 수준</a:t>
-            </a:r>
-          </a:p>
-          <a:p>
-            <a:pPr lvl="3"/>
-            <a:r>
-              <a:rPr lang="ko-KR" altLang="en-US"/>
-              <a:t>넷째 수준</a:t>
-            </a:r>
-          </a:p>
-          <a:p>
-            <a:pPr lvl="4"/>
-            <a:r>
-              <a:rPr lang="ko-KR" altLang="en-US"/>
-              <a:t>다섯째 수준</a:t>
-            </a:r>
-          </a:p>
-        </p:txBody>
-      </p:sp>
-      <p:sp>
-        <p:nvSpPr>
-          <p:cNvPr id="4" name="날짜 개체 틀 3"/>
-          <p:cNvSpPr>
-            <a:spLocks noGrp="1"/>
-          </p:cNvSpPr>
-          <p:nvPr>
-            <p:ph type="dt" sz="half" idx="10"/>
-          </p:nvPr>
-        </p:nvSpPr>
-        <p:spPr/>
-        <p:txBody>
-          <a:bodyPr/>
-          <a:lstStyle/>
-          <a:p>
-            <a:fld id="{C7351A05-FE79-4763-A84F-D4FE701A9E82}" type="datetimeFigureOut">
-              <a:rPr lang="ko-KR" altLang="en-US" smtClean="0"/>
-              <a:t>2019-04-04</a:t>
-            </a:fld>
-            <a:endParaRPr lang="ko-KR" altLang="en-US"/>
-          </a:p>
-        </p:txBody>
-      </p:sp>
-      <p:sp>
-        <p:nvSpPr>
-          <p:cNvPr id="5" name="바닥글 개체 틀 4"/>
-          <p:cNvSpPr>
-            <a:spLocks noGrp="1"/>
-          </p:cNvSpPr>
-          <p:nvPr>
-            <p:ph type="ftr" sz="quarter" idx="11"/>
-          </p:nvPr>
-        </p:nvSpPr>
-        <p:spPr/>
-        <p:txBody>
-          <a:bodyPr/>
-          <a:lstStyle/>
-          <a:p>
-            <a:endParaRPr lang="ko-KR" altLang="en-US"/>
-          </a:p>
-        </p:txBody>
-      </p:sp>
-      <p:sp>
-        <p:nvSpPr>
-          <p:cNvPr id="6" name="슬라이드 번호 개체 틀 5"/>
-          <p:cNvSpPr>
-            <a:spLocks noGrp="1"/>
-          </p:cNvSpPr>
-          <p:nvPr>
-            <p:ph type="sldNum" sz="quarter" idx="12"/>
-          </p:nvPr>
-        </p:nvSpPr>
-        <p:spPr/>
-        <p:txBody>
-          <a:bodyPr/>
-          <a:lstStyle/>
-          <a:p>
-            <a:fld id="{BAAF555B-7E58-4FDF-83D4-B4CEA304EAF7}" type="slidenum">
-              <a:rPr lang="ko-KR" altLang="en-US" smtClean="0"/>
-              <a:t>‹#›</a:t>
-            </a:fld>
-            <a:endParaRPr lang="ko-KR" altLang="en-US"/>
-          </a:p>
-        </p:txBody>
-      </p:sp>
-    </p:spTree>
-    <p:extLst>
-      <p:ext uri="{BB962C8B-B14F-4D97-AF65-F5344CB8AC3E}">
-        <p14:creationId xmlns:p14="http://schemas.microsoft.com/office/powerpoint/2010/main" val="4091541087"/>
-      </p:ext>
-    </p:extLst>
-  </p:cSld>
-  <p:clrMapOvr>
-    <a:masterClrMapping/>
-  </p:clrMapOvr>
-</p:sldLayout>
-</file>
-
-<file path=ppt/slideLayouts/slideLayout3.xml><?xml version="1.0" encoding="utf-8"?>
-<p:sldLayout xmlns:a="http://schemas.openxmlformats.org/drawingml/2006/main" xmlns:r="http://schemas.openxmlformats.org/officeDocument/2006/relationships" xmlns:p="http://schemas.openxmlformats.org/presentationml/2006/main" type="secHead" preserve="1">
+<p:sldLayout xmlns:a="http://schemas.openxmlformats.org/drawingml/2006/main" xmlns:r="http://schemas.openxmlformats.org/officeDocument/2006/relationships" xmlns:p="http://schemas.openxmlformats.org/presentationml/2006/main" preserve="1" userDrawn="1">
   <p:cSld name="구역 머리글">
     <p:spTree>
       <p:nvGrpSpPr>
@@ -1198,218 +1838,1356 @@
           <a:chExt cx="0" cy="0"/>
         </a:xfrm>
       </p:grpSpPr>
+      <p:grpSp>
+        <p:nvGrpSpPr>
+          <p:cNvPr id="29" name="그룹 28">
+            <a:extLst>
+              <a:ext uri="{FF2B5EF4-FFF2-40B4-BE49-F238E27FC236}">
+                <a16:creationId xmlns:a16="http://schemas.microsoft.com/office/drawing/2014/main" id="{17A7A36C-2760-4EBE-A13C-D8A6FD83EC18}"/>
+              </a:ext>
+            </a:extLst>
+          </p:cNvPr>
+          <p:cNvGrpSpPr/>
+          <p:nvPr userDrawn="1"/>
+        </p:nvGrpSpPr>
+        <p:grpSpPr>
+          <a:xfrm>
+            <a:off x="3002968" y="1208652"/>
+            <a:ext cx="6108619" cy="3655786"/>
+            <a:chOff x="3630678" y="1273635"/>
+            <a:chExt cx="5083937" cy="3042551"/>
+          </a:xfrm>
+          <a:effectLst>
+            <a:outerShdw blurRad="76200" dir="18900000" sy="23000" kx="-1200000" algn="bl" rotWithShape="0">
+              <a:prstClr val="black">
+                <a:alpha val="20000"/>
+              </a:prstClr>
+            </a:outerShdw>
+          </a:effectLst>
+        </p:grpSpPr>
+        <p:grpSp>
+          <p:nvGrpSpPr>
+            <p:cNvPr id="30" name="그룹 29">
+              <a:extLst>
+                <a:ext uri="{FF2B5EF4-FFF2-40B4-BE49-F238E27FC236}">
+                  <a16:creationId xmlns:a16="http://schemas.microsoft.com/office/drawing/2014/main" id="{B102C5BF-1D7F-48F9-9F31-3D7AECB82E99}"/>
+                </a:ext>
+              </a:extLst>
+            </p:cNvPr>
+            <p:cNvGrpSpPr/>
+            <p:nvPr/>
+          </p:nvGrpSpPr>
+          <p:grpSpPr>
+            <a:xfrm>
+              <a:off x="3630678" y="1273635"/>
+              <a:ext cx="315385" cy="373532"/>
+              <a:chOff x="367914" y="130417"/>
+              <a:chExt cx="315385" cy="373532"/>
+            </a:xfrm>
+          </p:grpSpPr>
+          <p:sp>
+            <p:nvSpPr>
+              <p:cNvPr id="39" name="모서리가 둥근 직사각형 9">
+                <a:extLst>
+                  <a:ext uri="{FF2B5EF4-FFF2-40B4-BE49-F238E27FC236}">
+                    <a16:creationId xmlns:a16="http://schemas.microsoft.com/office/drawing/2014/main" id="{7CA5C19D-309D-453F-A8EB-68D1D2CF2F24}"/>
+                  </a:ext>
+                </a:extLst>
+              </p:cNvPr>
+              <p:cNvSpPr/>
+              <p:nvPr/>
+            </p:nvSpPr>
+            <p:spPr>
+              <a:xfrm rot="2700000">
+                <a:off x="337523" y="266508"/>
+                <a:ext cx="317901" cy="45719"/>
+              </a:xfrm>
+              <a:prstGeom prst="roundRect">
+                <a:avLst>
+                  <a:gd name="adj" fmla="val 50000"/>
+                </a:avLst>
+              </a:prstGeom>
+              <a:solidFill>
+                <a:schemeClr val="bg1"/>
+              </a:solidFill>
+              <a:ln w="12700">
+                <a:solidFill>
+                  <a:schemeClr val="tx1">
+                    <a:lumMod val="65000"/>
+                    <a:lumOff val="35000"/>
+                  </a:schemeClr>
+                </a:solidFill>
+              </a:ln>
+            </p:spPr>
+            <p:style>
+              <a:lnRef idx="2">
+                <a:schemeClr val="accent1">
+                  <a:shade val="50000"/>
+                </a:schemeClr>
+              </a:lnRef>
+              <a:fillRef idx="1">
+                <a:schemeClr val="accent1"/>
+              </a:fillRef>
+              <a:effectRef idx="0">
+                <a:schemeClr val="accent1"/>
+              </a:effectRef>
+              <a:fontRef idx="minor">
+                <a:schemeClr val="lt1"/>
+              </a:fontRef>
+            </p:style>
+            <p:txBody>
+              <a:bodyPr rtlCol="0" anchor="ctr"/>
+              <a:lstStyle/>
+              <a:p>
+                <a:pPr algn="ctr"/>
+                <a:endParaRPr lang="en-US" altLang="ko-KR" b="1" i="1" dirty="0">
+                  <a:solidFill>
+                    <a:prstClr val="black">
+                      <a:lumMod val="65000"/>
+                      <a:lumOff val="35000"/>
+                    </a:prstClr>
+                  </a:solidFill>
+                </a:endParaRPr>
+              </a:p>
+            </p:txBody>
+          </p:sp>
+          <p:sp>
+            <p:nvSpPr>
+              <p:cNvPr id="40" name="모서리가 둥근 직사각형 10">
+                <a:extLst>
+                  <a:ext uri="{FF2B5EF4-FFF2-40B4-BE49-F238E27FC236}">
+                    <a16:creationId xmlns:a16="http://schemas.microsoft.com/office/drawing/2014/main" id="{72E5B1B0-D52B-475D-BE0B-40EE17DC2516}"/>
+                  </a:ext>
+                </a:extLst>
+              </p:cNvPr>
+              <p:cNvSpPr/>
+              <p:nvPr/>
+            </p:nvSpPr>
+            <p:spPr>
+              <a:xfrm rot="4500000">
+                <a:off x="570440" y="213755"/>
+                <a:ext cx="180000" cy="45719"/>
+              </a:xfrm>
+              <a:prstGeom prst="roundRect">
+                <a:avLst>
+                  <a:gd name="adj" fmla="val 50000"/>
+                </a:avLst>
+              </a:prstGeom>
+              <a:solidFill>
+                <a:schemeClr val="bg1"/>
+              </a:solidFill>
+              <a:ln w="12700">
+                <a:solidFill>
+                  <a:schemeClr val="tx1">
+                    <a:lumMod val="65000"/>
+                    <a:lumOff val="35000"/>
+                  </a:schemeClr>
+                </a:solidFill>
+              </a:ln>
+            </p:spPr>
+            <p:style>
+              <a:lnRef idx="2">
+                <a:schemeClr val="accent1">
+                  <a:shade val="50000"/>
+                </a:schemeClr>
+              </a:lnRef>
+              <a:fillRef idx="1">
+                <a:schemeClr val="accent1"/>
+              </a:fillRef>
+              <a:effectRef idx="0">
+                <a:schemeClr val="accent1"/>
+              </a:effectRef>
+              <a:fontRef idx="minor">
+                <a:schemeClr val="lt1"/>
+              </a:fontRef>
+            </p:style>
+            <p:txBody>
+              <a:bodyPr rtlCol="0" anchor="ctr"/>
+              <a:lstStyle/>
+              <a:p>
+                <a:pPr algn="ctr"/>
+                <a:endParaRPr lang="en-US" altLang="ko-KR" b="1" i="1" dirty="0">
+                  <a:solidFill>
+                    <a:prstClr val="black">
+                      <a:lumMod val="65000"/>
+                      <a:lumOff val="35000"/>
+                    </a:prstClr>
+                  </a:solidFill>
+                </a:endParaRPr>
+              </a:p>
+            </p:txBody>
+          </p:sp>
+          <p:sp>
+            <p:nvSpPr>
+              <p:cNvPr id="41" name="모서리가 둥근 직사각형 11">
+                <a:extLst>
+                  <a:ext uri="{FF2B5EF4-FFF2-40B4-BE49-F238E27FC236}">
+                    <a16:creationId xmlns:a16="http://schemas.microsoft.com/office/drawing/2014/main" id="{B95A713F-AB54-48DE-A919-DCB86FDADB23}"/>
+                  </a:ext>
+                </a:extLst>
+              </p:cNvPr>
+              <p:cNvSpPr/>
+              <p:nvPr/>
+            </p:nvSpPr>
+            <p:spPr>
+              <a:xfrm>
+                <a:off x="367914" y="458230"/>
+                <a:ext cx="180000" cy="45719"/>
+              </a:xfrm>
+              <a:prstGeom prst="roundRect">
+                <a:avLst>
+                  <a:gd name="adj" fmla="val 50000"/>
+                </a:avLst>
+              </a:prstGeom>
+              <a:solidFill>
+                <a:schemeClr val="bg1"/>
+              </a:solidFill>
+              <a:ln w="12700">
+                <a:solidFill>
+                  <a:schemeClr val="tx1">
+                    <a:lumMod val="65000"/>
+                    <a:lumOff val="35000"/>
+                  </a:schemeClr>
+                </a:solidFill>
+              </a:ln>
+            </p:spPr>
+            <p:style>
+              <a:lnRef idx="2">
+                <a:schemeClr val="accent1">
+                  <a:shade val="50000"/>
+                </a:schemeClr>
+              </a:lnRef>
+              <a:fillRef idx="1">
+                <a:schemeClr val="accent1"/>
+              </a:fillRef>
+              <a:effectRef idx="0">
+                <a:schemeClr val="accent1"/>
+              </a:effectRef>
+              <a:fontRef idx="minor">
+                <a:schemeClr val="lt1"/>
+              </a:fontRef>
+            </p:style>
+            <p:txBody>
+              <a:bodyPr rtlCol="0" anchor="ctr"/>
+              <a:lstStyle/>
+              <a:p>
+                <a:pPr algn="ctr"/>
+                <a:endParaRPr lang="en-US" altLang="ko-KR" b="1" i="1" dirty="0">
+                  <a:solidFill>
+                    <a:prstClr val="black">
+                      <a:lumMod val="65000"/>
+                      <a:lumOff val="35000"/>
+                    </a:prstClr>
+                  </a:solidFill>
+                </a:endParaRPr>
+              </a:p>
+            </p:txBody>
+          </p:sp>
+        </p:grpSp>
+        <p:sp>
+          <p:nvSpPr>
+            <p:cNvPr id="31" name="모서리가 둥근 직사각형 13">
+              <a:extLst>
+                <a:ext uri="{FF2B5EF4-FFF2-40B4-BE49-F238E27FC236}">
+                  <a16:creationId xmlns:a16="http://schemas.microsoft.com/office/drawing/2014/main" id="{CA947691-422E-474E-BD6C-DCE6D157C67C}"/>
+                </a:ext>
+              </a:extLst>
+            </p:cNvPr>
+            <p:cNvSpPr/>
+            <p:nvPr/>
+          </p:nvSpPr>
+          <p:spPr>
+            <a:xfrm>
+              <a:off x="3750273" y="4134209"/>
+              <a:ext cx="4923405" cy="181977"/>
+            </a:xfrm>
+            <a:prstGeom prst="roundRect">
+              <a:avLst>
+                <a:gd name="adj" fmla="val 50000"/>
+              </a:avLst>
+            </a:prstGeom>
+            <a:solidFill>
+              <a:schemeClr val="accent5">
+                <a:lumMod val="75000"/>
+              </a:schemeClr>
+            </a:solidFill>
+            <a:ln w="44450">
+              <a:solidFill>
+                <a:srgbClr val="73543B"/>
+              </a:solidFill>
+            </a:ln>
+            <a:effectLst>
+              <a:innerShdw blurRad="63500" dist="50800" dir="5400000">
+                <a:prstClr val="black">
+                  <a:alpha val="50000"/>
+                </a:prstClr>
+              </a:innerShdw>
+            </a:effectLst>
+          </p:spPr>
+          <p:style>
+            <a:lnRef idx="2">
+              <a:schemeClr val="accent1">
+                <a:shade val="50000"/>
+              </a:schemeClr>
+            </a:lnRef>
+            <a:fillRef idx="1">
+              <a:schemeClr val="accent1"/>
+            </a:fillRef>
+            <a:effectRef idx="0">
+              <a:schemeClr val="accent1"/>
+            </a:effectRef>
+            <a:fontRef idx="minor">
+              <a:schemeClr val="lt1"/>
+            </a:fontRef>
+          </p:style>
+          <p:txBody>
+            <a:bodyPr rtlCol="0" anchor="ctr"/>
+            <a:lstStyle/>
+            <a:p>
+              <a:pPr algn="ctr"/>
+              <a:endParaRPr lang="ko-KR" altLang="en-US">
+                <a:solidFill>
+                  <a:prstClr val="white"/>
+                </a:solidFill>
+              </a:endParaRPr>
+            </a:p>
+          </p:txBody>
+        </p:sp>
+        <p:grpSp>
+          <p:nvGrpSpPr>
+            <p:cNvPr id="32" name="그룹 31">
+              <a:extLst>
+                <a:ext uri="{FF2B5EF4-FFF2-40B4-BE49-F238E27FC236}">
+                  <a16:creationId xmlns:a16="http://schemas.microsoft.com/office/drawing/2014/main" id="{CF3FD598-2F38-43E2-B63D-3ACD233DF949}"/>
+                </a:ext>
+              </a:extLst>
+            </p:cNvPr>
+            <p:cNvGrpSpPr/>
+            <p:nvPr/>
+          </p:nvGrpSpPr>
+          <p:grpSpPr>
+            <a:xfrm>
+              <a:off x="3961219" y="1558267"/>
+              <a:ext cx="4501511" cy="2644522"/>
+              <a:chOff x="625033" y="289367"/>
+              <a:chExt cx="11181143" cy="6568633"/>
+            </a:xfrm>
+          </p:grpSpPr>
+          <p:sp>
+            <p:nvSpPr>
+              <p:cNvPr id="37" name="자유형 5">
+                <a:extLst>
+                  <a:ext uri="{FF2B5EF4-FFF2-40B4-BE49-F238E27FC236}">
+                    <a16:creationId xmlns:a16="http://schemas.microsoft.com/office/drawing/2014/main" id="{D31816D5-6E63-4695-8958-462FB4B5038C}"/>
+                  </a:ext>
+                </a:extLst>
+              </p:cNvPr>
+              <p:cNvSpPr/>
+              <p:nvPr/>
+            </p:nvSpPr>
+            <p:spPr>
+              <a:xfrm>
+                <a:off x="625033" y="289367"/>
+                <a:ext cx="11181143" cy="6568633"/>
+              </a:xfrm>
+              <a:custGeom>
+                <a:avLst/>
+                <a:gdLst>
+                  <a:gd name="connsiteX0" fmla="*/ 388732 w 11181143"/>
+                  <a:gd name="connsiteY0" fmla="*/ 0 h 6568633"/>
+                  <a:gd name="connsiteX1" fmla="*/ 10266744 w 11181143"/>
+                  <a:gd name="connsiteY1" fmla="*/ 0 h 6568633"/>
+                  <a:gd name="connsiteX2" fmla="*/ 11181143 w 11181143"/>
+                  <a:gd name="connsiteY2" fmla="*/ 914399 h 6568633"/>
+                  <a:gd name="connsiteX3" fmla="*/ 11181143 w 11181143"/>
+                  <a:gd name="connsiteY3" fmla="*/ 6568633 h 6568633"/>
+                  <a:gd name="connsiteX4" fmla="*/ 0 w 11181143"/>
+                  <a:gd name="connsiteY4" fmla="*/ 6568633 h 6568633"/>
+                  <a:gd name="connsiteX5" fmla="*/ 0 w 11181143"/>
+                  <a:gd name="connsiteY5" fmla="*/ 388732 h 6568633"/>
+                  <a:gd name="connsiteX6" fmla="*/ 388732 w 11181143"/>
+                  <a:gd name="connsiteY6" fmla="*/ 0 h 6568633"/>
+                </a:gdLst>
+                <a:ahLst/>
+                <a:cxnLst>
+                  <a:cxn ang="0">
+                    <a:pos x="connsiteX0" y="connsiteY0"/>
+                  </a:cxn>
+                  <a:cxn ang="0">
+                    <a:pos x="connsiteX1" y="connsiteY1"/>
+                  </a:cxn>
+                  <a:cxn ang="0">
+                    <a:pos x="connsiteX2" y="connsiteY2"/>
+                  </a:cxn>
+                  <a:cxn ang="0">
+                    <a:pos x="connsiteX3" y="connsiteY3"/>
+                  </a:cxn>
+                  <a:cxn ang="0">
+                    <a:pos x="connsiteX4" y="connsiteY4"/>
+                  </a:cxn>
+                  <a:cxn ang="0">
+                    <a:pos x="connsiteX5" y="connsiteY5"/>
+                  </a:cxn>
+                  <a:cxn ang="0">
+                    <a:pos x="connsiteX6" y="connsiteY6"/>
+                  </a:cxn>
+                </a:cxnLst>
+                <a:rect l="l" t="t" r="r" b="b"/>
+                <a:pathLst>
+                  <a:path w="11181143" h="6568633">
+                    <a:moveTo>
+                      <a:pt x="388732" y="0"/>
+                    </a:moveTo>
+                    <a:lnTo>
+                      <a:pt x="10266744" y="0"/>
+                    </a:lnTo>
+                    <a:lnTo>
+                      <a:pt x="11181143" y="914399"/>
+                    </a:lnTo>
+                    <a:lnTo>
+                      <a:pt x="11181143" y="6568633"/>
+                    </a:lnTo>
+                    <a:lnTo>
+                      <a:pt x="0" y="6568633"/>
+                    </a:lnTo>
+                    <a:lnTo>
+                      <a:pt x="0" y="388732"/>
+                    </a:lnTo>
+                    <a:cubicBezTo>
+                      <a:pt x="0" y="174041"/>
+                      <a:pt x="174041" y="0"/>
+                      <a:pt x="388732" y="0"/>
+                    </a:cubicBezTo>
+                    <a:close/>
+                  </a:path>
+                </a:pathLst>
+              </a:custGeom>
+              <a:solidFill>
+                <a:schemeClr val="bg1"/>
+              </a:solidFill>
+              <a:ln w="28575">
+                <a:solidFill>
+                  <a:schemeClr val="tx1">
+                    <a:lumMod val="65000"/>
+                    <a:lumOff val="35000"/>
+                  </a:schemeClr>
+                </a:solidFill>
+              </a:ln>
+            </p:spPr>
+            <p:style>
+              <a:lnRef idx="2">
+                <a:schemeClr val="accent1">
+                  <a:shade val="50000"/>
+                </a:schemeClr>
+              </a:lnRef>
+              <a:fillRef idx="1">
+                <a:schemeClr val="accent1"/>
+              </a:fillRef>
+              <a:effectRef idx="0">
+                <a:schemeClr val="accent1"/>
+              </a:effectRef>
+              <a:fontRef idx="minor">
+                <a:schemeClr val="lt1"/>
+              </a:fontRef>
+            </p:style>
+            <p:txBody>
+              <a:bodyPr rtlCol="0" anchor="ctr"/>
+              <a:lstStyle/>
+              <a:p>
+                <a:pPr algn="ctr"/>
+                <a:endParaRPr lang="ko-KR" altLang="en-US">
+                  <a:solidFill>
+                    <a:prstClr val="white"/>
+                  </a:solidFill>
+                </a:endParaRPr>
+              </a:p>
+            </p:txBody>
+          </p:sp>
+          <p:sp>
+            <p:nvSpPr>
+              <p:cNvPr id="38" name="자유형 7">
+                <a:extLst>
+                  <a:ext uri="{FF2B5EF4-FFF2-40B4-BE49-F238E27FC236}">
+                    <a16:creationId xmlns:a16="http://schemas.microsoft.com/office/drawing/2014/main" id="{6883251C-AEFC-4E13-9D32-061DD98FBE49}"/>
+                  </a:ext>
+                </a:extLst>
+              </p:cNvPr>
+              <p:cNvSpPr/>
+              <p:nvPr/>
+            </p:nvSpPr>
+            <p:spPr>
+              <a:xfrm flipH="1" flipV="1">
+                <a:off x="10891777" y="289367"/>
+                <a:ext cx="914399" cy="914399"/>
+              </a:xfrm>
+              <a:custGeom>
+                <a:avLst/>
+                <a:gdLst>
+                  <a:gd name="connsiteX0" fmla="*/ 0 w 914399"/>
+                  <a:gd name="connsiteY0" fmla="*/ 0 h 914399"/>
+                  <a:gd name="connsiteX1" fmla="*/ 525667 w 914399"/>
+                  <a:gd name="connsiteY1" fmla="*/ 0 h 914399"/>
+                  <a:gd name="connsiteX2" fmla="*/ 914399 w 914399"/>
+                  <a:gd name="connsiteY2" fmla="*/ 388732 h 914399"/>
+                  <a:gd name="connsiteX3" fmla="*/ 914399 w 914399"/>
+                  <a:gd name="connsiteY3" fmla="*/ 914399 h 914399"/>
+                  <a:gd name="connsiteX4" fmla="*/ 0 w 914399"/>
+                  <a:gd name="connsiteY4" fmla="*/ 0 h 914399"/>
+                </a:gdLst>
+                <a:ahLst/>
+                <a:cxnLst>
+                  <a:cxn ang="0">
+                    <a:pos x="connsiteX0" y="connsiteY0"/>
+                  </a:cxn>
+                  <a:cxn ang="0">
+                    <a:pos x="connsiteX1" y="connsiteY1"/>
+                  </a:cxn>
+                  <a:cxn ang="0">
+                    <a:pos x="connsiteX2" y="connsiteY2"/>
+                  </a:cxn>
+                  <a:cxn ang="0">
+                    <a:pos x="connsiteX3" y="connsiteY3"/>
+                  </a:cxn>
+                  <a:cxn ang="0">
+                    <a:pos x="connsiteX4" y="connsiteY4"/>
+                  </a:cxn>
+                </a:cxnLst>
+                <a:rect l="l" t="t" r="r" b="b"/>
+                <a:pathLst>
+                  <a:path w="914399" h="914399">
+                    <a:moveTo>
+                      <a:pt x="0" y="0"/>
+                    </a:moveTo>
+                    <a:lnTo>
+                      <a:pt x="525667" y="0"/>
+                    </a:lnTo>
+                    <a:cubicBezTo>
+                      <a:pt x="740358" y="0"/>
+                      <a:pt x="914399" y="174041"/>
+                      <a:pt x="914399" y="388732"/>
+                    </a:cubicBezTo>
+                    <a:lnTo>
+                      <a:pt x="914399" y="914399"/>
+                    </a:lnTo>
+                    <a:lnTo>
+                      <a:pt x="0" y="0"/>
+                    </a:lnTo>
+                    <a:close/>
+                  </a:path>
+                </a:pathLst>
+              </a:custGeom>
+              <a:solidFill>
+                <a:schemeClr val="bg1"/>
+              </a:solidFill>
+              <a:ln w="28575">
+                <a:solidFill>
+                  <a:schemeClr val="tx1">
+                    <a:lumMod val="65000"/>
+                    <a:lumOff val="35000"/>
+                  </a:schemeClr>
+                </a:solidFill>
+              </a:ln>
+            </p:spPr>
+            <p:style>
+              <a:lnRef idx="2">
+                <a:schemeClr val="accent1">
+                  <a:shade val="50000"/>
+                </a:schemeClr>
+              </a:lnRef>
+              <a:fillRef idx="1">
+                <a:schemeClr val="accent1"/>
+              </a:fillRef>
+              <a:effectRef idx="0">
+                <a:schemeClr val="accent1"/>
+              </a:effectRef>
+              <a:fontRef idx="minor">
+                <a:schemeClr val="lt1"/>
+              </a:fontRef>
+            </p:style>
+            <p:txBody>
+              <a:bodyPr rtlCol="0" anchor="ctr"/>
+              <a:lstStyle/>
+              <a:p>
+                <a:pPr algn="ctr"/>
+                <a:endParaRPr lang="ko-KR" altLang="en-US">
+                  <a:solidFill>
+                    <a:prstClr val="white"/>
+                  </a:solidFill>
+                </a:endParaRPr>
+              </a:p>
+            </p:txBody>
+          </p:sp>
+        </p:grpSp>
+        <p:grpSp>
+          <p:nvGrpSpPr>
+            <p:cNvPr id="33" name="그룹 32">
+              <a:extLst>
+                <a:ext uri="{FF2B5EF4-FFF2-40B4-BE49-F238E27FC236}">
+                  <a16:creationId xmlns:a16="http://schemas.microsoft.com/office/drawing/2014/main" id="{8C21317B-3E33-47CC-89E3-01D8A783AF26}"/>
+                </a:ext>
+              </a:extLst>
+            </p:cNvPr>
+            <p:cNvGrpSpPr/>
+            <p:nvPr/>
+          </p:nvGrpSpPr>
+          <p:grpSpPr>
+            <a:xfrm flipH="1">
+              <a:off x="8399230" y="1338482"/>
+              <a:ext cx="315385" cy="373532"/>
+              <a:chOff x="367914" y="130417"/>
+              <a:chExt cx="315385" cy="373532"/>
+            </a:xfrm>
+          </p:grpSpPr>
+          <p:sp>
+            <p:nvSpPr>
+              <p:cNvPr id="34" name="모서리가 둥근 직사각형 51">
+                <a:extLst>
+                  <a:ext uri="{FF2B5EF4-FFF2-40B4-BE49-F238E27FC236}">
+                    <a16:creationId xmlns:a16="http://schemas.microsoft.com/office/drawing/2014/main" id="{D0091025-FE82-4C18-B7FE-211802A7EEE3}"/>
+                  </a:ext>
+                </a:extLst>
+              </p:cNvPr>
+              <p:cNvSpPr/>
+              <p:nvPr/>
+            </p:nvSpPr>
+            <p:spPr>
+              <a:xfrm rot="2700000">
+                <a:off x="337523" y="266508"/>
+                <a:ext cx="317901" cy="45719"/>
+              </a:xfrm>
+              <a:prstGeom prst="roundRect">
+                <a:avLst>
+                  <a:gd name="adj" fmla="val 50000"/>
+                </a:avLst>
+              </a:prstGeom>
+              <a:solidFill>
+                <a:schemeClr val="bg1"/>
+              </a:solidFill>
+              <a:ln w="12700">
+                <a:solidFill>
+                  <a:schemeClr val="tx1">
+                    <a:lumMod val="65000"/>
+                    <a:lumOff val="35000"/>
+                  </a:schemeClr>
+                </a:solidFill>
+              </a:ln>
+            </p:spPr>
+            <p:style>
+              <a:lnRef idx="2">
+                <a:schemeClr val="accent1">
+                  <a:shade val="50000"/>
+                </a:schemeClr>
+              </a:lnRef>
+              <a:fillRef idx="1">
+                <a:schemeClr val="accent1"/>
+              </a:fillRef>
+              <a:effectRef idx="0">
+                <a:schemeClr val="accent1"/>
+              </a:effectRef>
+              <a:fontRef idx="minor">
+                <a:schemeClr val="lt1"/>
+              </a:fontRef>
+            </p:style>
+            <p:txBody>
+              <a:bodyPr rtlCol="0" anchor="ctr"/>
+              <a:lstStyle/>
+              <a:p>
+                <a:pPr algn="ctr"/>
+                <a:endParaRPr lang="en-US" altLang="ko-KR" b="1" i="1" dirty="0">
+                  <a:solidFill>
+                    <a:prstClr val="black">
+                      <a:lumMod val="65000"/>
+                      <a:lumOff val="35000"/>
+                    </a:prstClr>
+                  </a:solidFill>
+                </a:endParaRPr>
+              </a:p>
+            </p:txBody>
+          </p:sp>
+          <p:sp>
+            <p:nvSpPr>
+              <p:cNvPr id="35" name="모서리가 둥근 직사각형 52">
+                <a:extLst>
+                  <a:ext uri="{FF2B5EF4-FFF2-40B4-BE49-F238E27FC236}">
+                    <a16:creationId xmlns:a16="http://schemas.microsoft.com/office/drawing/2014/main" id="{53829729-5BAB-4EB6-A67F-1B9F4537E16D}"/>
+                  </a:ext>
+                </a:extLst>
+              </p:cNvPr>
+              <p:cNvSpPr/>
+              <p:nvPr/>
+            </p:nvSpPr>
+            <p:spPr>
+              <a:xfrm rot="4500000">
+                <a:off x="570440" y="213755"/>
+                <a:ext cx="180000" cy="45719"/>
+              </a:xfrm>
+              <a:prstGeom prst="roundRect">
+                <a:avLst>
+                  <a:gd name="adj" fmla="val 50000"/>
+                </a:avLst>
+              </a:prstGeom>
+              <a:solidFill>
+                <a:schemeClr val="bg1"/>
+              </a:solidFill>
+              <a:ln w="12700">
+                <a:solidFill>
+                  <a:schemeClr val="tx1">
+                    <a:lumMod val="65000"/>
+                    <a:lumOff val="35000"/>
+                  </a:schemeClr>
+                </a:solidFill>
+              </a:ln>
+            </p:spPr>
+            <p:style>
+              <a:lnRef idx="2">
+                <a:schemeClr val="accent1">
+                  <a:shade val="50000"/>
+                </a:schemeClr>
+              </a:lnRef>
+              <a:fillRef idx="1">
+                <a:schemeClr val="accent1"/>
+              </a:fillRef>
+              <a:effectRef idx="0">
+                <a:schemeClr val="accent1"/>
+              </a:effectRef>
+              <a:fontRef idx="minor">
+                <a:schemeClr val="lt1"/>
+              </a:fontRef>
+            </p:style>
+            <p:txBody>
+              <a:bodyPr rtlCol="0" anchor="ctr"/>
+              <a:lstStyle/>
+              <a:p>
+                <a:pPr algn="ctr"/>
+                <a:endParaRPr lang="en-US" altLang="ko-KR" b="1" i="1" dirty="0">
+                  <a:solidFill>
+                    <a:prstClr val="black">
+                      <a:lumMod val="65000"/>
+                      <a:lumOff val="35000"/>
+                    </a:prstClr>
+                  </a:solidFill>
+                </a:endParaRPr>
+              </a:p>
+            </p:txBody>
+          </p:sp>
+          <p:sp>
+            <p:nvSpPr>
+              <p:cNvPr id="36" name="모서리가 둥근 직사각형 53">
+                <a:extLst>
+                  <a:ext uri="{FF2B5EF4-FFF2-40B4-BE49-F238E27FC236}">
+                    <a16:creationId xmlns:a16="http://schemas.microsoft.com/office/drawing/2014/main" id="{359F561B-4705-43B6-87B4-7FD1A108F1F6}"/>
+                  </a:ext>
+                </a:extLst>
+              </p:cNvPr>
+              <p:cNvSpPr/>
+              <p:nvPr/>
+            </p:nvSpPr>
+            <p:spPr>
+              <a:xfrm>
+                <a:off x="367914" y="458230"/>
+                <a:ext cx="180000" cy="45719"/>
+              </a:xfrm>
+              <a:prstGeom prst="roundRect">
+                <a:avLst>
+                  <a:gd name="adj" fmla="val 50000"/>
+                </a:avLst>
+              </a:prstGeom>
+              <a:solidFill>
+                <a:schemeClr val="bg1"/>
+              </a:solidFill>
+              <a:ln w="12700">
+                <a:solidFill>
+                  <a:schemeClr val="tx1">
+                    <a:lumMod val="65000"/>
+                    <a:lumOff val="35000"/>
+                  </a:schemeClr>
+                </a:solidFill>
+              </a:ln>
+            </p:spPr>
+            <p:style>
+              <a:lnRef idx="2">
+                <a:schemeClr val="accent1">
+                  <a:shade val="50000"/>
+                </a:schemeClr>
+              </a:lnRef>
+              <a:fillRef idx="1">
+                <a:schemeClr val="accent1"/>
+              </a:fillRef>
+              <a:effectRef idx="0">
+                <a:schemeClr val="accent1"/>
+              </a:effectRef>
+              <a:fontRef idx="minor">
+                <a:schemeClr val="lt1"/>
+              </a:fontRef>
+            </p:style>
+            <p:txBody>
+              <a:bodyPr rtlCol="0" anchor="ctr"/>
+              <a:lstStyle/>
+              <a:p>
+                <a:pPr algn="ctr"/>
+                <a:endParaRPr lang="en-US" altLang="ko-KR" b="1" i="1" dirty="0">
+                  <a:solidFill>
+                    <a:prstClr val="black">
+                      <a:lumMod val="65000"/>
+                      <a:lumOff val="35000"/>
+                    </a:prstClr>
+                  </a:solidFill>
+                </a:endParaRPr>
+              </a:p>
+            </p:txBody>
+          </p:sp>
+        </p:grpSp>
+      </p:grpSp>
+      <p:grpSp>
+        <p:nvGrpSpPr>
+          <p:cNvPr id="42" name="그룹 41">
+            <a:extLst>
+              <a:ext uri="{FF2B5EF4-FFF2-40B4-BE49-F238E27FC236}">
+                <a16:creationId xmlns:a16="http://schemas.microsoft.com/office/drawing/2014/main" id="{EC314B89-F47C-4BD1-A0E4-6670909F3C40}"/>
+              </a:ext>
+            </a:extLst>
+          </p:cNvPr>
+          <p:cNvGrpSpPr/>
+          <p:nvPr userDrawn="1"/>
+        </p:nvGrpSpPr>
+        <p:grpSpPr>
+          <a:xfrm>
+            <a:off x="2394928" y="4344640"/>
+            <a:ext cx="3132157" cy="1107874"/>
+            <a:chOff x="2129772" y="4107938"/>
+            <a:chExt cx="3132157" cy="1107874"/>
+          </a:xfrm>
+          <a:effectLst>
+            <a:outerShdw blurRad="76200" dir="18900000" sy="23000" kx="-1200000" algn="bl" rotWithShape="0">
+              <a:prstClr val="black">
+                <a:alpha val="20000"/>
+              </a:prstClr>
+            </a:outerShdw>
+          </a:effectLst>
+        </p:grpSpPr>
+        <p:grpSp>
+          <p:nvGrpSpPr>
+            <p:cNvPr id="43" name="그룹 42">
+              <a:extLst>
+                <a:ext uri="{FF2B5EF4-FFF2-40B4-BE49-F238E27FC236}">
+                  <a16:creationId xmlns:a16="http://schemas.microsoft.com/office/drawing/2014/main" id="{AC1725FB-01FC-476E-82BE-66C6DC1000B4}"/>
+                </a:ext>
+              </a:extLst>
+            </p:cNvPr>
+            <p:cNvGrpSpPr/>
+            <p:nvPr/>
+          </p:nvGrpSpPr>
+          <p:grpSpPr>
+            <a:xfrm>
+              <a:off x="2129772" y="4107938"/>
+              <a:ext cx="195883" cy="231997"/>
+              <a:chOff x="367914" y="130417"/>
+              <a:chExt cx="315385" cy="373532"/>
+            </a:xfrm>
+          </p:grpSpPr>
+          <p:sp>
+            <p:nvSpPr>
+              <p:cNvPr id="46" name="모서리가 둥근 직사각형 41">
+                <a:extLst>
+                  <a:ext uri="{FF2B5EF4-FFF2-40B4-BE49-F238E27FC236}">
+                    <a16:creationId xmlns:a16="http://schemas.microsoft.com/office/drawing/2014/main" id="{4AD1D345-C614-4DC9-A95F-3BC12A0BD994}"/>
+                  </a:ext>
+                </a:extLst>
+              </p:cNvPr>
+              <p:cNvSpPr/>
+              <p:nvPr/>
+            </p:nvSpPr>
+            <p:spPr>
+              <a:xfrm rot="2700000">
+                <a:off x="337523" y="266508"/>
+                <a:ext cx="317901" cy="45719"/>
+              </a:xfrm>
+              <a:prstGeom prst="roundRect">
+                <a:avLst>
+                  <a:gd name="adj" fmla="val 50000"/>
+                </a:avLst>
+              </a:prstGeom>
+              <a:solidFill>
+                <a:schemeClr val="bg1"/>
+              </a:solidFill>
+              <a:ln w="12700">
+                <a:solidFill>
+                  <a:schemeClr val="tx1">
+                    <a:lumMod val="65000"/>
+                    <a:lumOff val="35000"/>
+                  </a:schemeClr>
+                </a:solidFill>
+              </a:ln>
+            </p:spPr>
+            <p:style>
+              <a:lnRef idx="2">
+                <a:schemeClr val="accent1">
+                  <a:shade val="50000"/>
+                </a:schemeClr>
+              </a:lnRef>
+              <a:fillRef idx="1">
+                <a:schemeClr val="accent1"/>
+              </a:fillRef>
+              <a:effectRef idx="0">
+                <a:schemeClr val="accent1"/>
+              </a:effectRef>
+              <a:fontRef idx="minor">
+                <a:schemeClr val="lt1"/>
+              </a:fontRef>
+            </p:style>
+            <p:txBody>
+              <a:bodyPr rtlCol="0" anchor="ctr"/>
+              <a:lstStyle/>
+              <a:p>
+                <a:pPr algn="ctr"/>
+                <a:endParaRPr lang="en-US" altLang="ko-KR" b="1" i="1" dirty="0">
+                  <a:solidFill>
+                    <a:prstClr val="black">
+                      <a:lumMod val="65000"/>
+                      <a:lumOff val="35000"/>
+                    </a:prstClr>
+                  </a:solidFill>
+                </a:endParaRPr>
+              </a:p>
+            </p:txBody>
+          </p:sp>
+          <p:sp>
+            <p:nvSpPr>
+              <p:cNvPr id="47" name="모서리가 둥근 직사각형 42">
+                <a:extLst>
+                  <a:ext uri="{FF2B5EF4-FFF2-40B4-BE49-F238E27FC236}">
+                    <a16:creationId xmlns:a16="http://schemas.microsoft.com/office/drawing/2014/main" id="{EE864E8E-84B0-4AFA-B27F-85DF151DEA58}"/>
+                  </a:ext>
+                </a:extLst>
+              </p:cNvPr>
+              <p:cNvSpPr/>
+              <p:nvPr/>
+            </p:nvSpPr>
+            <p:spPr>
+              <a:xfrm rot="4500000">
+                <a:off x="570440" y="213755"/>
+                <a:ext cx="180000" cy="45719"/>
+              </a:xfrm>
+              <a:prstGeom prst="roundRect">
+                <a:avLst>
+                  <a:gd name="adj" fmla="val 50000"/>
+                </a:avLst>
+              </a:prstGeom>
+              <a:solidFill>
+                <a:schemeClr val="bg1"/>
+              </a:solidFill>
+              <a:ln w="12700">
+                <a:solidFill>
+                  <a:schemeClr val="tx1">
+                    <a:lumMod val="65000"/>
+                    <a:lumOff val="35000"/>
+                  </a:schemeClr>
+                </a:solidFill>
+              </a:ln>
+            </p:spPr>
+            <p:style>
+              <a:lnRef idx="2">
+                <a:schemeClr val="accent1">
+                  <a:shade val="50000"/>
+                </a:schemeClr>
+              </a:lnRef>
+              <a:fillRef idx="1">
+                <a:schemeClr val="accent1"/>
+              </a:fillRef>
+              <a:effectRef idx="0">
+                <a:schemeClr val="accent1"/>
+              </a:effectRef>
+              <a:fontRef idx="minor">
+                <a:schemeClr val="lt1"/>
+              </a:fontRef>
+            </p:style>
+            <p:txBody>
+              <a:bodyPr rtlCol="0" anchor="ctr"/>
+              <a:lstStyle/>
+              <a:p>
+                <a:pPr algn="ctr"/>
+                <a:endParaRPr lang="en-US" altLang="ko-KR" b="1" i="1" dirty="0">
+                  <a:solidFill>
+                    <a:prstClr val="black">
+                      <a:lumMod val="65000"/>
+                      <a:lumOff val="35000"/>
+                    </a:prstClr>
+                  </a:solidFill>
+                </a:endParaRPr>
+              </a:p>
+            </p:txBody>
+          </p:sp>
+          <p:sp>
+            <p:nvSpPr>
+              <p:cNvPr id="48" name="모서리가 둥근 직사각형 43">
+                <a:extLst>
+                  <a:ext uri="{FF2B5EF4-FFF2-40B4-BE49-F238E27FC236}">
+                    <a16:creationId xmlns:a16="http://schemas.microsoft.com/office/drawing/2014/main" id="{E06CB29B-0EFB-44C5-88ED-F8F5AC04397A}"/>
+                  </a:ext>
+                </a:extLst>
+              </p:cNvPr>
+              <p:cNvSpPr/>
+              <p:nvPr/>
+            </p:nvSpPr>
+            <p:spPr>
+              <a:xfrm>
+                <a:off x="367914" y="458230"/>
+                <a:ext cx="180000" cy="45719"/>
+              </a:xfrm>
+              <a:prstGeom prst="roundRect">
+                <a:avLst>
+                  <a:gd name="adj" fmla="val 50000"/>
+                </a:avLst>
+              </a:prstGeom>
+              <a:solidFill>
+                <a:schemeClr val="bg1"/>
+              </a:solidFill>
+              <a:ln w="12700">
+                <a:solidFill>
+                  <a:schemeClr val="tx1">
+                    <a:lumMod val="65000"/>
+                    <a:lumOff val="35000"/>
+                  </a:schemeClr>
+                </a:solidFill>
+              </a:ln>
+            </p:spPr>
+            <p:style>
+              <a:lnRef idx="2">
+                <a:schemeClr val="accent1">
+                  <a:shade val="50000"/>
+                </a:schemeClr>
+              </a:lnRef>
+              <a:fillRef idx="1">
+                <a:schemeClr val="accent1"/>
+              </a:fillRef>
+              <a:effectRef idx="0">
+                <a:schemeClr val="accent1"/>
+              </a:effectRef>
+              <a:fontRef idx="minor">
+                <a:schemeClr val="lt1"/>
+              </a:fontRef>
+            </p:style>
+            <p:txBody>
+              <a:bodyPr rtlCol="0" anchor="ctr"/>
+              <a:lstStyle/>
+              <a:p>
+                <a:pPr algn="ctr"/>
+                <a:endParaRPr lang="en-US" altLang="ko-KR" b="1" i="1" dirty="0">
+                  <a:solidFill>
+                    <a:prstClr val="black">
+                      <a:lumMod val="65000"/>
+                      <a:lumOff val="35000"/>
+                    </a:prstClr>
+                  </a:solidFill>
+                </a:endParaRPr>
+              </a:p>
+            </p:txBody>
+          </p:sp>
+        </p:grpSp>
+        <p:sp>
+          <p:nvSpPr>
+            <p:cNvPr id="44" name="모서리가 둥근 직사각형 33">
+              <a:extLst>
+                <a:ext uri="{FF2B5EF4-FFF2-40B4-BE49-F238E27FC236}">
+                  <a16:creationId xmlns:a16="http://schemas.microsoft.com/office/drawing/2014/main" id="{22694B60-CFB6-4DFF-9C6A-E526293C4C83}"/>
+                </a:ext>
+              </a:extLst>
+            </p:cNvPr>
+            <p:cNvSpPr/>
+            <p:nvPr/>
+          </p:nvSpPr>
+          <p:spPr>
+            <a:xfrm>
+              <a:off x="2204051" y="5071812"/>
+              <a:ext cx="3057878" cy="144000"/>
+            </a:xfrm>
+            <a:prstGeom prst="roundRect">
+              <a:avLst>
+                <a:gd name="adj" fmla="val 50000"/>
+              </a:avLst>
+            </a:prstGeom>
+            <a:solidFill>
+              <a:schemeClr val="bg1">
+                <a:lumMod val="95000"/>
+              </a:schemeClr>
+            </a:solidFill>
+            <a:ln w="44450">
+              <a:solidFill>
+                <a:srgbClr val="73543B"/>
+              </a:solidFill>
+            </a:ln>
+            <a:effectLst>
+              <a:innerShdw blurRad="63500" dist="50800" dir="5400000">
+                <a:prstClr val="black">
+                  <a:alpha val="50000"/>
+                </a:prstClr>
+              </a:innerShdw>
+            </a:effectLst>
+          </p:spPr>
+          <p:style>
+            <a:lnRef idx="2">
+              <a:schemeClr val="accent1">
+                <a:shade val="50000"/>
+              </a:schemeClr>
+            </a:lnRef>
+            <a:fillRef idx="1">
+              <a:schemeClr val="accent1"/>
+            </a:fillRef>
+            <a:effectRef idx="0">
+              <a:schemeClr val="accent1"/>
+            </a:effectRef>
+            <a:fontRef idx="minor">
+              <a:schemeClr val="lt1"/>
+            </a:fontRef>
+          </p:style>
+          <p:txBody>
+            <a:bodyPr rtlCol="0" anchor="ctr"/>
+            <a:lstStyle/>
+            <a:p>
+              <a:pPr algn="ctr"/>
+              <a:endParaRPr lang="ko-KR" altLang="en-US">
+                <a:solidFill>
+                  <a:prstClr val="white"/>
+                </a:solidFill>
+              </a:endParaRPr>
+            </a:p>
+          </p:txBody>
+        </p:sp>
+        <p:sp>
+          <p:nvSpPr>
+            <p:cNvPr id="45" name="자유형 46">
+              <a:extLst>
+                <a:ext uri="{FF2B5EF4-FFF2-40B4-BE49-F238E27FC236}">
+                  <a16:creationId xmlns:a16="http://schemas.microsoft.com/office/drawing/2014/main" id="{1F779377-C0C1-4DBA-9B40-966970285799}"/>
+                </a:ext>
+              </a:extLst>
+            </p:cNvPr>
+            <p:cNvSpPr/>
+            <p:nvPr/>
+          </p:nvSpPr>
+          <p:spPr>
+            <a:xfrm>
+              <a:off x="2335068" y="4284721"/>
+              <a:ext cx="2795844" cy="821243"/>
+            </a:xfrm>
+            <a:custGeom>
+              <a:avLst/>
+              <a:gdLst>
+                <a:gd name="connsiteX0" fmla="*/ 97203 w 2795844"/>
+                <a:gd name="connsiteY0" fmla="*/ 0 h 821243"/>
+                <a:gd name="connsiteX1" fmla="*/ 2567199 w 2795844"/>
+                <a:gd name="connsiteY1" fmla="*/ 0 h 821243"/>
+                <a:gd name="connsiteX2" fmla="*/ 2795844 w 2795844"/>
+                <a:gd name="connsiteY2" fmla="*/ 228646 h 821243"/>
+                <a:gd name="connsiteX3" fmla="*/ 2795844 w 2795844"/>
+                <a:gd name="connsiteY3" fmla="*/ 821243 h 821243"/>
+                <a:gd name="connsiteX4" fmla="*/ 0 w 2795844"/>
+                <a:gd name="connsiteY4" fmla="*/ 821243 h 821243"/>
+                <a:gd name="connsiteX5" fmla="*/ 0 w 2795844"/>
+                <a:gd name="connsiteY5" fmla="*/ 97203 h 821243"/>
+                <a:gd name="connsiteX6" fmla="*/ 97203 w 2795844"/>
+                <a:gd name="connsiteY6" fmla="*/ 0 h 821243"/>
+              </a:gdLst>
+              <a:ahLst/>
+              <a:cxnLst>
+                <a:cxn ang="0">
+                  <a:pos x="connsiteX0" y="connsiteY0"/>
+                </a:cxn>
+                <a:cxn ang="0">
+                  <a:pos x="connsiteX1" y="connsiteY1"/>
+                </a:cxn>
+                <a:cxn ang="0">
+                  <a:pos x="connsiteX2" y="connsiteY2"/>
+                </a:cxn>
+                <a:cxn ang="0">
+                  <a:pos x="connsiteX3" y="connsiteY3"/>
+                </a:cxn>
+                <a:cxn ang="0">
+                  <a:pos x="connsiteX4" y="connsiteY4"/>
+                </a:cxn>
+                <a:cxn ang="0">
+                  <a:pos x="connsiteX5" y="connsiteY5"/>
+                </a:cxn>
+                <a:cxn ang="0">
+                  <a:pos x="connsiteX6" y="connsiteY6"/>
+                </a:cxn>
+              </a:cxnLst>
+              <a:rect l="l" t="t" r="r" b="b"/>
+              <a:pathLst>
+                <a:path w="2795844" h="821243">
+                  <a:moveTo>
+                    <a:pt x="97203" y="0"/>
+                  </a:moveTo>
+                  <a:lnTo>
+                    <a:pt x="2567199" y="0"/>
+                  </a:lnTo>
+                  <a:lnTo>
+                    <a:pt x="2795844" y="228646"/>
+                  </a:lnTo>
+                  <a:lnTo>
+                    <a:pt x="2795844" y="821243"/>
+                  </a:lnTo>
+                  <a:lnTo>
+                    <a:pt x="0" y="821243"/>
+                  </a:lnTo>
+                  <a:lnTo>
+                    <a:pt x="0" y="97203"/>
+                  </a:lnTo>
+                  <a:cubicBezTo>
+                    <a:pt x="0" y="43519"/>
+                    <a:pt x="43519" y="0"/>
+                    <a:pt x="97203" y="0"/>
+                  </a:cubicBezTo>
+                  <a:close/>
+                </a:path>
+              </a:pathLst>
+            </a:custGeom>
+            <a:solidFill>
+              <a:schemeClr val="accent5">
+                <a:lumMod val="40000"/>
+                <a:lumOff val="60000"/>
+              </a:schemeClr>
+            </a:solidFill>
+            <a:ln w="28575">
+              <a:solidFill>
+                <a:schemeClr val="tx1">
+                  <a:lumMod val="65000"/>
+                  <a:lumOff val="35000"/>
+                </a:schemeClr>
+              </a:solidFill>
+            </a:ln>
+          </p:spPr>
+          <p:style>
+            <a:lnRef idx="2">
+              <a:schemeClr val="accent1">
+                <a:shade val="50000"/>
+              </a:schemeClr>
+            </a:lnRef>
+            <a:fillRef idx="1">
+              <a:schemeClr val="accent1"/>
+            </a:fillRef>
+            <a:effectRef idx="0">
+              <a:schemeClr val="accent1"/>
+            </a:effectRef>
+            <a:fontRef idx="minor">
+              <a:schemeClr val="lt1"/>
+            </a:fontRef>
+          </p:style>
+          <p:txBody>
+            <a:bodyPr wrap="square" rtlCol="0" anchor="ctr">
+              <a:noAutofit/>
+            </a:bodyPr>
+            <a:lstStyle/>
+            <a:p>
+              <a:pPr algn="ctr"/>
+              <a:endParaRPr lang="ko-KR" altLang="en-US">
+                <a:solidFill>
+                  <a:prstClr val="white"/>
+                </a:solidFill>
+              </a:endParaRPr>
+            </a:p>
+          </p:txBody>
+        </p:sp>
+      </p:grpSp>
       <p:sp>
         <p:nvSpPr>
-          <p:cNvPr id="2" name="제목 1"/>
-          <p:cNvSpPr>
-            <a:spLocks noGrp="1"/>
-          </p:cNvSpPr>
-          <p:nvPr>
-            <p:ph type="title"/>
-          </p:nvPr>
+          <p:cNvPr id="50" name="직사각형 49">
+            <a:extLst>
+              <a:ext uri="{FF2B5EF4-FFF2-40B4-BE49-F238E27FC236}">
+                <a16:creationId xmlns:a16="http://schemas.microsoft.com/office/drawing/2014/main" id="{0E3D49E1-455B-495B-BCBE-2926B3F5EF4A}"/>
+              </a:ext>
+            </a:extLst>
+          </p:cNvPr>
+          <p:cNvSpPr/>
+          <p:nvPr userDrawn="1"/>
         </p:nvSpPr>
         <p:spPr>
           <a:xfrm>
-            <a:off x="831850" y="1709738"/>
-            <a:ext cx="10515600" cy="2852737"/>
+            <a:off x="3641601" y="2530066"/>
+            <a:ext cx="4908798" cy="1011944"/>
           </a:xfrm>
+          <a:prstGeom prst="rect">
+            <a:avLst/>
+          </a:prstGeom>
         </p:spPr>
         <p:txBody>
-          <a:bodyPr anchor="b"/>
-          <a:lstStyle>
-            <a:lvl1pPr>
-              <a:defRPr sz="6000"/>
-            </a:lvl1pPr>
-          </a:lstStyle>
-          <a:p>
-            <a:r>
-              <a:rPr lang="ko-KR" altLang="en-US"/>
-              <a:t>마스터 제목 스타일 편집</a:t>
-            </a:r>
-          </a:p>
-        </p:txBody>
-      </p:sp>
-      <p:sp>
-        <p:nvSpPr>
-          <p:cNvPr id="3" name="텍스트 개체 틀 2"/>
-          <p:cNvSpPr>
-            <a:spLocks noGrp="1"/>
-          </p:cNvSpPr>
-          <p:nvPr>
-            <p:ph type="body" idx="1"/>
-          </p:nvPr>
-        </p:nvSpPr>
-        <p:spPr>
-          <a:xfrm>
-            <a:off x="831850" y="4589463"/>
-            <a:ext cx="10515600" cy="1500187"/>
-          </a:xfrm>
-        </p:spPr>
-        <p:txBody>
-          <a:bodyPr/>
-          <a:lstStyle>
-            <a:lvl1pPr marL="0" indent="0">
-              <a:buNone/>
-              <a:defRPr sz="2400">
+          <a:bodyPr wrap="square">
+            <a:spAutoFit/>
+          </a:bodyPr>
+          <a:lstStyle/>
+          <a:p>
+            <a:pPr algn="ctr">
+              <a:lnSpc>
+                <a:spcPct val="150000"/>
+              </a:lnSpc>
+            </a:pPr>
+            <a:r>
+              <a:rPr lang="en-US" altLang="ko-KR" i="1" dirty="0" err="1">
                 <a:solidFill>
                   <a:schemeClr val="tx1">
-                    <a:tint val="75000"/>
+                    <a:lumMod val="65000"/>
+                    <a:lumOff val="35000"/>
                   </a:schemeClr>
                 </a:solidFill>
-              </a:defRPr>
-            </a:lvl1pPr>
-            <a:lvl2pPr marL="457200" indent="0">
-              <a:buNone/>
-              <a:defRPr sz="2000">
+              </a:rPr>
+              <a:t>JavaStudy</a:t>
+            </a:r>
+            <a:r>
+              <a:rPr lang="en-US" altLang="ko-KR" i="1" dirty="0">
                 <a:solidFill>
                   <a:schemeClr val="tx1">
-                    <a:tint val="75000"/>
+                    <a:lumMod val="65000"/>
+                    <a:lumOff val="35000"/>
                   </a:schemeClr>
                 </a:solidFill>
-              </a:defRPr>
-            </a:lvl2pPr>
-            <a:lvl3pPr marL="914400" indent="0">
-              <a:buNone/>
-              <a:defRPr sz="1800">
+              </a:rPr>
+              <a:t> </a:t>
+            </a:r>
+            <a:r>
+              <a:rPr lang="ko-KR" altLang="en-US" sz="3200" b="1" i="1" dirty="0" err="1">
                 <a:solidFill>
                   <a:schemeClr val="tx1">
-                    <a:tint val="75000"/>
+                    <a:lumMod val="65000"/>
+                    <a:lumOff val="35000"/>
                   </a:schemeClr>
                 </a:solidFill>
-              </a:defRPr>
-            </a:lvl3pPr>
-            <a:lvl4pPr marL="1371600" indent="0">
-              <a:buNone/>
-              <a:defRPr sz="1600">
+              </a:rPr>
+              <a:t>이것이자바다</a:t>
+            </a:r>
+            <a:endParaRPr lang="en-US" altLang="ko-KR" sz="3200" b="1" i="1" dirty="0">
+              <a:solidFill>
+                <a:schemeClr val="tx1">
+                  <a:lumMod val="65000"/>
+                  <a:lumOff val="35000"/>
+                </a:schemeClr>
+              </a:solidFill>
+            </a:endParaRPr>
+          </a:p>
+          <a:p>
+            <a:pPr algn="ctr">
+              <a:lnSpc>
+                <a:spcPct val="150000"/>
+              </a:lnSpc>
+            </a:pPr>
+            <a:r>
+              <a:rPr lang="en-US" altLang="ko-KR" sz="900" dirty="0">
                 <a:solidFill>
                   <a:schemeClr val="tx1">
-                    <a:tint val="75000"/>
+                    <a:lumMod val="65000"/>
+                    <a:lumOff val="35000"/>
                   </a:schemeClr>
                 </a:solidFill>
-              </a:defRPr>
-            </a:lvl4pPr>
-            <a:lvl5pPr marL="1828800" indent="0">
-              <a:buNone/>
-              <a:defRPr sz="1600">
-                <a:solidFill>
-                  <a:schemeClr val="tx1">
-                    <a:tint val="75000"/>
-                  </a:schemeClr>
-                </a:solidFill>
-              </a:defRPr>
-            </a:lvl5pPr>
-            <a:lvl6pPr marL="2286000" indent="0">
-              <a:buNone/>
-              <a:defRPr sz="1600">
-                <a:solidFill>
-                  <a:schemeClr val="tx1">
-                    <a:tint val="75000"/>
-                  </a:schemeClr>
-                </a:solidFill>
-              </a:defRPr>
-            </a:lvl6pPr>
-            <a:lvl7pPr marL="2743200" indent="0">
-              <a:buNone/>
-              <a:defRPr sz="1600">
-                <a:solidFill>
-                  <a:schemeClr val="tx1">
-                    <a:tint val="75000"/>
-                  </a:schemeClr>
-                </a:solidFill>
-              </a:defRPr>
-            </a:lvl7pPr>
-            <a:lvl8pPr marL="3200400" indent="0">
-              <a:buNone/>
-              <a:defRPr sz="1600">
-                <a:solidFill>
-                  <a:schemeClr val="tx1">
-                    <a:tint val="75000"/>
-                  </a:schemeClr>
-                </a:solidFill>
-              </a:defRPr>
-            </a:lvl8pPr>
-            <a:lvl9pPr marL="3657600" indent="0">
-              <a:buNone/>
-              <a:defRPr sz="1600">
-                <a:solidFill>
-                  <a:schemeClr val="tx1">
-                    <a:tint val="75000"/>
-                  </a:schemeClr>
-                </a:solidFill>
-              </a:defRPr>
-            </a:lvl9pPr>
-          </a:lstStyle>
-          <a:p>
-            <a:pPr lvl="0"/>
-            <a:r>
-              <a:rPr lang="ko-KR" altLang="en-US"/>
-              <a:t>마스터 텍스트 스타일을 편집합니다</a:t>
-            </a:r>
-          </a:p>
-        </p:txBody>
-      </p:sp>
-      <p:sp>
-        <p:nvSpPr>
-          <p:cNvPr id="4" name="날짜 개체 틀 3"/>
-          <p:cNvSpPr>
-            <a:spLocks noGrp="1"/>
-          </p:cNvSpPr>
-          <p:nvPr>
-            <p:ph type="dt" sz="half" idx="10"/>
-          </p:nvPr>
-        </p:nvSpPr>
-        <p:spPr/>
-        <p:txBody>
-          <a:bodyPr/>
-          <a:lstStyle/>
-          <a:p>
-            <a:fld id="{C7351A05-FE79-4763-A84F-D4FE701A9E82}" type="datetimeFigureOut">
-              <a:rPr lang="ko-KR" altLang="en-US" smtClean="0"/>
-              <a:t>2019-04-04</a:t>
-            </a:fld>
-            <a:endParaRPr lang="ko-KR" altLang="en-US"/>
-          </a:p>
-        </p:txBody>
-      </p:sp>
-      <p:sp>
-        <p:nvSpPr>
-          <p:cNvPr id="5" name="바닥글 개체 틀 4"/>
-          <p:cNvSpPr>
-            <a:spLocks noGrp="1"/>
-          </p:cNvSpPr>
-          <p:nvPr>
-            <p:ph type="ftr" sz="quarter" idx="11"/>
-          </p:nvPr>
-        </p:nvSpPr>
-        <p:spPr/>
-        <p:txBody>
-          <a:bodyPr/>
-          <a:lstStyle/>
-          <a:p>
-            <a:endParaRPr lang="ko-KR" altLang="en-US"/>
-          </a:p>
-        </p:txBody>
-      </p:sp>
-      <p:sp>
-        <p:nvSpPr>
-          <p:cNvPr id="6" name="슬라이드 번호 개체 틀 5"/>
-          <p:cNvSpPr>
-            <a:spLocks noGrp="1"/>
-          </p:cNvSpPr>
-          <p:nvPr>
-            <p:ph type="sldNum" sz="quarter" idx="12"/>
-          </p:nvPr>
-        </p:nvSpPr>
-        <p:spPr/>
-        <p:txBody>
-          <a:bodyPr/>
-          <a:lstStyle/>
-          <a:p>
-            <a:fld id="{BAAF555B-7E58-4FDF-83D4-B4CEA304EAF7}" type="slidenum">
-              <a:rPr lang="ko-KR" altLang="en-US" smtClean="0"/>
-              <a:t>‹#›</a:t>
-            </a:fld>
-            <a:endParaRPr lang="ko-KR" altLang="en-US"/>
+              </a:rPr>
+              <a:t>https://github.com/tomfromkr/javastudy</a:t>
+            </a:r>
+            <a:endParaRPr lang="ko-KR" altLang="en-US" sz="2400" dirty="0">
+              <a:solidFill>
+                <a:schemeClr val="tx1">
+                  <a:lumMod val="65000"/>
+                  <a:lumOff val="35000"/>
+                </a:schemeClr>
+              </a:solidFill>
+            </a:endParaRPr>
           </a:p>
         </p:txBody>
       </p:sp>
@@ -1417,6 +3195,767 @@
     <p:extLst>
       <p:ext uri="{BB962C8B-B14F-4D97-AF65-F5344CB8AC3E}">
         <p14:creationId xmlns:p14="http://schemas.microsoft.com/office/powerpoint/2010/main" val="3785560477"/>
+      </p:ext>
+    </p:extLst>
+  </p:cSld>
+  <p:clrMapOvr>
+    <a:masterClrMapping/>
+  </p:clrMapOvr>
+</p:sldLayout>
+</file>
+
+<file path=ppt/slideLayouts/slideLayout3.xml><?xml version="1.0" encoding="utf-8"?>
+<p:sldLayout xmlns:a="http://schemas.openxmlformats.org/drawingml/2006/main" xmlns:r="http://schemas.openxmlformats.org/officeDocument/2006/relationships" xmlns:p="http://schemas.openxmlformats.org/presentationml/2006/main" preserve="1" userDrawn="1">
+  <p:cSld name="제목 슬라이드">
+    <p:spTree>
+      <p:nvGrpSpPr>
+        <p:cNvPr id="1" name=""/>
+        <p:cNvGrpSpPr/>
+        <p:nvPr/>
+      </p:nvGrpSpPr>
+      <p:grpSpPr>
+        <a:xfrm>
+          <a:off x="0" y="0"/>
+          <a:ext cx="0" cy="0"/>
+          <a:chOff x="0" y="0"/>
+          <a:chExt cx="0" cy="0"/>
+        </a:xfrm>
+      </p:grpSpPr>
+      <p:grpSp>
+        <p:nvGrpSpPr>
+          <p:cNvPr id="7" name="그룹 6">
+            <a:extLst>
+              <a:ext uri="{FF2B5EF4-FFF2-40B4-BE49-F238E27FC236}">
+                <a16:creationId xmlns:a16="http://schemas.microsoft.com/office/drawing/2014/main" id="{E1824757-5586-49E8-9EF2-D22B55171ED9}"/>
+              </a:ext>
+            </a:extLst>
+          </p:cNvPr>
+          <p:cNvGrpSpPr/>
+          <p:nvPr userDrawn="1"/>
+        </p:nvGrpSpPr>
+        <p:grpSpPr>
+          <a:xfrm>
+            <a:off x="367914" y="130417"/>
+            <a:ext cx="11438262" cy="6727583"/>
+            <a:chOff x="367914" y="130417"/>
+            <a:chExt cx="11438262" cy="6727583"/>
+          </a:xfrm>
+        </p:grpSpPr>
+        <p:sp>
+          <p:nvSpPr>
+            <p:cNvPr id="8" name="자유형 5">
+              <a:extLst>
+                <a:ext uri="{FF2B5EF4-FFF2-40B4-BE49-F238E27FC236}">
+                  <a16:creationId xmlns:a16="http://schemas.microsoft.com/office/drawing/2014/main" id="{0F05753F-9342-4707-B9A5-75AEBA20D4FE}"/>
+                </a:ext>
+              </a:extLst>
+            </p:cNvPr>
+            <p:cNvSpPr/>
+            <p:nvPr/>
+          </p:nvSpPr>
+          <p:spPr>
+            <a:xfrm>
+              <a:off x="625033" y="289367"/>
+              <a:ext cx="11181143" cy="6568633"/>
+            </a:xfrm>
+            <a:custGeom>
+              <a:avLst/>
+              <a:gdLst>
+                <a:gd name="connsiteX0" fmla="*/ 388732 w 11181143"/>
+                <a:gd name="connsiteY0" fmla="*/ 0 h 6568633"/>
+                <a:gd name="connsiteX1" fmla="*/ 10266744 w 11181143"/>
+                <a:gd name="connsiteY1" fmla="*/ 0 h 6568633"/>
+                <a:gd name="connsiteX2" fmla="*/ 11181143 w 11181143"/>
+                <a:gd name="connsiteY2" fmla="*/ 914399 h 6568633"/>
+                <a:gd name="connsiteX3" fmla="*/ 11181143 w 11181143"/>
+                <a:gd name="connsiteY3" fmla="*/ 6568633 h 6568633"/>
+                <a:gd name="connsiteX4" fmla="*/ 0 w 11181143"/>
+                <a:gd name="connsiteY4" fmla="*/ 6568633 h 6568633"/>
+                <a:gd name="connsiteX5" fmla="*/ 0 w 11181143"/>
+                <a:gd name="connsiteY5" fmla="*/ 388732 h 6568633"/>
+                <a:gd name="connsiteX6" fmla="*/ 388732 w 11181143"/>
+                <a:gd name="connsiteY6" fmla="*/ 0 h 6568633"/>
+              </a:gdLst>
+              <a:ahLst/>
+              <a:cxnLst>
+                <a:cxn ang="0">
+                  <a:pos x="connsiteX0" y="connsiteY0"/>
+                </a:cxn>
+                <a:cxn ang="0">
+                  <a:pos x="connsiteX1" y="connsiteY1"/>
+                </a:cxn>
+                <a:cxn ang="0">
+                  <a:pos x="connsiteX2" y="connsiteY2"/>
+                </a:cxn>
+                <a:cxn ang="0">
+                  <a:pos x="connsiteX3" y="connsiteY3"/>
+                </a:cxn>
+                <a:cxn ang="0">
+                  <a:pos x="connsiteX4" y="connsiteY4"/>
+                </a:cxn>
+                <a:cxn ang="0">
+                  <a:pos x="connsiteX5" y="connsiteY5"/>
+                </a:cxn>
+                <a:cxn ang="0">
+                  <a:pos x="connsiteX6" y="connsiteY6"/>
+                </a:cxn>
+              </a:cxnLst>
+              <a:rect l="l" t="t" r="r" b="b"/>
+              <a:pathLst>
+                <a:path w="11181143" h="6568633">
+                  <a:moveTo>
+                    <a:pt x="388732" y="0"/>
+                  </a:moveTo>
+                  <a:lnTo>
+                    <a:pt x="10266744" y="0"/>
+                  </a:lnTo>
+                  <a:lnTo>
+                    <a:pt x="11181143" y="914399"/>
+                  </a:lnTo>
+                  <a:lnTo>
+                    <a:pt x="11181143" y="6568633"/>
+                  </a:lnTo>
+                  <a:lnTo>
+                    <a:pt x="0" y="6568633"/>
+                  </a:lnTo>
+                  <a:lnTo>
+                    <a:pt x="0" y="388732"/>
+                  </a:lnTo>
+                  <a:cubicBezTo>
+                    <a:pt x="0" y="174041"/>
+                    <a:pt x="174041" y="0"/>
+                    <a:pt x="388732" y="0"/>
+                  </a:cubicBezTo>
+                  <a:close/>
+                </a:path>
+              </a:pathLst>
+            </a:custGeom>
+            <a:solidFill>
+              <a:schemeClr val="bg1"/>
+            </a:solidFill>
+            <a:ln w="28575">
+              <a:solidFill>
+                <a:schemeClr val="tx1">
+                  <a:lumMod val="65000"/>
+                  <a:lumOff val="35000"/>
+                </a:schemeClr>
+              </a:solidFill>
+            </a:ln>
+          </p:spPr>
+          <p:style>
+            <a:lnRef idx="2">
+              <a:schemeClr val="accent1">
+                <a:shade val="50000"/>
+              </a:schemeClr>
+            </a:lnRef>
+            <a:fillRef idx="1">
+              <a:schemeClr val="accent1"/>
+            </a:fillRef>
+            <a:effectRef idx="0">
+              <a:schemeClr val="accent1"/>
+            </a:effectRef>
+            <a:fontRef idx="minor">
+              <a:schemeClr val="lt1"/>
+            </a:fontRef>
+          </p:style>
+          <p:txBody>
+            <a:bodyPr rtlCol="0" anchor="ctr"/>
+            <a:lstStyle/>
+            <a:p>
+              <a:pPr algn="ctr"/>
+              <a:endParaRPr lang="ko-KR" altLang="en-US">
+                <a:solidFill>
+                  <a:prstClr val="white"/>
+                </a:solidFill>
+              </a:endParaRPr>
+            </a:p>
+          </p:txBody>
+        </p:sp>
+        <p:sp>
+          <p:nvSpPr>
+            <p:cNvPr id="9" name="자유형 7">
+              <a:extLst>
+                <a:ext uri="{FF2B5EF4-FFF2-40B4-BE49-F238E27FC236}">
+                  <a16:creationId xmlns:a16="http://schemas.microsoft.com/office/drawing/2014/main" id="{D51E796A-156F-4507-9FA7-924BFC8F3137}"/>
+                </a:ext>
+              </a:extLst>
+            </p:cNvPr>
+            <p:cNvSpPr/>
+            <p:nvPr/>
+          </p:nvSpPr>
+          <p:spPr>
+            <a:xfrm flipH="1" flipV="1">
+              <a:off x="10891777" y="289367"/>
+              <a:ext cx="914399" cy="914399"/>
+            </a:xfrm>
+            <a:custGeom>
+              <a:avLst/>
+              <a:gdLst>
+                <a:gd name="connsiteX0" fmla="*/ 0 w 914399"/>
+                <a:gd name="connsiteY0" fmla="*/ 0 h 914399"/>
+                <a:gd name="connsiteX1" fmla="*/ 525667 w 914399"/>
+                <a:gd name="connsiteY1" fmla="*/ 0 h 914399"/>
+                <a:gd name="connsiteX2" fmla="*/ 914399 w 914399"/>
+                <a:gd name="connsiteY2" fmla="*/ 388732 h 914399"/>
+                <a:gd name="connsiteX3" fmla="*/ 914399 w 914399"/>
+                <a:gd name="connsiteY3" fmla="*/ 914399 h 914399"/>
+                <a:gd name="connsiteX4" fmla="*/ 0 w 914399"/>
+                <a:gd name="connsiteY4" fmla="*/ 0 h 914399"/>
+              </a:gdLst>
+              <a:ahLst/>
+              <a:cxnLst>
+                <a:cxn ang="0">
+                  <a:pos x="connsiteX0" y="connsiteY0"/>
+                </a:cxn>
+                <a:cxn ang="0">
+                  <a:pos x="connsiteX1" y="connsiteY1"/>
+                </a:cxn>
+                <a:cxn ang="0">
+                  <a:pos x="connsiteX2" y="connsiteY2"/>
+                </a:cxn>
+                <a:cxn ang="0">
+                  <a:pos x="connsiteX3" y="connsiteY3"/>
+                </a:cxn>
+                <a:cxn ang="0">
+                  <a:pos x="connsiteX4" y="connsiteY4"/>
+                </a:cxn>
+              </a:cxnLst>
+              <a:rect l="l" t="t" r="r" b="b"/>
+              <a:pathLst>
+                <a:path w="914399" h="914399">
+                  <a:moveTo>
+                    <a:pt x="0" y="0"/>
+                  </a:moveTo>
+                  <a:lnTo>
+                    <a:pt x="525667" y="0"/>
+                  </a:lnTo>
+                  <a:cubicBezTo>
+                    <a:pt x="740358" y="0"/>
+                    <a:pt x="914399" y="174041"/>
+                    <a:pt x="914399" y="388732"/>
+                  </a:cubicBezTo>
+                  <a:lnTo>
+                    <a:pt x="914399" y="914399"/>
+                  </a:lnTo>
+                  <a:lnTo>
+                    <a:pt x="0" y="0"/>
+                  </a:lnTo>
+                  <a:close/>
+                </a:path>
+              </a:pathLst>
+            </a:custGeom>
+            <a:solidFill>
+              <a:schemeClr val="bg1"/>
+            </a:solidFill>
+            <a:ln w="28575">
+              <a:solidFill>
+                <a:schemeClr val="tx1">
+                  <a:lumMod val="65000"/>
+                  <a:lumOff val="35000"/>
+                </a:schemeClr>
+              </a:solidFill>
+            </a:ln>
+          </p:spPr>
+          <p:style>
+            <a:lnRef idx="2">
+              <a:schemeClr val="accent1">
+                <a:shade val="50000"/>
+              </a:schemeClr>
+            </a:lnRef>
+            <a:fillRef idx="1">
+              <a:schemeClr val="accent1"/>
+            </a:fillRef>
+            <a:effectRef idx="0">
+              <a:schemeClr val="accent1"/>
+            </a:effectRef>
+            <a:fontRef idx="minor">
+              <a:schemeClr val="lt1"/>
+            </a:fontRef>
+          </p:style>
+          <p:txBody>
+            <a:bodyPr rtlCol="0" anchor="ctr"/>
+            <a:lstStyle/>
+            <a:p>
+              <a:pPr algn="ctr"/>
+              <a:endParaRPr lang="ko-KR" altLang="en-US">
+                <a:solidFill>
+                  <a:prstClr val="white"/>
+                </a:solidFill>
+              </a:endParaRPr>
+            </a:p>
+          </p:txBody>
+        </p:sp>
+        <p:sp>
+          <p:nvSpPr>
+            <p:cNvPr id="10" name="타원 9">
+              <a:extLst>
+                <a:ext uri="{FF2B5EF4-FFF2-40B4-BE49-F238E27FC236}">
+                  <a16:creationId xmlns:a16="http://schemas.microsoft.com/office/drawing/2014/main" id="{3BC513A5-043C-45ED-9A45-BC93F6D8833F}"/>
+                </a:ext>
+              </a:extLst>
+            </p:cNvPr>
+            <p:cNvSpPr/>
+            <p:nvPr/>
+          </p:nvSpPr>
+          <p:spPr>
+            <a:xfrm>
+              <a:off x="972272" y="607669"/>
+              <a:ext cx="312517" cy="312517"/>
+            </a:xfrm>
+            <a:prstGeom prst="ellipse">
+              <a:avLst/>
+            </a:prstGeom>
+            <a:noFill/>
+            <a:ln w="28575">
+              <a:solidFill>
+                <a:schemeClr val="tx1">
+                  <a:lumMod val="65000"/>
+                  <a:lumOff val="35000"/>
+                </a:schemeClr>
+              </a:solidFill>
+            </a:ln>
+          </p:spPr>
+          <p:style>
+            <a:lnRef idx="2">
+              <a:schemeClr val="accent1">
+                <a:shade val="50000"/>
+              </a:schemeClr>
+            </a:lnRef>
+            <a:fillRef idx="1">
+              <a:schemeClr val="accent1"/>
+            </a:fillRef>
+            <a:effectRef idx="0">
+              <a:schemeClr val="accent1"/>
+            </a:effectRef>
+            <a:fontRef idx="minor">
+              <a:schemeClr val="lt1"/>
+            </a:fontRef>
+          </p:style>
+          <p:txBody>
+            <a:bodyPr tIns="0" rtlCol="0" anchor="ctr"/>
+            <a:lstStyle/>
+            <a:p>
+              <a:pPr algn="ctr"/>
+              <a:r>
+                <a:rPr lang="en-US" altLang="ko-KR" b="1" dirty="0">
+                  <a:solidFill>
+                    <a:schemeClr val="tx1">
+                      <a:lumMod val="65000"/>
+                      <a:lumOff val="35000"/>
+                    </a:schemeClr>
+                  </a:solidFill>
+                </a:rPr>
+                <a:t>&lt;</a:t>
+              </a:r>
+              <a:endParaRPr lang="ko-KR" altLang="en-US" b="1" dirty="0">
+                <a:solidFill>
+                  <a:schemeClr val="tx1">
+                    <a:lumMod val="65000"/>
+                    <a:lumOff val="35000"/>
+                  </a:schemeClr>
+                </a:solidFill>
+              </a:endParaRPr>
+            </a:p>
+          </p:txBody>
+        </p:sp>
+        <p:sp>
+          <p:nvSpPr>
+            <p:cNvPr id="11" name="타원 10">
+              <a:extLst>
+                <a:ext uri="{FF2B5EF4-FFF2-40B4-BE49-F238E27FC236}">
+                  <a16:creationId xmlns:a16="http://schemas.microsoft.com/office/drawing/2014/main" id="{8CBE4426-391B-4579-84E5-CC933957E45E}"/>
+                </a:ext>
+              </a:extLst>
+            </p:cNvPr>
+            <p:cNvSpPr/>
+            <p:nvPr/>
+          </p:nvSpPr>
+          <p:spPr>
+            <a:xfrm>
+              <a:off x="1412109" y="607669"/>
+              <a:ext cx="312517" cy="312517"/>
+            </a:xfrm>
+            <a:prstGeom prst="ellipse">
+              <a:avLst/>
+            </a:prstGeom>
+            <a:noFill/>
+            <a:ln w="28575">
+              <a:solidFill>
+                <a:schemeClr val="tx1">
+                  <a:lumMod val="65000"/>
+                  <a:lumOff val="35000"/>
+                </a:schemeClr>
+              </a:solidFill>
+            </a:ln>
+          </p:spPr>
+          <p:style>
+            <a:lnRef idx="2">
+              <a:schemeClr val="accent1">
+                <a:shade val="50000"/>
+              </a:schemeClr>
+            </a:lnRef>
+            <a:fillRef idx="1">
+              <a:schemeClr val="accent1"/>
+            </a:fillRef>
+            <a:effectRef idx="0">
+              <a:schemeClr val="accent1"/>
+            </a:effectRef>
+            <a:fontRef idx="minor">
+              <a:schemeClr val="lt1"/>
+            </a:fontRef>
+          </p:style>
+          <p:txBody>
+            <a:bodyPr tIns="0" rtlCol="0" anchor="ctr"/>
+            <a:lstStyle/>
+            <a:p>
+              <a:pPr algn="ctr"/>
+              <a:r>
+                <a:rPr lang="en-US" altLang="ko-KR" b="1" dirty="0">
+                  <a:solidFill>
+                    <a:schemeClr val="tx1">
+                      <a:lumMod val="65000"/>
+                      <a:lumOff val="35000"/>
+                    </a:schemeClr>
+                  </a:solidFill>
+                </a:rPr>
+                <a:t>&gt;</a:t>
+              </a:r>
+              <a:endParaRPr lang="ko-KR" altLang="en-US" b="1" dirty="0">
+                <a:solidFill>
+                  <a:schemeClr val="tx1">
+                    <a:lumMod val="65000"/>
+                    <a:lumOff val="35000"/>
+                  </a:schemeClr>
+                </a:solidFill>
+              </a:endParaRPr>
+            </a:p>
+          </p:txBody>
+        </p:sp>
+        <p:grpSp>
+          <p:nvGrpSpPr>
+            <p:cNvPr id="12" name="그룹 11">
+              <a:extLst>
+                <a:ext uri="{FF2B5EF4-FFF2-40B4-BE49-F238E27FC236}">
+                  <a16:creationId xmlns:a16="http://schemas.microsoft.com/office/drawing/2014/main" id="{AB5A88AC-A4A6-4BA3-8F46-5F121E4AC78B}"/>
+                </a:ext>
+              </a:extLst>
+            </p:cNvPr>
+            <p:cNvGrpSpPr/>
+            <p:nvPr/>
+          </p:nvGrpSpPr>
+          <p:grpSpPr>
+            <a:xfrm>
+              <a:off x="367914" y="130417"/>
+              <a:ext cx="315385" cy="373532"/>
+              <a:chOff x="367914" y="130417"/>
+              <a:chExt cx="315385" cy="373532"/>
+            </a:xfrm>
+          </p:grpSpPr>
+          <p:sp>
+            <p:nvSpPr>
+              <p:cNvPr id="13" name="모서리가 둥근 직사각형 9">
+                <a:extLst>
+                  <a:ext uri="{FF2B5EF4-FFF2-40B4-BE49-F238E27FC236}">
+                    <a16:creationId xmlns:a16="http://schemas.microsoft.com/office/drawing/2014/main" id="{810D12FF-E1E7-47FD-AF10-673A6AEFBC49}"/>
+                  </a:ext>
+                </a:extLst>
+              </p:cNvPr>
+              <p:cNvSpPr/>
+              <p:nvPr/>
+            </p:nvSpPr>
+            <p:spPr>
+              <a:xfrm rot="2700000">
+                <a:off x="337523" y="266508"/>
+                <a:ext cx="317901" cy="45719"/>
+              </a:xfrm>
+              <a:prstGeom prst="roundRect">
+                <a:avLst>
+                  <a:gd name="adj" fmla="val 50000"/>
+                </a:avLst>
+              </a:prstGeom>
+              <a:solidFill>
+                <a:schemeClr val="bg1"/>
+              </a:solidFill>
+              <a:ln w="12700">
+                <a:solidFill>
+                  <a:schemeClr val="tx1">
+                    <a:lumMod val="65000"/>
+                    <a:lumOff val="35000"/>
+                  </a:schemeClr>
+                </a:solidFill>
+              </a:ln>
+            </p:spPr>
+            <p:style>
+              <a:lnRef idx="2">
+                <a:schemeClr val="accent1">
+                  <a:shade val="50000"/>
+                </a:schemeClr>
+              </a:lnRef>
+              <a:fillRef idx="1">
+                <a:schemeClr val="accent1"/>
+              </a:fillRef>
+              <a:effectRef idx="0">
+                <a:schemeClr val="accent1"/>
+              </a:effectRef>
+              <a:fontRef idx="minor">
+                <a:schemeClr val="lt1"/>
+              </a:fontRef>
+            </p:style>
+            <p:txBody>
+              <a:bodyPr rtlCol="0" anchor="ctr"/>
+              <a:lstStyle/>
+              <a:p>
+                <a:pPr lvl="0" algn="ctr"/>
+                <a:endParaRPr lang="en-US" altLang="ko-KR" b="1" i="1" dirty="0">
+                  <a:solidFill>
+                    <a:schemeClr val="tx1">
+                      <a:lumMod val="65000"/>
+                      <a:lumOff val="35000"/>
+                    </a:schemeClr>
+                  </a:solidFill>
+                </a:endParaRPr>
+              </a:p>
+            </p:txBody>
+          </p:sp>
+          <p:sp>
+            <p:nvSpPr>
+              <p:cNvPr id="14" name="모서리가 둥근 직사각형 10">
+                <a:extLst>
+                  <a:ext uri="{FF2B5EF4-FFF2-40B4-BE49-F238E27FC236}">
+                    <a16:creationId xmlns:a16="http://schemas.microsoft.com/office/drawing/2014/main" id="{66F7B54B-9180-4A8D-95FB-BD36E1EA3DA7}"/>
+                  </a:ext>
+                </a:extLst>
+              </p:cNvPr>
+              <p:cNvSpPr/>
+              <p:nvPr/>
+            </p:nvSpPr>
+            <p:spPr>
+              <a:xfrm rot="4500000">
+                <a:off x="570440" y="213755"/>
+                <a:ext cx="180000" cy="45719"/>
+              </a:xfrm>
+              <a:prstGeom prst="roundRect">
+                <a:avLst>
+                  <a:gd name="adj" fmla="val 50000"/>
+                </a:avLst>
+              </a:prstGeom>
+              <a:solidFill>
+                <a:schemeClr val="bg1"/>
+              </a:solidFill>
+              <a:ln w="12700">
+                <a:solidFill>
+                  <a:schemeClr val="tx1">
+                    <a:lumMod val="65000"/>
+                    <a:lumOff val="35000"/>
+                  </a:schemeClr>
+                </a:solidFill>
+              </a:ln>
+            </p:spPr>
+            <p:style>
+              <a:lnRef idx="2">
+                <a:schemeClr val="accent1">
+                  <a:shade val="50000"/>
+                </a:schemeClr>
+              </a:lnRef>
+              <a:fillRef idx="1">
+                <a:schemeClr val="accent1"/>
+              </a:fillRef>
+              <a:effectRef idx="0">
+                <a:schemeClr val="accent1"/>
+              </a:effectRef>
+              <a:fontRef idx="minor">
+                <a:schemeClr val="lt1"/>
+              </a:fontRef>
+            </p:style>
+            <p:txBody>
+              <a:bodyPr rtlCol="0" anchor="ctr"/>
+              <a:lstStyle/>
+              <a:p>
+                <a:pPr lvl="0" algn="ctr"/>
+                <a:endParaRPr lang="en-US" altLang="ko-KR" b="1" i="1" dirty="0">
+                  <a:solidFill>
+                    <a:schemeClr val="tx1">
+                      <a:lumMod val="65000"/>
+                      <a:lumOff val="35000"/>
+                    </a:schemeClr>
+                  </a:solidFill>
+                </a:endParaRPr>
+              </a:p>
+            </p:txBody>
+          </p:sp>
+          <p:sp>
+            <p:nvSpPr>
+              <p:cNvPr id="15" name="모서리가 둥근 직사각형 11">
+                <a:extLst>
+                  <a:ext uri="{FF2B5EF4-FFF2-40B4-BE49-F238E27FC236}">
+                    <a16:creationId xmlns:a16="http://schemas.microsoft.com/office/drawing/2014/main" id="{57709110-5F1D-42F4-A01B-29E6C9DC3CD2}"/>
+                  </a:ext>
+                </a:extLst>
+              </p:cNvPr>
+              <p:cNvSpPr/>
+              <p:nvPr/>
+            </p:nvSpPr>
+            <p:spPr>
+              <a:xfrm>
+                <a:off x="367914" y="458230"/>
+                <a:ext cx="180000" cy="45719"/>
+              </a:xfrm>
+              <a:prstGeom prst="roundRect">
+                <a:avLst>
+                  <a:gd name="adj" fmla="val 50000"/>
+                </a:avLst>
+              </a:prstGeom>
+              <a:solidFill>
+                <a:schemeClr val="bg1"/>
+              </a:solidFill>
+              <a:ln w="12700">
+                <a:solidFill>
+                  <a:schemeClr val="tx1">
+                    <a:lumMod val="65000"/>
+                    <a:lumOff val="35000"/>
+                  </a:schemeClr>
+                </a:solidFill>
+              </a:ln>
+            </p:spPr>
+            <p:style>
+              <a:lnRef idx="2">
+                <a:schemeClr val="accent1">
+                  <a:shade val="50000"/>
+                </a:schemeClr>
+              </a:lnRef>
+              <a:fillRef idx="1">
+                <a:schemeClr val="accent1"/>
+              </a:fillRef>
+              <a:effectRef idx="0">
+                <a:schemeClr val="accent1"/>
+              </a:effectRef>
+              <a:fontRef idx="minor">
+                <a:schemeClr val="lt1"/>
+              </a:fontRef>
+            </p:style>
+            <p:txBody>
+              <a:bodyPr rtlCol="0" anchor="ctr"/>
+              <a:lstStyle/>
+              <a:p>
+                <a:pPr lvl="0" algn="ctr"/>
+                <a:endParaRPr lang="en-US" altLang="ko-KR" b="1" i="1" dirty="0">
+                  <a:solidFill>
+                    <a:schemeClr val="tx1">
+                      <a:lumMod val="65000"/>
+                      <a:lumOff val="35000"/>
+                    </a:schemeClr>
+                  </a:solidFill>
+                </a:endParaRPr>
+              </a:p>
+            </p:txBody>
+          </p:sp>
+        </p:grpSp>
+      </p:grpSp>
+      <p:sp>
+        <p:nvSpPr>
+          <p:cNvPr id="16" name="모서리가 둥근 직사각형 2">
+            <a:extLst>
+              <a:ext uri="{FF2B5EF4-FFF2-40B4-BE49-F238E27FC236}">
+                <a16:creationId xmlns:a16="http://schemas.microsoft.com/office/drawing/2014/main" id="{73C1284C-DFE5-4552-937A-927929537EB4}"/>
+              </a:ext>
+            </a:extLst>
+          </p:cNvPr>
+          <p:cNvSpPr/>
+          <p:nvPr userDrawn="1"/>
+        </p:nvSpPr>
+        <p:spPr>
+          <a:xfrm>
+            <a:off x="2025570" y="526642"/>
+            <a:ext cx="6041984" cy="434053"/>
+          </a:xfrm>
+          <a:prstGeom prst="roundRect">
+            <a:avLst>
+              <a:gd name="adj" fmla="val 50000"/>
+            </a:avLst>
+          </a:prstGeom>
+          <a:solidFill>
+            <a:schemeClr val="bg1">
+              <a:lumMod val="95000"/>
+            </a:schemeClr>
+          </a:solidFill>
+          <a:ln w="28575">
+            <a:solidFill>
+              <a:schemeClr val="tx1">
+                <a:lumMod val="65000"/>
+                <a:lumOff val="35000"/>
+              </a:schemeClr>
+            </a:solidFill>
+          </a:ln>
+        </p:spPr>
+        <p:style>
+          <a:lnRef idx="2">
+            <a:schemeClr val="accent1">
+              <a:shade val="50000"/>
+            </a:schemeClr>
+          </a:lnRef>
+          <a:fillRef idx="1">
+            <a:schemeClr val="accent1"/>
+          </a:fillRef>
+          <a:effectRef idx="0">
+            <a:schemeClr val="accent1"/>
+          </a:effectRef>
+          <a:fontRef idx="minor">
+            <a:schemeClr val="lt1"/>
+          </a:fontRef>
+        </p:style>
+        <p:txBody>
+          <a:bodyPr rtlCol="0" anchor="ctr"/>
+          <a:lstStyle/>
+          <a:p>
+            <a:pPr lvl="0" algn="ctr"/>
+            <a:r>
+              <a:rPr lang="en-US" altLang="ko-KR" sz="1400" i="1" dirty="0" err="1">
+                <a:solidFill>
+                  <a:schemeClr val="tx1">
+                    <a:lumMod val="65000"/>
+                    <a:lumOff val="35000"/>
+                  </a:schemeClr>
+                </a:solidFill>
+              </a:rPr>
+              <a:t>JavaStudy</a:t>
+            </a:r>
+            <a:r>
+              <a:rPr lang="en-US" altLang="ko-KR" sz="1400" i="1" dirty="0">
+                <a:solidFill>
+                  <a:schemeClr val="tx1">
+                    <a:lumMod val="65000"/>
+                    <a:lumOff val="35000"/>
+                  </a:schemeClr>
+                </a:solidFill>
+              </a:rPr>
+              <a:t> </a:t>
+            </a:r>
+            <a:r>
+              <a:rPr lang="ko-KR" altLang="en-US" b="1" i="1" dirty="0" err="1">
+                <a:solidFill>
+                  <a:schemeClr val="tx1">
+                    <a:lumMod val="65000"/>
+                    <a:lumOff val="35000"/>
+                  </a:schemeClr>
+                </a:solidFill>
+              </a:rPr>
+              <a:t>이것이자바다</a:t>
+            </a:r>
+            <a:endParaRPr lang="en-US" altLang="ko-KR" b="1" i="1" dirty="0">
+              <a:solidFill>
+                <a:schemeClr val="tx1">
+                  <a:lumMod val="65000"/>
+                  <a:lumOff val="35000"/>
+                </a:schemeClr>
+              </a:solidFill>
+            </a:endParaRPr>
+          </a:p>
+        </p:txBody>
+      </p:sp>
+    </p:spTree>
+    <p:extLst>
+      <p:ext uri="{BB962C8B-B14F-4D97-AF65-F5344CB8AC3E}">
+        <p14:creationId xmlns:p14="http://schemas.microsoft.com/office/powerpoint/2010/main" val="2265125616"/>
       </p:ext>
     </p:extLst>
   </p:cSld>
@@ -3007,9 +5546,9 @@
   </p:cSld>
   <p:clrMap bg1="lt1" tx1="dk1" bg2="lt2" tx2="dk2" accent1="accent1" accent2="accent2" accent3="accent3" accent4="accent4" accent5="accent5" accent6="accent6" hlink="hlink" folHlink="folHlink"/>
   <p:sldLayoutIdLst>
-    <p:sldLayoutId id="2147483649" r:id="rId1"/>
-    <p:sldLayoutId id="2147483650" r:id="rId2"/>
-    <p:sldLayoutId id="2147483651" r:id="rId3"/>
+    <p:sldLayoutId id="2147483650" r:id="rId1"/>
+    <p:sldLayoutId id="2147483651" r:id="rId2"/>
+    <p:sldLayoutId id="2147483649" r:id="rId3"/>
     <p:sldLayoutId id="2147483652" r:id="rId4"/>
     <p:sldLayoutId id="2147483653" r:id="rId5"/>
     <p:sldLayoutId id="2147483654" r:id="rId6"/>
@@ -3370,26 +5909,6 @@
           <a:lstStyle/>
           <a:p>
             <a:pPr algn="ctr"/>
-            <a:r>
-              <a:rPr lang="ko-KR" altLang="en-US" sz="2400" dirty="0">
-                <a:solidFill>
-                  <a:prstClr val="black">
-                    <a:lumMod val="65000"/>
-                    <a:lumOff val="35000"/>
-                  </a:prstClr>
-                </a:solidFill>
-                <a:effectLst>
-                  <a:outerShdw blurRad="38100" dist="38100" dir="2700000" algn="tl">
-                    <a:srgbClr val="000000">
-                      <a:alpha val="43137"/>
-                    </a:srgbClr>
-                  </a:outerShdw>
-                </a:effectLst>
-                <a:latin typeface="나눔바른고딕 Light" panose="020B0603020101020101" pitchFamily="50" charset="-127"/>
-                <a:ea typeface="나눔바른고딕 Light" panose="020B0603020101020101" pitchFamily="50" charset="-127"/>
-              </a:rPr>
-              <a:t>신지혜</a:t>
-            </a:r>
             <a:endParaRPr lang="en-US" altLang="ko-KR" sz="2400" dirty="0">
               <a:solidFill>
                 <a:prstClr val="black">
@@ -4217,6 +6736,76 @@
           </a:p>
         </p:txBody>
       </p:sp>
+      <p:sp>
+        <p:nvSpPr>
+          <p:cNvPr id="2" name="TextBox 1">
+            <a:extLst>
+              <a:ext uri="{FF2B5EF4-FFF2-40B4-BE49-F238E27FC236}">
+                <a16:creationId xmlns:a16="http://schemas.microsoft.com/office/drawing/2014/main" id="{7A48B6AF-B984-4044-AEF1-E271C6FC5D90}"/>
+              </a:ext>
+            </a:extLst>
+          </p:cNvPr>
+          <p:cNvSpPr txBox="1"/>
+          <p:nvPr/>
+        </p:nvSpPr>
+        <p:spPr>
+          <a:xfrm>
+            <a:off x="5312722" y="4979952"/>
+            <a:ext cx="1588209" cy="400110"/>
+          </a:xfrm>
+          <a:prstGeom prst="rect">
+            <a:avLst/>
+          </a:prstGeom>
+          <a:noFill/>
+        </p:spPr>
+        <p:txBody>
+          <a:bodyPr wrap="square" rtlCol="0">
+            <a:spAutoFit/>
+          </a:bodyPr>
+          <a:lstStyle/>
+          <a:p>
+            <a:r>
+              <a:rPr lang="ko-KR" altLang="en-US" sz="2000" dirty="0">
+                <a:effectLst>
+                  <a:outerShdw blurRad="38100" dist="38100" dir="2700000" algn="tl">
+                    <a:srgbClr val="000000">
+                      <a:alpha val="43137"/>
+                    </a:srgbClr>
+                  </a:outerShdw>
+                </a:effectLst>
+                <a:latin typeface="나눔바른고딕 Light" panose="020B0603020101020101" pitchFamily="50" charset="-127"/>
+                <a:ea typeface="나눔바른고딕 Light" panose="020B0603020101020101" pitchFamily="50" charset="-127"/>
+              </a:rPr>
+              <a:t>주차</a:t>
+            </a:r>
+            <a:r>
+              <a:rPr lang="en-US" altLang="ko-KR" sz="2000" dirty="0">
+                <a:effectLst>
+                  <a:outerShdw blurRad="38100" dist="38100" dir="2700000" algn="tl">
+                    <a:srgbClr val="000000">
+                      <a:alpha val="43137"/>
+                    </a:srgbClr>
+                  </a:outerShdw>
+                </a:effectLst>
+                <a:latin typeface="나눔바른고딕 Light" panose="020B0603020101020101" pitchFamily="50" charset="-127"/>
+                <a:ea typeface="나눔바른고딕 Light" panose="020B0603020101020101" pitchFamily="50" charset="-127"/>
+              </a:rPr>
+              <a:t>_</a:t>
+            </a:r>
+            <a:endParaRPr lang="ko-KR" altLang="en-US" sz="2000" dirty="0">
+              <a:effectLst>
+                <a:outerShdw blurRad="38100" dist="38100" dir="2700000" algn="tl">
+                  <a:srgbClr val="000000">
+                    <a:alpha val="43137"/>
+                  </a:srgbClr>
+                </a:outerShdw>
+              </a:effectLst>
+              <a:latin typeface="나눔바른고딕 Light" panose="020B0603020101020101" pitchFamily="50" charset="-127"/>
+              <a:ea typeface="나눔바른고딕 Light" panose="020B0603020101020101" pitchFamily="50" charset="-127"/>
+            </a:endParaRPr>
+          </a:p>
+        </p:txBody>
+      </p:sp>
     </p:spTree>
     <p:extLst>
       <p:ext uri="{BB962C8B-B14F-4D97-AF65-F5344CB8AC3E}">
@@ -4247,1163 +6836,34 @@
           <a:chExt cx="0" cy="0"/>
         </a:xfrm>
       </p:grpSpPr>
-      <p:grpSp>
-        <p:nvGrpSpPr>
-          <p:cNvPr id="5" name="그룹 4"/>
-          <p:cNvGrpSpPr/>
-          <p:nvPr/>
-        </p:nvGrpSpPr>
-        <p:grpSpPr>
-          <a:xfrm>
-            <a:off x="3002968" y="1208652"/>
-            <a:ext cx="6108619" cy="3655786"/>
-            <a:chOff x="3630678" y="1273635"/>
-            <a:chExt cx="5083937" cy="3042551"/>
-          </a:xfrm>
-          <a:effectLst>
-            <a:outerShdw blurRad="76200" dir="18900000" sy="23000" kx="-1200000" algn="bl" rotWithShape="0">
-              <a:prstClr val="black">
-                <a:alpha val="20000"/>
-              </a:prstClr>
-            </a:outerShdw>
-          </a:effectLst>
-        </p:grpSpPr>
-        <p:grpSp>
-          <p:nvGrpSpPr>
-            <p:cNvPr id="13" name="그룹 12"/>
-            <p:cNvGrpSpPr/>
-            <p:nvPr/>
-          </p:nvGrpSpPr>
-          <p:grpSpPr>
-            <a:xfrm>
-              <a:off x="3630678" y="1273635"/>
-              <a:ext cx="315385" cy="373532"/>
-              <a:chOff x="367914" y="130417"/>
-              <a:chExt cx="315385" cy="373532"/>
-            </a:xfrm>
-          </p:grpSpPr>
-          <p:sp>
-            <p:nvSpPr>
-              <p:cNvPr id="10" name="모서리가 둥근 직사각형 9"/>
-              <p:cNvSpPr/>
-              <p:nvPr/>
-            </p:nvSpPr>
-            <p:spPr>
-              <a:xfrm rot="2700000">
-                <a:off x="337523" y="266508"/>
-                <a:ext cx="317901" cy="45719"/>
-              </a:xfrm>
-              <a:prstGeom prst="roundRect">
-                <a:avLst>
-                  <a:gd name="adj" fmla="val 50000"/>
-                </a:avLst>
-              </a:prstGeom>
-              <a:solidFill>
-                <a:schemeClr val="bg1"/>
-              </a:solidFill>
-              <a:ln w="12700">
-                <a:solidFill>
-                  <a:schemeClr val="tx1">
-                    <a:lumMod val="65000"/>
-                    <a:lumOff val="35000"/>
-                  </a:schemeClr>
-                </a:solidFill>
-              </a:ln>
-            </p:spPr>
-            <p:style>
-              <a:lnRef idx="2">
-                <a:schemeClr val="accent1">
-                  <a:shade val="50000"/>
-                </a:schemeClr>
-              </a:lnRef>
-              <a:fillRef idx="1">
-                <a:schemeClr val="accent1"/>
-              </a:fillRef>
-              <a:effectRef idx="0">
-                <a:schemeClr val="accent1"/>
-              </a:effectRef>
-              <a:fontRef idx="minor">
-                <a:schemeClr val="lt1"/>
-              </a:fontRef>
-            </p:style>
-            <p:txBody>
-              <a:bodyPr rtlCol="0" anchor="ctr"/>
-              <a:lstStyle/>
-              <a:p>
-                <a:pPr algn="ctr"/>
-                <a:endParaRPr lang="en-US" altLang="ko-KR" b="1" i="1" dirty="0">
-                  <a:solidFill>
-                    <a:prstClr val="black">
-                      <a:lumMod val="65000"/>
-                      <a:lumOff val="35000"/>
-                    </a:prstClr>
-                  </a:solidFill>
-                </a:endParaRPr>
-              </a:p>
-            </p:txBody>
-          </p:sp>
-          <p:sp>
-            <p:nvSpPr>
-              <p:cNvPr id="11" name="모서리가 둥근 직사각형 10"/>
-              <p:cNvSpPr/>
-              <p:nvPr/>
-            </p:nvSpPr>
-            <p:spPr>
-              <a:xfrm rot="4500000">
-                <a:off x="570440" y="213755"/>
-                <a:ext cx="180000" cy="45719"/>
-              </a:xfrm>
-              <a:prstGeom prst="roundRect">
-                <a:avLst>
-                  <a:gd name="adj" fmla="val 50000"/>
-                </a:avLst>
-              </a:prstGeom>
-              <a:solidFill>
-                <a:schemeClr val="bg1"/>
-              </a:solidFill>
-              <a:ln w="12700">
-                <a:solidFill>
-                  <a:schemeClr val="tx1">
-                    <a:lumMod val="65000"/>
-                    <a:lumOff val="35000"/>
-                  </a:schemeClr>
-                </a:solidFill>
-              </a:ln>
-            </p:spPr>
-            <p:style>
-              <a:lnRef idx="2">
-                <a:schemeClr val="accent1">
-                  <a:shade val="50000"/>
-                </a:schemeClr>
-              </a:lnRef>
-              <a:fillRef idx="1">
-                <a:schemeClr val="accent1"/>
-              </a:fillRef>
-              <a:effectRef idx="0">
-                <a:schemeClr val="accent1"/>
-              </a:effectRef>
-              <a:fontRef idx="minor">
-                <a:schemeClr val="lt1"/>
-              </a:fontRef>
-            </p:style>
-            <p:txBody>
-              <a:bodyPr rtlCol="0" anchor="ctr"/>
-              <a:lstStyle/>
-              <a:p>
-                <a:pPr algn="ctr"/>
-                <a:endParaRPr lang="en-US" altLang="ko-KR" b="1" i="1" dirty="0">
-                  <a:solidFill>
-                    <a:prstClr val="black">
-                      <a:lumMod val="65000"/>
-                      <a:lumOff val="35000"/>
-                    </a:prstClr>
-                  </a:solidFill>
-                </a:endParaRPr>
-              </a:p>
-            </p:txBody>
-          </p:sp>
-          <p:sp>
-            <p:nvSpPr>
-              <p:cNvPr id="12" name="모서리가 둥근 직사각형 11"/>
-              <p:cNvSpPr/>
-              <p:nvPr/>
-            </p:nvSpPr>
-            <p:spPr>
-              <a:xfrm>
-                <a:off x="367914" y="458230"/>
-                <a:ext cx="180000" cy="45719"/>
-              </a:xfrm>
-              <a:prstGeom prst="roundRect">
-                <a:avLst>
-                  <a:gd name="adj" fmla="val 50000"/>
-                </a:avLst>
-              </a:prstGeom>
-              <a:solidFill>
-                <a:schemeClr val="bg1"/>
-              </a:solidFill>
-              <a:ln w="12700">
-                <a:solidFill>
-                  <a:schemeClr val="tx1">
-                    <a:lumMod val="65000"/>
-                    <a:lumOff val="35000"/>
-                  </a:schemeClr>
-                </a:solidFill>
-              </a:ln>
-            </p:spPr>
-            <p:style>
-              <a:lnRef idx="2">
-                <a:schemeClr val="accent1">
-                  <a:shade val="50000"/>
-                </a:schemeClr>
-              </a:lnRef>
-              <a:fillRef idx="1">
-                <a:schemeClr val="accent1"/>
-              </a:fillRef>
-              <a:effectRef idx="0">
-                <a:schemeClr val="accent1"/>
-              </a:effectRef>
-              <a:fontRef idx="minor">
-                <a:schemeClr val="lt1"/>
-              </a:fontRef>
-            </p:style>
-            <p:txBody>
-              <a:bodyPr rtlCol="0" anchor="ctr"/>
-              <a:lstStyle/>
-              <a:p>
-                <a:pPr algn="ctr"/>
-                <a:endParaRPr lang="en-US" altLang="ko-KR" b="1" i="1" dirty="0">
-                  <a:solidFill>
-                    <a:prstClr val="black">
-                      <a:lumMod val="65000"/>
-                      <a:lumOff val="35000"/>
-                    </a:prstClr>
-                  </a:solidFill>
-                </a:endParaRPr>
-              </a:p>
-            </p:txBody>
-          </p:sp>
-        </p:grpSp>
-        <p:sp>
-          <p:nvSpPr>
-            <p:cNvPr id="14" name="모서리가 둥근 직사각형 13"/>
-            <p:cNvSpPr/>
-            <p:nvPr/>
-          </p:nvSpPr>
-          <p:spPr>
-            <a:xfrm>
-              <a:off x="3750273" y="4134209"/>
-              <a:ext cx="4923405" cy="181977"/>
-            </a:xfrm>
-            <a:prstGeom prst="roundRect">
-              <a:avLst>
-                <a:gd name="adj" fmla="val 50000"/>
-              </a:avLst>
-            </a:prstGeom>
-            <a:solidFill>
-              <a:schemeClr val="accent5">
-                <a:lumMod val="75000"/>
-              </a:schemeClr>
-            </a:solidFill>
-            <a:ln w="44450">
-              <a:solidFill>
-                <a:srgbClr val="73543B"/>
-              </a:solidFill>
-            </a:ln>
-            <a:effectLst>
-              <a:innerShdw blurRad="63500" dist="50800" dir="5400000">
-                <a:prstClr val="black">
-                  <a:alpha val="50000"/>
-                </a:prstClr>
-              </a:innerShdw>
-            </a:effectLst>
-          </p:spPr>
-          <p:style>
-            <a:lnRef idx="2">
-              <a:schemeClr val="accent1">
-                <a:shade val="50000"/>
-              </a:schemeClr>
-            </a:lnRef>
-            <a:fillRef idx="1">
-              <a:schemeClr val="accent1"/>
-            </a:fillRef>
-            <a:effectRef idx="0">
-              <a:schemeClr val="accent1"/>
-            </a:effectRef>
-            <a:fontRef idx="minor">
-              <a:schemeClr val="lt1"/>
-            </a:fontRef>
-          </p:style>
-          <p:txBody>
-            <a:bodyPr rtlCol="0" anchor="ctr"/>
-            <a:lstStyle/>
-            <a:p>
-              <a:pPr algn="ctr"/>
-              <a:endParaRPr lang="ko-KR" altLang="en-US">
-                <a:solidFill>
-                  <a:prstClr val="white"/>
-                </a:solidFill>
-              </a:endParaRPr>
-            </a:p>
-          </p:txBody>
-        </p:sp>
-        <p:grpSp>
-          <p:nvGrpSpPr>
-            <p:cNvPr id="4" name="그룹 3"/>
-            <p:cNvGrpSpPr/>
-            <p:nvPr/>
-          </p:nvGrpSpPr>
-          <p:grpSpPr>
-            <a:xfrm>
-              <a:off x="3961219" y="1558267"/>
-              <a:ext cx="4501511" cy="2644522"/>
-              <a:chOff x="625033" y="289367"/>
-              <a:chExt cx="11181143" cy="6568633"/>
-            </a:xfrm>
-          </p:grpSpPr>
-          <p:sp>
-            <p:nvSpPr>
-              <p:cNvPr id="6" name="자유형 5"/>
-              <p:cNvSpPr/>
-              <p:nvPr/>
-            </p:nvSpPr>
-            <p:spPr>
-              <a:xfrm>
-                <a:off x="625033" y="289367"/>
-                <a:ext cx="11181143" cy="6568633"/>
-              </a:xfrm>
-              <a:custGeom>
-                <a:avLst/>
-                <a:gdLst>
-                  <a:gd name="connsiteX0" fmla="*/ 388732 w 11181143"/>
-                  <a:gd name="connsiteY0" fmla="*/ 0 h 6568633"/>
-                  <a:gd name="connsiteX1" fmla="*/ 10266744 w 11181143"/>
-                  <a:gd name="connsiteY1" fmla="*/ 0 h 6568633"/>
-                  <a:gd name="connsiteX2" fmla="*/ 11181143 w 11181143"/>
-                  <a:gd name="connsiteY2" fmla="*/ 914399 h 6568633"/>
-                  <a:gd name="connsiteX3" fmla="*/ 11181143 w 11181143"/>
-                  <a:gd name="connsiteY3" fmla="*/ 6568633 h 6568633"/>
-                  <a:gd name="connsiteX4" fmla="*/ 0 w 11181143"/>
-                  <a:gd name="connsiteY4" fmla="*/ 6568633 h 6568633"/>
-                  <a:gd name="connsiteX5" fmla="*/ 0 w 11181143"/>
-                  <a:gd name="connsiteY5" fmla="*/ 388732 h 6568633"/>
-                  <a:gd name="connsiteX6" fmla="*/ 388732 w 11181143"/>
-                  <a:gd name="connsiteY6" fmla="*/ 0 h 6568633"/>
-                </a:gdLst>
-                <a:ahLst/>
-                <a:cxnLst>
-                  <a:cxn ang="0">
-                    <a:pos x="connsiteX0" y="connsiteY0"/>
-                  </a:cxn>
-                  <a:cxn ang="0">
-                    <a:pos x="connsiteX1" y="connsiteY1"/>
-                  </a:cxn>
-                  <a:cxn ang="0">
-                    <a:pos x="connsiteX2" y="connsiteY2"/>
-                  </a:cxn>
-                  <a:cxn ang="0">
-                    <a:pos x="connsiteX3" y="connsiteY3"/>
-                  </a:cxn>
-                  <a:cxn ang="0">
-                    <a:pos x="connsiteX4" y="connsiteY4"/>
-                  </a:cxn>
-                  <a:cxn ang="0">
-                    <a:pos x="connsiteX5" y="connsiteY5"/>
-                  </a:cxn>
-                  <a:cxn ang="0">
-                    <a:pos x="connsiteX6" y="connsiteY6"/>
-                  </a:cxn>
-                </a:cxnLst>
-                <a:rect l="l" t="t" r="r" b="b"/>
-                <a:pathLst>
-                  <a:path w="11181143" h="6568633">
-                    <a:moveTo>
-                      <a:pt x="388732" y="0"/>
-                    </a:moveTo>
-                    <a:lnTo>
-                      <a:pt x="10266744" y="0"/>
-                    </a:lnTo>
-                    <a:lnTo>
-                      <a:pt x="11181143" y="914399"/>
-                    </a:lnTo>
-                    <a:lnTo>
-                      <a:pt x="11181143" y="6568633"/>
-                    </a:lnTo>
-                    <a:lnTo>
-                      <a:pt x="0" y="6568633"/>
-                    </a:lnTo>
-                    <a:lnTo>
-                      <a:pt x="0" y="388732"/>
-                    </a:lnTo>
-                    <a:cubicBezTo>
-                      <a:pt x="0" y="174041"/>
-                      <a:pt x="174041" y="0"/>
-                      <a:pt x="388732" y="0"/>
-                    </a:cubicBezTo>
-                    <a:close/>
-                  </a:path>
-                </a:pathLst>
-              </a:custGeom>
-              <a:solidFill>
-                <a:schemeClr val="bg1"/>
-              </a:solidFill>
-              <a:ln w="28575">
-                <a:solidFill>
-                  <a:schemeClr val="tx1">
-                    <a:lumMod val="65000"/>
-                    <a:lumOff val="35000"/>
-                  </a:schemeClr>
-                </a:solidFill>
-              </a:ln>
-            </p:spPr>
-            <p:style>
-              <a:lnRef idx="2">
-                <a:schemeClr val="accent1">
-                  <a:shade val="50000"/>
-                </a:schemeClr>
-              </a:lnRef>
-              <a:fillRef idx="1">
-                <a:schemeClr val="accent1"/>
-              </a:fillRef>
-              <a:effectRef idx="0">
-                <a:schemeClr val="accent1"/>
-              </a:effectRef>
-              <a:fontRef idx="minor">
-                <a:schemeClr val="lt1"/>
-              </a:fontRef>
-            </p:style>
-            <p:txBody>
-              <a:bodyPr rtlCol="0" anchor="ctr"/>
-              <a:lstStyle/>
-              <a:p>
-                <a:pPr algn="ctr"/>
-                <a:endParaRPr lang="ko-KR" altLang="en-US">
-                  <a:solidFill>
-                    <a:prstClr val="white"/>
-                  </a:solidFill>
-                </a:endParaRPr>
-              </a:p>
-            </p:txBody>
-          </p:sp>
-          <p:sp>
-            <p:nvSpPr>
-              <p:cNvPr id="8" name="자유형 7"/>
-              <p:cNvSpPr/>
-              <p:nvPr/>
-            </p:nvSpPr>
-            <p:spPr>
-              <a:xfrm flipH="1" flipV="1">
-                <a:off x="10891777" y="289367"/>
-                <a:ext cx="914399" cy="914399"/>
-              </a:xfrm>
-              <a:custGeom>
-                <a:avLst/>
-                <a:gdLst>
-                  <a:gd name="connsiteX0" fmla="*/ 0 w 914399"/>
-                  <a:gd name="connsiteY0" fmla="*/ 0 h 914399"/>
-                  <a:gd name="connsiteX1" fmla="*/ 525667 w 914399"/>
-                  <a:gd name="connsiteY1" fmla="*/ 0 h 914399"/>
-                  <a:gd name="connsiteX2" fmla="*/ 914399 w 914399"/>
-                  <a:gd name="connsiteY2" fmla="*/ 388732 h 914399"/>
-                  <a:gd name="connsiteX3" fmla="*/ 914399 w 914399"/>
-                  <a:gd name="connsiteY3" fmla="*/ 914399 h 914399"/>
-                  <a:gd name="connsiteX4" fmla="*/ 0 w 914399"/>
-                  <a:gd name="connsiteY4" fmla="*/ 0 h 914399"/>
-                </a:gdLst>
-                <a:ahLst/>
-                <a:cxnLst>
-                  <a:cxn ang="0">
-                    <a:pos x="connsiteX0" y="connsiteY0"/>
-                  </a:cxn>
-                  <a:cxn ang="0">
-                    <a:pos x="connsiteX1" y="connsiteY1"/>
-                  </a:cxn>
-                  <a:cxn ang="0">
-                    <a:pos x="connsiteX2" y="connsiteY2"/>
-                  </a:cxn>
-                  <a:cxn ang="0">
-                    <a:pos x="connsiteX3" y="connsiteY3"/>
-                  </a:cxn>
-                  <a:cxn ang="0">
-                    <a:pos x="connsiteX4" y="connsiteY4"/>
-                  </a:cxn>
-                </a:cxnLst>
-                <a:rect l="l" t="t" r="r" b="b"/>
-                <a:pathLst>
-                  <a:path w="914399" h="914399">
-                    <a:moveTo>
-                      <a:pt x="0" y="0"/>
-                    </a:moveTo>
-                    <a:lnTo>
-                      <a:pt x="525667" y="0"/>
-                    </a:lnTo>
-                    <a:cubicBezTo>
-                      <a:pt x="740358" y="0"/>
-                      <a:pt x="914399" y="174041"/>
-                      <a:pt x="914399" y="388732"/>
-                    </a:cubicBezTo>
-                    <a:lnTo>
-                      <a:pt x="914399" y="914399"/>
-                    </a:lnTo>
-                    <a:lnTo>
-                      <a:pt x="0" y="0"/>
-                    </a:lnTo>
-                    <a:close/>
-                  </a:path>
-                </a:pathLst>
-              </a:custGeom>
-              <a:solidFill>
-                <a:schemeClr val="bg1"/>
-              </a:solidFill>
-              <a:ln w="28575">
-                <a:solidFill>
-                  <a:schemeClr val="tx1">
-                    <a:lumMod val="65000"/>
-                    <a:lumOff val="35000"/>
-                  </a:schemeClr>
-                </a:solidFill>
-              </a:ln>
-            </p:spPr>
-            <p:style>
-              <a:lnRef idx="2">
-                <a:schemeClr val="accent1">
-                  <a:shade val="50000"/>
-                </a:schemeClr>
-              </a:lnRef>
-              <a:fillRef idx="1">
-                <a:schemeClr val="accent1"/>
-              </a:fillRef>
-              <a:effectRef idx="0">
-                <a:schemeClr val="accent1"/>
-              </a:effectRef>
-              <a:fontRef idx="minor">
-                <a:schemeClr val="lt1"/>
-              </a:fontRef>
-            </p:style>
-            <p:txBody>
-              <a:bodyPr rtlCol="0" anchor="ctr"/>
-              <a:lstStyle/>
-              <a:p>
-                <a:pPr algn="ctr"/>
-                <a:endParaRPr lang="ko-KR" altLang="en-US">
-                  <a:solidFill>
-                    <a:prstClr val="white"/>
-                  </a:solidFill>
-                </a:endParaRPr>
-              </a:p>
-            </p:txBody>
-          </p:sp>
-        </p:grpSp>
-        <p:grpSp>
-          <p:nvGrpSpPr>
-            <p:cNvPr id="51" name="그룹 50"/>
-            <p:cNvGrpSpPr/>
-            <p:nvPr/>
-          </p:nvGrpSpPr>
-          <p:grpSpPr>
-            <a:xfrm flipH="1">
-              <a:off x="8399230" y="1338482"/>
-              <a:ext cx="315385" cy="373532"/>
-              <a:chOff x="367914" y="130417"/>
-              <a:chExt cx="315385" cy="373532"/>
-            </a:xfrm>
-          </p:grpSpPr>
-          <p:sp>
-            <p:nvSpPr>
-              <p:cNvPr id="52" name="모서리가 둥근 직사각형 51"/>
-              <p:cNvSpPr/>
-              <p:nvPr/>
-            </p:nvSpPr>
-            <p:spPr>
-              <a:xfrm rot="2700000">
-                <a:off x="337523" y="266508"/>
-                <a:ext cx="317901" cy="45719"/>
-              </a:xfrm>
-              <a:prstGeom prst="roundRect">
-                <a:avLst>
-                  <a:gd name="adj" fmla="val 50000"/>
-                </a:avLst>
-              </a:prstGeom>
-              <a:solidFill>
-                <a:schemeClr val="bg1"/>
-              </a:solidFill>
-              <a:ln w="12700">
-                <a:solidFill>
-                  <a:schemeClr val="tx1">
-                    <a:lumMod val="65000"/>
-                    <a:lumOff val="35000"/>
-                  </a:schemeClr>
-                </a:solidFill>
-              </a:ln>
-            </p:spPr>
-            <p:style>
-              <a:lnRef idx="2">
-                <a:schemeClr val="accent1">
-                  <a:shade val="50000"/>
-                </a:schemeClr>
-              </a:lnRef>
-              <a:fillRef idx="1">
-                <a:schemeClr val="accent1"/>
-              </a:fillRef>
-              <a:effectRef idx="0">
-                <a:schemeClr val="accent1"/>
-              </a:effectRef>
-              <a:fontRef idx="minor">
-                <a:schemeClr val="lt1"/>
-              </a:fontRef>
-            </p:style>
-            <p:txBody>
-              <a:bodyPr rtlCol="0" anchor="ctr"/>
-              <a:lstStyle/>
-              <a:p>
-                <a:pPr algn="ctr"/>
-                <a:endParaRPr lang="en-US" altLang="ko-KR" b="1" i="1" dirty="0">
-                  <a:solidFill>
-                    <a:prstClr val="black">
-                      <a:lumMod val="65000"/>
-                      <a:lumOff val="35000"/>
-                    </a:prstClr>
-                  </a:solidFill>
-                </a:endParaRPr>
-              </a:p>
-            </p:txBody>
-          </p:sp>
-          <p:sp>
-            <p:nvSpPr>
-              <p:cNvPr id="53" name="모서리가 둥근 직사각형 52"/>
-              <p:cNvSpPr/>
-              <p:nvPr/>
-            </p:nvSpPr>
-            <p:spPr>
-              <a:xfrm rot="4500000">
-                <a:off x="570440" y="213755"/>
-                <a:ext cx="180000" cy="45719"/>
-              </a:xfrm>
-              <a:prstGeom prst="roundRect">
-                <a:avLst>
-                  <a:gd name="adj" fmla="val 50000"/>
-                </a:avLst>
-              </a:prstGeom>
-              <a:solidFill>
-                <a:schemeClr val="bg1"/>
-              </a:solidFill>
-              <a:ln w="12700">
-                <a:solidFill>
-                  <a:schemeClr val="tx1">
-                    <a:lumMod val="65000"/>
-                    <a:lumOff val="35000"/>
-                  </a:schemeClr>
-                </a:solidFill>
-              </a:ln>
-            </p:spPr>
-            <p:style>
-              <a:lnRef idx="2">
-                <a:schemeClr val="accent1">
-                  <a:shade val="50000"/>
-                </a:schemeClr>
-              </a:lnRef>
-              <a:fillRef idx="1">
-                <a:schemeClr val="accent1"/>
-              </a:fillRef>
-              <a:effectRef idx="0">
-                <a:schemeClr val="accent1"/>
-              </a:effectRef>
-              <a:fontRef idx="minor">
-                <a:schemeClr val="lt1"/>
-              </a:fontRef>
-            </p:style>
-            <p:txBody>
-              <a:bodyPr rtlCol="0" anchor="ctr"/>
-              <a:lstStyle/>
-              <a:p>
-                <a:pPr algn="ctr"/>
-                <a:endParaRPr lang="en-US" altLang="ko-KR" b="1" i="1" dirty="0">
-                  <a:solidFill>
-                    <a:prstClr val="black">
-                      <a:lumMod val="65000"/>
-                      <a:lumOff val="35000"/>
-                    </a:prstClr>
-                  </a:solidFill>
-                </a:endParaRPr>
-              </a:p>
-            </p:txBody>
-          </p:sp>
-          <p:sp>
-            <p:nvSpPr>
-              <p:cNvPr id="54" name="모서리가 둥근 직사각형 53"/>
-              <p:cNvSpPr/>
-              <p:nvPr/>
-            </p:nvSpPr>
-            <p:spPr>
-              <a:xfrm>
-                <a:off x="367914" y="458230"/>
-                <a:ext cx="180000" cy="45719"/>
-              </a:xfrm>
-              <a:prstGeom prst="roundRect">
-                <a:avLst>
-                  <a:gd name="adj" fmla="val 50000"/>
-                </a:avLst>
-              </a:prstGeom>
-              <a:solidFill>
-                <a:schemeClr val="bg1"/>
-              </a:solidFill>
-              <a:ln w="12700">
-                <a:solidFill>
-                  <a:schemeClr val="tx1">
-                    <a:lumMod val="65000"/>
-                    <a:lumOff val="35000"/>
-                  </a:schemeClr>
-                </a:solidFill>
-              </a:ln>
-            </p:spPr>
-            <p:style>
-              <a:lnRef idx="2">
-                <a:schemeClr val="accent1">
-                  <a:shade val="50000"/>
-                </a:schemeClr>
-              </a:lnRef>
-              <a:fillRef idx="1">
-                <a:schemeClr val="accent1"/>
-              </a:fillRef>
-              <a:effectRef idx="0">
-                <a:schemeClr val="accent1"/>
-              </a:effectRef>
-              <a:fontRef idx="minor">
-                <a:schemeClr val="lt1"/>
-              </a:fontRef>
-            </p:style>
-            <p:txBody>
-              <a:bodyPr rtlCol="0" anchor="ctr"/>
-              <a:lstStyle/>
-              <a:p>
-                <a:pPr algn="ctr"/>
-                <a:endParaRPr lang="en-US" altLang="ko-KR" b="1" i="1" dirty="0">
-                  <a:solidFill>
-                    <a:prstClr val="black">
-                      <a:lumMod val="65000"/>
-                      <a:lumOff val="35000"/>
-                    </a:prstClr>
-                  </a:solidFill>
-                </a:endParaRPr>
-              </a:p>
-            </p:txBody>
-          </p:sp>
-        </p:grpSp>
-      </p:grpSp>
-      <p:grpSp>
-        <p:nvGrpSpPr>
-          <p:cNvPr id="9" name="그룹 8"/>
-          <p:cNvGrpSpPr/>
-          <p:nvPr/>
-        </p:nvGrpSpPr>
-        <p:grpSpPr>
-          <a:xfrm>
-            <a:off x="2394928" y="4344640"/>
-            <a:ext cx="3132157" cy="1107874"/>
-            <a:chOff x="2129772" y="4107938"/>
-            <a:chExt cx="3132157" cy="1107874"/>
-          </a:xfrm>
-          <a:effectLst>
-            <a:outerShdw blurRad="76200" dir="18900000" sy="23000" kx="-1200000" algn="bl" rotWithShape="0">
-              <a:prstClr val="black">
-                <a:alpha val="20000"/>
-              </a:prstClr>
-            </a:outerShdw>
-          </a:effectLst>
-        </p:grpSpPr>
-        <p:grpSp>
-          <p:nvGrpSpPr>
-            <p:cNvPr id="33" name="그룹 32"/>
-            <p:cNvGrpSpPr/>
-            <p:nvPr/>
-          </p:nvGrpSpPr>
-          <p:grpSpPr>
-            <a:xfrm>
-              <a:off x="2129772" y="4107938"/>
-              <a:ext cx="195883" cy="231997"/>
-              <a:chOff x="367914" y="130417"/>
-              <a:chExt cx="315385" cy="373532"/>
-            </a:xfrm>
-          </p:grpSpPr>
-          <p:sp>
-            <p:nvSpPr>
-              <p:cNvPr id="42" name="모서리가 둥근 직사각형 41"/>
-              <p:cNvSpPr/>
-              <p:nvPr/>
-            </p:nvSpPr>
-            <p:spPr>
-              <a:xfrm rot="2700000">
-                <a:off x="337523" y="266508"/>
-                <a:ext cx="317901" cy="45719"/>
-              </a:xfrm>
-              <a:prstGeom prst="roundRect">
-                <a:avLst>
-                  <a:gd name="adj" fmla="val 50000"/>
-                </a:avLst>
-              </a:prstGeom>
-              <a:solidFill>
-                <a:schemeClr val="bg1"/>
-              </a:solidFill>
-              <a:ln w="12700">
-                <a:solidFill>
-                  <a:schemeClr val="tx1">
-                    <a:lumMod val="65000"/>
-                    <a:lumOff val="35000"/>
-                  </a:schemeClr>
-                </a:solidFill>
-              </a:ln>
-            </p:spPr>
-            <p:style>
-              <a:lnRef idx="2">
-                <a:schemeClr val="accent1">
-                  <a:shade val="50000"/>
-                </a:schemeClr>
-              </a:lnRef>
-              <a:fillRef idx="1">
-                <a:schemeClr val="accent1"/>
-              </a:fillRef>
-              <a:effectRef idx="0">
-                <a:schemeClr val="accent1"/>
-              </a:effectRef>
-              <a:fontRef idx="minor">
-                <a:schemeClr val="lt1"/>
-              </a:fontRef>
-            </p:style>
-            <p:txBody>
-              <a:bodyPr rtlCol="0" anchor="ctr"/>
-              <a:lstStyle/>
-              <a:p>
-                <a:pPr algn="ctr"/>
-                <a:endParaRPr lang="en-US" altLang="ko-KR" b="1" i="1" dirty="0">
-                  <a:solidFill>
-                    <a:prstClr val="black">
-                      <a:lumMod val="65000"/>
-                      <a:lumOff val="35000"/>
-                    </a:prstClr>
-                  </a:solidFill>
-                </a:endParaRPr>
-              </a:p>
-            </p:txBody>
-          </p:sp>
-          <p:sp>
-            <p:nvSpPr>
-              <p:cNvPr id="43" name="모서리가 둥근 직사각형 42"/>
-              <p:cNvSpPr/>
-              <p:nvPr/>
-            </p:nvSpPr>
-            <p:spPr>
-              <a:xfrm rot="4500000">
-                <a:off x="570440" y="213755"/>
-                <a:ext cx="180000" cy="45719"/>
-              </a:xfrm>
-              <a:prstGeom prst="roundRect">
-                <a:avLst>
-                  <a:gd name="adj" fmla="val 50000"/>
-                </a:avLst>
-              </a:prstGeom>
-              <a:solidFill>
-                <a:schemeClr val="bg1"/>
-              </a:solidFill>
-              <a:ln w="12700">
-                <a:solidFill>
-                  <a:schemeClr val="tx1">
-                    <a:lumMod val="65000"/>
-                    <a:lumOff val="35000"/>
-                  </a:schemeClr>
-                </a:solidFill>
-              </a:ln>
-            </p:spPr>
-            <p:style>
-              <a:lnRef idx="2">
-                <a:schemeClr val="accent1">
-                  <a:shade val="50000"/>
-                </a:schemeClr>
-              </a:lnRef>
-              <a:fillRef idx="1">
-                <a:schemeClr val="accent1"/>
-              </a:fillRef>
-              <a:effectRef idx="0">
-                <a:schemeClr val="accent1"/>
-              </a:effectRef>
-              <a:fontRef idx="minor">
-                <a:schemeClr val="lt1"/>
-              </a:fontRef>
-            </p:style>
-            <p:txBody>
-              <a:bodyPr rtlCol="0" anchor="ctr"/>
-              <a:lstStyle/>
-              <a:p>
-                <a:pPr algn="ctr"/>
-                <a:endParaRPr lang="en-US" altLang="ko-KR" b="1" i="1" dirty="0">
-                  <a:solidFill>
-                    <a:prstClr val="black">
-                      <a:lumMod val="65000"/>
-                      <a:lumOff val="35000"/>
-                    </a:prstClr>
-                  </a:solidFill>
-                </a:endParaRPr>
-              </a:p>
-            </p:txBody>
-          </p:sp>
-          <p:sp>
-            <p:nvSpPr>
-              <p:cNvPr id="44" name="모서리가 둥근 직사각형 43"/>
-              <p:cNvSpPr/>
-              <p:nvPr/>
-            </p:nvSpPr>
-            <p:spPr>
-              <a:xfrm>
-                <a:off x="367914" y="458230"/>
-                <a:ext cx="180000" cy="45719"/>
-              </a:xfrm>
-              <a:prstGeom prst="roundRect">
-                <a:avLst>
-                  <a:gd name="adj" fmla="val 50000"/>
-                </a:avLst>
-              </a:prstGeom>
-              <a:solidFill>
-                <a:schemeClr val="bg1"/>
-              </a:solidFill>
-              <a:ln w="12700">
-                <a:solidFill>
-                  <a:schemeClr val="tx1">
-                    <a:lumMod val="65000"/>
-                    <a:lumOff val="35000"/>
-                  </a:schemeClr>
-                </a:solidFill>
-              </a:ln>
-            </p:spPr>
-            <p:style>
-              <a:lnRef idx="2">
-                <a:schemeClr val="accent1">
-                  <a:shade val="50000"/>
-                </a:schemeClr>
-              </a:lnRef>
-              <a:fillRef idx="1">
-                <a:schemeClr val="accent1"/>
-              </a:fillRef>
-              <a:effectRef idx="0">
-                <a:schemeClr val="accent1"/>
-              </a:effectRef>
-              <a:fontRef idx="minor">
-                <a:schemeClr val="lt1"/>
-              </a:fontRef>
-            </p:style>
-            <p:txBody>
-              <a:bodyPr rtlCol="0" anchor="ctr"/>
-              <a:lstStyle/>
-              <a:p>
-                <a:pPr algn="ctr"/>
-                <a:endParaRPr lang="en-US" altLang="ko-KR" b="1" i="1" dirty="0">
-                  <a:solidFill>
-                    <a:prstClr val="black">
-                      <a:lumMod val="65000"/>
-                      <a:lumOff val="35000"/>
-                    </a:prstClr>
-                  </a:solidFill>
-                </a:endParaRPr>
-              </a:p>
-            </p:txBody>
-          </p:sp>
-        </p:grpSp>
-        <p:sp>
-          <p:nvSpPr>
-            <p:cNvPr id="34" name="모서리가 둥근 직사각형 33"/>
-            <p:cNvSpPr/>
-            <p:nvPr/>
-          </p:nvSpPr>
-          <p:spPr>
-            <a:xfrm>
-              <a:off x="2204051" y="5071812"/>
-              <a:ext cx="3057878" cy="144000"/>
-            </a:xfrm>
-            <a:prstGeom prst="roundRect">
-              <a:avLst>
-                <a:gd name="adj" fmla="val 50000"/>
-              </a:avLst>
-            </a:prstGeom>
-            <a:solidFill>
-              <a:schemeClr val="bg1">
-                <a:lumMod val="95000"/>
-              </a:schemeClr>
-            </a:solidFill>
-            <a:ln w="44450">
-              <a:solidFill>
-                <a:srgbClr val="73543B"/>
-              </a:solidFill>
-            </a:ln>
-            <a:effectLst>
-              <a:innerShdw blurRad="63500" dist="50800" dir="5400000">
-                <a:prstClr val="black">
-                  <a:alpha val="50000"/>
-                </a:prstClr>
-              </a:innerShdw>
-            </a:effectLst>
-          </p:spPr>
-          <p:style>
-            <a:lnRef idx="2">
-              <a:schemeClr val="accent1">
-                <a:shade val="50000"/>
-              </a:schemeClr>
-            </a:lnRef>
-            <a:fillRef idx="1">
-              <a:schemeClr val="accent1"/>
-            </a:fillRef>
-            <a:effectRef idx="0">
-              <a:schemeClr val="accent1"/>
-            </a:effectRef>
-            <a:fontRef idx="minor">
-              <a:schemeClr val="lt1"/>
-            </a:fontRef>
-          </p:style>
-          <p:txBody>
-            <a:bodyPr rtlCol="0" anchor="ctr"/>
-            <a:lstStyle/>
-            <a:p>
-              <a:pPr algn="ctr"/>
-              <a:endParaRPr lang="ko-KR" altLang="en-US">
-                <a:solidFill>
-                  <a:prstClr val="white"/>
-                </a:solidFill>
-              </a:endParaRPr>
-            </a:p>
-          </p:txBody>
-        </p:sp>
-        <p:sp>
-          <p:nvSpPr>
-            <p:cNvPr id="47" name="자유형 46"/>
-            <p:cNvSpPr/>
-            <p:nvPr/>
-          </p:nvSpPr>
-          <p:spPr>
-            <a:xfrm>
-              <a:off x="2335068" y="4284721"/>
-              <a:ext cx="2795844" cy="821243"/>
-            </a:xfrm>
-            <a:custGeom>
-              <a:avLst/>
-              <a:gdLst>
-                <a:gd name="connsiteX0" fmla="*/ 97203 w 2795844"/>
-                <a:gd name="connsiteY0" fmla="*/ 0 h 821243"/>
-                <a:gd name="connsiteX1" fmla="*/ 2567199 w 2795844"/>
-                <a:gd name="connsiteY1" fmla="*/ 0 h 821243"/>
-                <a:gd name="connsiteX2" fmla="*/ 2795844 w 2795844"/>
-                <a:gd name="connsiteY2" fmla="*/ 228646 h 821243"/>
-                <a:gd name="connsiteX3" fmla="*/ 2795844 w 2795844"/>
-                <a:gd name="connsiteY3" fmla="*/ 821243 h 821243"/>
-                <a:gd name="connsiteX4" fmla="*/ 0 w 2795844"/>
-                <a:gd name="connsiteY4" fmla="*/ 821243 h 821243"/>
-                <a:gd name="connsiteX5" fmla="*/ 0 w 2795844"/>
-                <a:gd name="connsiteY5" fmla="*/ 97203 h 821243"/>
-                <a:gd name="connsiteX6" fmla="*/ 97203 w 2795844"/>
-                <a:gd name="connsiteY6" fmla="*/ 0 h 821243"/>
-              </a:gdLst>
-              <a:ahLst/>
-              <a:cxnLst>
-                <a:cxn ang="0">
-                  <a:pos x="connsiteX0" y="connsiteY0"/>
-                </a:cxn>
-                <a:cxn ang="0">
-                  <a:pos x="connsiteX1" y="connsiteY1"/>
-                </a:cxn>
-                <a:cxn ang="0">
-                  <a:pos x="connsiteX2" y="connsiteY2"/>
-                </a:cxn>
-                <a:cxn ang="0">
-                  <a:pos x="connsiteX3" y="connsiteY3"/>
-                </a:cxn>
-                <a:cxn ang="0">
-                  <a:pos x="connsiteX4" y="connsiteY4"/>
-                </a:cxn>
-                <a:cxn ang="0">
-                  <a:pos x="connsiteX5" y="connsiteY5"/>
-                </a:cxn>
-                <a:cxn ang="0">
-                  <a:pos x="connsiteX6" y="connsiteY6"/>
-                </a:cxn>
-              </a:cxnLst>
-              <a:rect l="l" t="t" r="r" b="b"/>
-              <a:pathLst>
-                <a:path w="2795844" h="821243">
-                  <a:moveTo>
-                    <a:pt x="97203" y="0"/>
-                  </a:moveTo>
-                  <a:lnTo>
-                    <a:pt x="2567199" y="0"/>
-                  </a:lnTo>
-                  <a:lnTo>
-                    <a:pt x="2795844" y="228646"/>
-                  </a:lnTo>
-                  <a:lnTo>
-                    <a:pt x="2795844" y="821243"/>
-                  </a:lnTo>
-                  <a:lnTo>
-                    <a:pt x="0" y="821243"/>
-                  </a:lnTo>
-                  <a:lnTo>
-                    <a:pt x="0" y="97203"/>
-                  </a:lnTo>
-                  <a:cubicBezTo>
-                    <a:pt x="0" y="43519"/>
-                    <a:pt x="43519" y="0"/>
-                    <a:pt x="97203" y="0"/>
-                  </a:cubicBezTo>
-                  <a:close/>
-                </a:path>
-              </a:pathLst>
-            </a:custGeom>
-            <a:solidFill>
-              <a:schemeClr val="accent5">
-                <a:lumMod val="40000"/>
-                <a:lumOff val="60000"/>
-              </a:schemeClr>
-            </a:solidFill>
-            <a:ln w="28575">
-              <a:solidFill>
-                <a:schemeClr val="tx1">
-                  <a:lumMod val="65000"/>
-                  <a:lumOff val="35000"/>
-                </a:schemeClr>
-              </a:solidFill>
-            </a:ln>
-          </p:spPr>
-          <p:style>
-            <a:lnRef idx="2">
-              <a:schemeClr val="accent1">
-                <a:shade val="50000"/>
-              </a:schemeClr>
-            </a:lnRef>
-            <a:fillRef idx="1">
-              <a:schemeClr val="accent1"/>
-            </a:fillRef>
-            <a:effectRef idx="0">
-              <a:schemeClr val="accent1"/>
-            </a:effectRef>
-            <a:fontRef idx="minor">
-              <a:schemeClr val="lt1"/>
-            </a:fontRef>
-          </p:style>
-          <p:txBody>
-            <a:bodyPr wrap="square" rtlCol="0" anchor="ctr">
-              <a:noAutofit/>
-            </a:bodyPr>
-            <a:lstStyle/>
-            <a:p>
-              <a:pPr algn="ctr"/>
-              <a:endParaRPr lang="ko-KR" altLang="en-US">
-                <a:solidFill>
-                  <a:prstClr val="white"/>
-                </a:solidFill>
-              </a:endParaRPr>
-            </a:p>
-          </p:txBody>
-        </p:sp>
-      </p:grpSp>
       <p:sp>
         <p:nvSpPr>
-          <p:cNvPr id="45" name="직사각형 44"/>
-          <p:cNvSpPr/>
+          <p:cNvPr id="2" name="TextBox 1">
+            <a:extLst>
+              <a:ext uri="{FF2B5EF4-FFF2-40B4-BE49-F238E27FC236}">
+                <a16:creationId xmlns:a16="http://schemas.microsoft.com/office/drawing/2014/main" id="{4615E997-F06A-4FAE-8A40-3A74CF540F0D}"/>
+              </a:ext>
+            </a:extLst>
+          </p:cNvPr>
+          <p:cNvSpPr txBox="1"/>
           <p:nvPr/>
         </p:nvSpPr>
         <p:spPr>
           <a:xfrm>
-            <a:off x="3424909" y="4554638"/>
-            <a:ext cx="1146469" cy="684803"/>
+            <a:off x="2854335" y="4695139"/>
+            <a:ext cx="1588209" cy="523220"/>
           </a:xfrm>
           <a:prstGeom prst="rect">
             <a:avLst/>
           </a:prstGeom>
+          <a:noFill/>
         </p:spPr>
         <p:txBody>
-          <a:bodyPr wrap="none">
+          <a:bodyPr wrap="square" rtlCol="0">
             <a:spAutoFit/>
           </a:bodyPr>
           <a:lstStyle/>
           <a:p>
-            <a:pPr algn="ctr">
-              <a:lnSpc>
-                <a:spcPct val="150000"/>
-              </a:lnSpc>
-            </a:pPr>
             <a:r>
               <a:rPr lang="ko-KR" altLang="en-US" sz="2800" dirty="0">
                 <a:solidFill>
@@ -5419,9 +6879,26 @@
                 <a:latin typeface="나눔바른고딕 Light" panose="020B0603020101020101" pitchFamily="50" charset="-127"/>
                 <a:ea typeface="나눔바른고딕 Light" panose="020B0603020101020101" pitchFamily="50" charset="-127"/>
               </a:rPr>
-              <a:t>신지혜</a:t>
-            </a:r>
-            <a:endParaRPr lang="en-US" altLang="ko-KR" sz="3600" dirty="0">
+              <a:t>주차</a:t>
+            </a:r>
+            <a:r>
+              <a:rPr lang="en-US" altLang="ko-KR" sz="2800" dirty="0">
+                <a:solidFill>
+                  <a:schemeClr val="bg1"/>
+                </a:solidFill>
+                <a:effectLst>
+                  <a:outerShdw blurRad="38100" dist="38100" dir="2700000" algn="tl">
+                    <a:srgbClr val="000000">
+                      <a:alpha val="43137"/>
+                    </a:srgbClr>
+                  </a:outerShdw>
+                </a:effectLst>
+                <a:latin typeface="나눔바른고딕 Light" panose="020B0603020101020101" pitchFamily="50" charset="-127"/>
+                <a:ea typeface="나눔바른고딕 Light" panose="020B0603020101020101" pitchFamily="50" charset="-127"/>
+              </a:rPr>
+              <a:t>_</a:t>
+            </a:r>
+            <a:endParaRPr lang="ko-KR" altLang="en-US" sz="2800" dirty="0">
               <a:solidFill>
                 <a:schemeClr val="bg1"/>
               </a:solidFill>
@@ -5438,112 +6915,10 @@
           </a:p>
         </p:txBody>
       </p:sp>
-      <p:sp>
-        <p:nvSpPr>
-          <p:cNvPr id="25" name="직사각형 24">
-            <a:extLst>
-              <a:ext uri="{FF2B5EF4-FFF2-40B4-BE49-F238E27FC236}">
-                <a16:creationId xmlns:a16="http://schemas.microsoft.com/office/drawing/2014/main" id="{5D710D7E-7FC6-4C1B-93EA-D630143BDC8C}"/>
-              </a:ext>
-            </a:extLst>
-          </p:cNvPr>
-          <p:cNvSpPr/>
-          <p:nvPr/>
-        </p:nvSpPr>
-        <p:spPr>
-          <a:xfrm>
-            <a:off x="3641601" y="2530066"/>
-            <a:ext cx="4908798" cy="1011944"/>
-          </a:xfrm>
-          <a:prstGeom prst="rect">
-            <a:avLst/>
-          </a:prstGeom>
-        </p:spPr>
-        <p:txBody>
-          <a:bodyPr wrap="square">
-            <a:spAutoFit/>
-          </a:bodyPr>
-          <a:lstStyle/>
-          <a:p>
-            <a:pPr algn="ctr">
-              <a:lnSpc>
-                <a:spcPct val="150000"/>
-              </a:lnSpc>
-            </a:pPr>
-            <a:r>
-              <a:rPr lang="en-US" altLang="ko-KR" i="1" dirty="0" err="1">
-                <a:solidFill>
-                  <a:schemeClr val="tx1">
-                    <a:lumMod val="65000"/>
-                    <a:lumOff val="35000"/>
-                  </a:schemeClr>
-                </a:solidFill>
-              </a:rPr>
-              <a:t>JavaStudy</a:t>
-            </a:r>
-            <a:r>
-              <a:rPr lang="en-US" altLang="ko-KR" i="1" dirty="0">
-                <a:solidFill>
-                  <a:schemeClr val="tx1">
-                    <a:lumMod val="65000"/>
-                    <a:lumOff val="35000"/>
-                  </a:schemeClr>
-                </a:solidFill>
-              </a:rPr>
-              <a:t> </a:t>
-            </a:r>
-            <a:r>
-              <a:rPr lang="ko-KR" altLang="en-US" sz="3200" b="1" i="1" dirty="0" err="1">
-                <a:solidFill>
-                  <a:schemeClr val="tx1">
-                    <a:lumMod val="65000"/>
-                    <a:lumOff val="35000"/>
-                  </a:schemeClr>
-                </a:solidFill>
-              </a:rPr>
-              <a:t>이것이자바다</a:t>
-            </a:r>
-            <a:endParaRPr lang="en-US" altLang="ko-KR" sz="3200" b="1" i="1" dirty="0">
-              <a:solidFill>
-                <a:schemeClr val="tx1">
-                  <a:lumMod val="65000"/>
-                  <a:lumOff val="35000"/>
-                </a:schemeClr>
-              </a:solidFill>
-            </a:endParaRPr>
-          </a:p>
-          <a:p>
-            <a:pPr algn="ctr">
-              <a:lnSpc>
-                <a:spcPct val="150000"/>
-              </a:lnSpc>
-            </a:pPr>
-            <a:r>
-              <a:rPr lang="en-US" altLang="ko-KR" sz="900" dirty="0">
-                <a:solidFill>
-                  <a:schemeClr val="tx1">
-                    <a:lumMod val="65000"/>
-                    <a:lumOff val="35000"/>
-                  </a:schemeClr>
-                </a:solidFill>
-              </a:rPr>
-              <a:t>https://github.com/tomfromkr/javastudy</a:t>
-            </a:r>
-            <a:endParaRPr lang="ko-KR" altLang="en-US" sz="2400" dirty="0">
-              <a:solidFill>
-                <a:schemeClr val="tx1">
-                  <a:lumMod val="65000"/>
-                  <a:lumOff val="35000"/>
-                </a:schemeClr>
-              </a:solidFill>
-            </a:endParaRPr>
-          </a:p>
-        </p:txBody>
-      </p:sp>
     </p:spTree>
     <p:extLst>
       <p:ext uri="{BB962C8B-B14F-4D97-AF65-F5344CB8AC3E}">
-        <p14:creationId xmlns:p14="http://schemas.microsoft.com/office/powerpoint/2010/main" val="2847806092"/>
+        <p14:creationId xmlns:p14="http://schemas.microsoft.com/office/powerpoint/2010/main" val="2250321994"/>
       </p:ext>
     </p:extLst>
   </p:cSld>
@@ -5570,674 +6945,41 @@
           <a:chExt cx="0" cy="0"/>
         </a:xfrm>
       </p:grpSpPr>
-      <p:grpSp>
-        <p:nvGrpSpPr>
-          <p:cNvPr id="4" name="그룹 3"/>
-          <p:cNvGrpSpPr/>
-          <p:nvPr/>
-        </p:nvGrpSpPr>
-        <p:grpSpPr>
-          <a:xfrm>
-            <a:off x="367914" y="130417"/>
-            <a:ext cx="11438262" cy="6727583"/>
-            <a:chOff x="367914" y="130417"/>
-            <a:chExt cx="11438262" cy="6727583"/>
-          </a:xfrm>
-        </p:grpSpPr>
-        <p:sp>
-          <p:nvSpPr>
-            <p:cNvPr id="6" name="자유형 5"/>
-            <p:cNvSpPr/>
-            <p:nvPr/>
-          </p:nvSpPr>
-          <p:spPr>
-            <a:xfrm>
-              <a:off x="625033" y="289367"/>
-              <a:ext cx="11181143" cy="6568633"/>
-            </a:xfrm>
-            <a:custGeom>
-              <a:avLst/>
-              <a:gdLst>
-                <a:gd name="connsiteX0" fmla="*/ 388732 w 11181143"/>
-                <a:gd name="connsiteY0" fmla="*/ 0 h 6568633"/>
-                <a:gd name="connsiteX1" fmla="*/ 10266744 w 11181143"/>
-                <a:gd name="connsiteY1" fmla="*/ 0 h 6568633"/>
-                <a:gd name="connsiteX2" fmla="*/ 11181143 w 11181143"/>
-                <a:gd name="connsiteY2" fmla="*/ 914399 h 6568633"/>
-                <a:gd name="connsiteX3" fmla="*/ 11181143 w 11181143"/>
-                <a:gd name="connsiteY3" fmla="*/ 6568633 h 6568633"/>
-                <a:gd name="connsiteX4" fmla="*/ 0 w 11181143"/>
-                <a:gd name="connsiteY4" fmla="*/ 6568633 h 6568633"/>
-                <a:gd name="connsiteX5" fmla="*/ 0 w 11181143"/>
-                <a:gd name="connsiteY5" fmla="*/ 388732 h 6568633"/>
-                <a:gd name="connsiteX6" fmla="*/ 388732 w 11181143"/>
-                <a:gd name="connsiteY6" fmla="*/ 0 h 6568633"/>
-              </a:gdLst>
-              <a:ahLst/>
-              <a:cxnLst>
-                <a:cxn ang="0">
-                  <a:pos x="connsiteX0" y="connsiteY0"/>
-                </a:cxn>
-                <a:cxn ang="0">
-                  <a:pos x="connsiteX1" y="connsiteY1"/>
-                </a:cxn>
-                <a:cxn ang="0">
-                  <a:pos x="connsiteX2" y="connsiteY2"/>
-                </a:cxn>
-                <a:cxn ang="0">
-                  <a:pos x="connsiteX3" y="connsiteY3"/>
-                </a:cxn>
-                <a:cxn ang="0">
-                  <a:pos x="connsiteX4" y="connsiteY4"/>
-                </a:cxn>
-                <a:cxn ang="0">
-                  <a:pos x="connsiteX5" y="connsiteY5"/>
-                </a:cxn>
-                <a:cxn ang="0">
-                  <a:pos x="connsiteX6" y="connsiteY6"/>
-                </a:cxn>
-              </a:cxnLst>
-              <a:rect l="l" t="t" r="r" b="b"/>
-              <a:pathLst>
-                <a:path w="11181143" h="6568633">
-                  <a:moveTo>
-                    <a:pt x="388732" y="0"/>
-                  </a:moveTo>
-                  <a:lnTo>
-                    <a:pt x="10266744" y="0"/>
-                  </a:lnTo>
-                  <a:lnTo>
-                    <a:pt x="11181143" y="914399"/>
-                  </a:lnTo>
-                  <a:lnTo>
-                    <a:pt x="11181143" y="6568633"/>
-                  </a:lnTo>
-                  <a:lnTo>
-                    <a:pt x="0" y="6568633"/>
-                  </a:lnTo>
-                  <a:lnTo>
-                    <a:pt x="0" y="388732"/>
-                  </a:lnTo>
-                  <a:cubicBezTo>
-                    <a:pt x="0" y="174041"/>
-                    <a:pt x="174041" y="0"/>
-                    <a:pt x="388732" y="0"/>
-                  </a:cubicBezTo>
-                  <a:close/>
-                </a:path>
-              </a:pathLst>
-            </a:custGeom>
-            <a:solidFill>
-              <a:schemeClr val="bg1"/>
-            </a:solidFill>
-            <a:ln w="28575">
-              <a:solidFill>
-                <a:schemeClr val="tx1">
-                  <a:lumMod val="65000"/>
-                  <a:lumOff val="35000"/>
-                </a:schemeClr>
-              </a:solidFill>
-            </a:ln>
-          </p:spPr>
-          <p:style>
-            <a:lnRef idx="2">
-              <a:schemeClr val="accent1">
-                <a:shade val="50000"/>
-              </a:schemeClr>
-            </a:lnRef>
-            <a:fillRef idx="1">
-              <a:schemeClr val="accent1"/>
-            </a:fillRef>
-            <a:effectRef idx="0">
-              <a:schemeClr val="accent1"/>
-            </a:effectRef>
-            <a:fontRef idx="minor">
-              <a:schemeClr val="lt1"/>
-            </a:fontRef>
-          </p:style>
-          <p:txBody>
-            <a:bodyPr rtlCol="0" anchor="ctr"/>
-            <a:lstStyle/>
-            <a:p>
-              <a:pPr algn="ctr"/>
-              <a:endParaRPr lang="ko-KR" altLang="en-US">
-                <a:solidFill>
-                  <a:prstClr val="white"/>
-                </a:solidFill>
-              </a:endParaRPr>
-            </a:p>
-          </p:txBody>
-        </p:sp>
-        <p:sp>
-          <p:nvSpPr>
-            <p:cNvPr id="8" name="자유형 7"/>
-            <p:cNvSpPr/>
-            <p:nvPr/>
-          </p:nvSpPr>
-          <p:spPr>
-            <a:xfrm flipH="1" flipV="1">
-              <a:off x="10891777" y="289367"/>
-              <a:ext cx="914399" cy="914399"/>
-            </a:xfrm>
-            <a:custGeom>
-              <a:avLst/>
-              <a:gdLst>
-                <a:gd name="connsiteX0" fmla="*/ 0 w 914399"/>
-                <a:gd name="connsiteY0" fmla="*/ 0 h 914399"/>
-                <a:gd name="connsiteX1" fmla="*/ 525667 w 914399"/>
-                <a:gd name="connsiteY1" fmla="*/ 0 h 914399"/>
-                <a:gd name="connsiteX2" fmla="*/ 914399 w 914399"/>
-                <a:gd name="connsiteY2" fmla="*/ 388732 h 914399"/>
-                <a:gd name="connsiteX3" fmla="*/ 914399 w 914399"/>
-                <a:gd name="connsiteY3" fmla="*/ 914399 h 914399"/>
-                <a:gd name="connsiteX4" fmla="*/ 0 w 914399"/>
-                <a:gd name="connsiteY4" fmla="*/ 0 h 914399"/>
-              </a:gdLst>
-              <a:ahLst/>
-              <a:cxnLst>
-                <a:cxn ang="0">
-                  <a:pos x="connsiteX0" y="connsiteY0"/>
-                </a:cxn>
-                <a:cxn ang="0">
-                  <a:pos x="connsiteX1" y="connsiteY1"/>
-                </a:cxn>
-                <a:cxn ang="0">
-                  <a:pos x="connsiteX2" y="connsiteY2"/>
-                </a:cxn>
-                <a:cxn ang="0">
-                  <a:pos x="connsiteX3" y="connsiteY3"/>
-                </a:cxn>
-                <a:cxn ang="0">
-                  <a:pos x="connsiteX4" y="connsiteY4"/>
-                </a:cxn>
-              </a:cxnLst>
-              <a:rect l="l" t="t" r="r" b="b"/>
-              <a:pathLst>
-                <a:path w="914399" h="914399">
-                  <a:moveTo>
-                    <a:pt x="0" y="0"/>
-                  </a:moveTo>
-                  <a:lnTo>
-                    <a:pt x="525667" y="0"/>
-                  </a:lnTo>
-                  <a:cubicBezTo>
-                    <a:pt x="740358" y="0"/>
-                    <a:pt x="914399" y="174041"/>
-                    <a:pt x="914399" y="388732"/>
-                  </a:cubicBezTo>
-                  <a:lnTo>
-                    <a:pt x="914399" y="914399"/>
-                  </a:lnTo>
-                  <a:lnTo>
-                    <a:pt x="0" y="0"/>
-                  </a:lnTo>
-                  <a:close/>
-                </a:path>
-              </a:pathLst>
-            </a:custGeom>
-            <a:solidFill>
-              <a:schemeClr val="bg1"/>
-            </a:solidFill>
-            <a:ln w="28575">
-              <a:solidFill>
-                <a:schemeClr val="tx1">
-                  <a:lumMod val="65000"/>
-                  <a:lumOff val="35000"/>
-                </a:schemeClr>
-              </a:solidFill>
-            </a:ln>
-          </p:spPr>
-          <p:style>
-            <a:lnRef idx="2">
-              <a:schemeClr val="accent1">
-                <a:shade val="50000"/>
-              </a:schemeClr>
-            </a:lnRef>
-            <a:fillRef idx="1">
-              <a:schemeClr val="accent1"/>
-            </a:fillRef>
-            <a:effectRef idx="0">
-              <a:schemeClr val="accent1"/>
-            </a:effectRef>
-            <a:fontRef idx="minor">
-              <a:schemeClr val="lt1"/>
-            </a:fontRef>
-          </p:style>
-          <p:txBody>
-            <a:bodyPr rtlCol="0" anchor="ctr"/>
-            <a:lstStyle/>
-            <a:p>
-              <a:pPr algn="ctr"/>
-              <a:endParaRPr lang="ko-KR" altLang="en-US">
-                <a:solidFill>
-                  <a:prstClr val="white"/>
-                </a:solidFill>
-              </a:endParaRPr>
-            </a:p>
-          </p:txBody>
-        </p:sp>
-        <p:sp>
-          <p:nvSpPr>
-            <p:cNvPr id="2" name="타원 1"/>
-            <p:cNvSpPr/>
-            <p:nvPr/>
-          </p:nvSpPr>
-          <p:spPr>
-            <a:xfrm>
-              <a:off x="972272" y="607669"/>
-              <a:ext cx="312517" cy="312517"/>
-            </a:xfrm>
-            <a:prstGeom prst="ellipse">
-              <a:avLst/>
-            </a:prstGeom>
-            <a:noFill/>
-            <a:ln w="28575">
-              <a:solidFill>
-                <a:schemeClr val="tx1">
-                  <a:lumMod val="65000"/>
-                  <a:lumOff val="35000"/>
-                </a:schemeClr>
-              </a:solidFill>
-            </a:ln>
-          </p:spPr>
-          <p:style>
-            <a:lnRef idx="2">
-              <a:schemeClr val="accent1">
-                <a:shade val="50000"/>
-              </a:schemeClr>
-            </a:lnRef>
-            <a:fillRef idx="1">
-              <a:schemeClr val="accent1"/>
-            </a:fillRef>
-            <a:effectRef idx="0">
-              <a:schemeClr val="accent1"/>
-            </a:effectRef>
-            <a:fontRef idx="minor">
-              <a:schemeClr val="lt1"/>
-            </a:fontRef>
-          </p:style>
-          <p:txBody>
-            <a:bodyPr tIns="0" rtlCol="0" anchor="ctr"/>
-            <a:lstStyle/>
-            <a:p>
-              <a:pPr algn="ctr"/>
-              <a:r>
-                <a:rPr lang="en-US" altLang="ko-KR" b="1" dirty="0">
-                  <a:solidFill>
-                    <a:schemeClr val="tx1">
-                      <a:lumMod val="65000"/>
-                      <a:lumOff val="35000"/>
-                    </a:schemeClr>
-                  </a:solidFill>
-                </a:rPr>
-                <a:t>&lt;</a:t>
-              </a:r>
-              <a:endParaRPr lang="ko-KR" altLang="en-US" b="1" dirty="0">
-                <a:solidFill>
-                  <a:schemeClr val="tx1">
-                    <a:lumMod val="65000"/>
-                    <a:lumOff val="35000"/>
-                  </a:schemeClr>
-                </a:solidFill>
-              </a:endParaRPr>
-            </a:p>
-          </p:txBody>
-        </p:sp>
-        <p:sp>
-          <p:nvSpPr>
-            <p:cNvPr id="9" name="타원 8"/>
-            <p:cNvSpPr/>
-            <p:nvPr/>
-          </p:nvSpPr>
-          <p:spPr>
-            <a:xfrm>
-              <a:off x="1412109" y="607669"/>
-              <a:ext cx="312517" cy="312517"/>
-            </a:xfrm>
-            <a:prstGeom prst="ellipse">
-              <a:avLst/>
-            </a:prstGeom>
-            <a:noFill/>
-            <a:ln w="28575">
-              <a:solidFill>
-                <a:schemeClr val="tx1">
-                  <a:lumMod val="65000"/>
-                  <a:lumOff val="35000"/>
-                </a:schemeClr>
-              </a:solidFill>
-            </a:ln>
-          </p:spPr>
-          <p:style>
-            <a:lnRef idx="2">
-              <a:schemeClr val="accent1">
-                <a:shade val="50000"/>
-              </a:schemeClr>
-            </a:lnRef>
-            <a:fillRef idx="1">
-              <a:schemeClr val="accent1"/>
-            </a:fillRef>
-            <a:effectRef idx="0">
-              <a:schemeClr val="accent1"/>
-            </a:effectRef>
-            <a:fontRef idx="minor">
-              <a:schemeClr val="lt1"/>
-            </a:fontRef>
-          </p:style>
-          <p:txBody>
-            <a:bodyPr tIns="0" rtlCol="0" anchor="ctr"/>
-            <a:lstStyle/>
-            <a:p>
-              <a:pPr algn="ctr"/>
-              <a:r>
-                <a:rPr lang="en-US" altLang="ko-KR" b="1" dirty="0">
-                  <a:solidFill>
-                    <a:schemeClr val="tx1">
-                      <a:lumMod val="65000"/>
-                      <a:lumOff val="35000"/>
-                    </a:schemeClr>
-                  </a:solidFill>
-                </a:rPr>
-                <a:t>&gt;</a:t>
-              </a:r>
-              <a:endParaRPr lang="ko-KR" altLang="en-US" b="1" dirty="0">
-                <a:solidFill>
-                  <a:schemeClr val="tx1">
-                    <a:lumMod val="65000"/>
-                    <a:lumOff val="35000"/>
-                  </a:schemeClr>
-                </a:solidFill>
-              </a:endParaRPr>
-            </a:p>
-          </p:txBody>
-        </p:sp>
-        <p:grpSp>
-          <p:nvGrpSpPr>
-            <p:cNvPr id="13" name="그룹 12"/>
-            <p:cNvGrpSpPr/>
-            <p:nvPr/>
-          </p:nvGrpSpPr>
-          <p:grpSpPr>
-            <a:xfrm>
-              <a:off x="367914" y="130417"/>
-              <a:ext cx="315385" cy="373532"/>
-              <a:chOff x="367914" y="130417"/>
-              <a:chExt cx="315385" cy="373532"/>
-            </a:xfrm>
-          </p:grpSpPr>
-          <p:sp>
-            <p:nvSpPr>
-              <p:cNvPr id="10" name="모서리가 둥근 직사각형 9"/>
-              <p:cNvSpPr/>
-              <p:nvPr/>
-            </p:nvSpPr>
-            <p:spPr>
-              <a:xfrm rot="2700000">
-                <a:off x="337523" y="266508"/>
-                <a:ext cx="317901" cy="45719"/>
-              </a:xfrm>
-              <a:prstGeom prst="roundRect">
-                <a:avLst>
-                  <a:gd name="adj" fmla="val 50000"/>
-                </a:avLst>
-              </a:prstGeom>
-              <a:solidFill>
-                <a:schemeClr val="bg1"/>
-              </a:solidFill>
-              <a:ln w="12700">
-                <a:solidFill>
-                  <a:schemeClr val="tx1">
-                    <a:lumMod val="65000"/>
-                    <a:lumOff val="35000"/>
-                  </a:schemeClr>
-                </a:solidFill>
-              </a:ln>
-            </p:spPr>
-            <p:style>
-              <a:lnRef idx="2">
-                <a:schemeClr val="accent1">
-                  <a:shade val="50000"/>
-                </a:schemeClr>
-              </a:lnRef>
-              <a:fillRef idx="1">
-                <a:schemeClr val="accent1"/>
-              </a:fillRef>
-              <a:effectRef idx="0">
-                <a:schemeClr val="accent1"/>
-              </a:effectRef>
-              <a:fontRef idx="minor">
-                <a:schemeClr val="lt1"/>
-              </a:fontRef>
-            </p:style>
-            <p:txBody>
-              <a:bodyPr rtlCol="0" anchor="ctr"/>
-              <a:lstStyle/>
-              <a:p>
-                <a:pPr lvl="0" algn="ctr"/>
-                <a:endParaRPr lang="en-US" altLang="ko-KR" b="1" i="1" dirty="0">
-                  <a:solidFill>
-                    <a:schemeClr val="tx1">
-                      <a:lumMod val="65000"/>
-                      <a:lumOff val="35000"/>
-                    </a:schemeClr>
-                  </a:solidFill>
-                </a:endParaRPr>
-              </a:p>
-            </p:txBody>
-          </p:sp>
-          <p:sp>
-            <p:nvSpPr>
-              <p:cNvPr id="11" name="모서리가 둥근 직사각형 10"/>
-              <p:cNvSpPr/>
-              <p:nvPr/>
-            </p:nvSpPr>
-            <p:spPr>
-              <a:xfrm rot="4500000">
-                <a:off x="570440" y="213755"/>
-                <a:ext cx="180000" cy="45719"/>
-              </a:xfrm>
-              <a:prstGeom prst="roundRect">
-                <a:avLst>
-                  <a:gd name="adj" fmla="val 50000"/>
-                </a:avLst>
-              </a:prstGeom>
-              <a:solidFill>
-                <a:schemeClr val="bg1"/>
-              </a:solidFill>
-              <a:ln w="12700">
-                <a:solidFill>
-                  <a:schemeClr val="tx1">
-                    <a:lumMod val="65000"/>
-                    <a:lumOff val="35000"/>
-                  </a:schemeClr>
-                </a:solidFill>
-              </a:ln>
-            </p:spPr>
-            <p:style>
-              <a:lnRef idx="2">
-                <a:schemeClr val="accent1">
-                  <a:shade val="50000"/>
-                </a:schemeClr>
-              </a:lnRef>
-              <a:fillRef idx="1">
-                <a:schemeClr val="accent1"/>
-              </a:fillRef>
-              <a:effectRef idx="0">
-                <a:schemeClr val="accent1"/>
-              </a:effectRef>
-              <a:fontRef idx="minor">
-                <a:schemeClr val="lt1"/>
-              </a:fontRef>
-            </p:style>
-            <p:txBody>
-              <a:bodyPr rtlCol="0" anchor="ctr"/>
-              <a:lstStyle/>
-              <a:p>
-                <a:pPr lvl="0" algn="ctr"/>
-                <a:endParaRPr lang="en-US" altLang="ko-KR" b="1" i="1" dirty="0">
-                  <a:solidFill>
-                    <a:schemeClr val="tx1">
-                      <a:lumMod val="65000"/>
-                      <a:lumOff val="35000"/>
-                    </a:schemeClr>
-                  </a:solidFill>
-                </a:endParaRPr>
-              </a:p>
-            </p:txBody>
-          </p:sp>
-          <p:sp>
-            <p:nvSpPr>
-              <p:cNvPr id="12" name="모서리가 둥근 직사각형 11"/>
-              <p:cNvSpPr/>
-              <p:nvPr/>
-            </p:nvSpPr>
-            <p:spPr>
-              <a:xfrm>
-                <a:off x="367914" y="458230"/>
-                <a:ext cx="180000" cy="45719"/>
-              </a:xfrm>
-              <a:prstGeom prst="roundRect">
-                <a:avLst>
-                  <a:gd name="adj" fmla="val 50000"/>
-                </a:avLst>
-              </a:prstGeom>
-              <a:solidFill>
-                <a:schemeClr val="bg1"/>
-              </a:solidFill>
-              <a:ln w="12700">
-                <a:solidFill>
-                  <a:schemeClr val="tx1">
-                    <a:lumMod val="65000"/>
-                    <a:lumOff val="35000"/>
-                  </a:schemeClr>
-                </a:solidFill>
-              </a:ln>
-            </p:spPr>
-            <p:style>
-              <a:lnRef idx="2">
-                <a:schemeClr val="accent1">
-                  <a:shade val="50000"/>
-                </a:schemeClr>
-              </a:lnRef>
-              <a:fillRef idx="1">
-                <a:schemeClr val="accent1"/>
-              </a:fillRef>
-              <a:effectRef idx="0">
-                <a:schemeClr val="accent1"/>
-              </a:effectRef>
-              <a:fontRef idx="minor">
-                <a:schemeClr val="lt1"/>
-              </a:fontRef>
-            </p:style>
-            <p:txBody>
-              <a:bodyPr rtlCol="0" anchor="ctr"/>
-              <a:lstStyle/>
-              <a:p>
-                <a:pPr lvl="0" algn="ctr"/>
-                <a:endParaRPr lang="en-US" altLang="ko-KR" b="1" i="1" dirty="0">
-                  <a:solidFill>
-                    <a:schemeClr val="tx1">
-                      <a:lumMod val="65000"/>
-                      <a:lumOff val="35000"/>
-                    </a:schemeClr>
-                  </a:solidFill>
-                </a:endParaRPr>
-              </a:p>
-            </p:txBody>
-          </p:sp>
-        </p:grpSp>
-      </p:grpSp>
       <p:sp>
         <p:nvSpPr>
-          <p:cNvPr id="3" name="모서리가 둥근 직사각형 2"/>
-          <p:cNvSpPr/>
+          <p:cNvPr id="14" name="TextBox 13">
+            <a:extLst>
+              <a:ext uri="{FF2B5EF4-FFF2-40B4-BE49-F238E27FC236}">
+                <a16:creationId xmlns:a16="http://schemas.microsoft.com/office/drawing/2014/main" id="{C969CDDB-C65A-4404-AF91-19C9C573B038}"/>
+              </a:ext>
+            </a:extLst>
+          </p:cNvPr>
+          <p:cNvSpPr txBox="1"/>
           <p:nvPr/>
         </p:nvSpPr>
         <p:spPr>
           <a:xfrm>
-            <a:off x="2025570" y="526642"/>
-            <a:ext cx="6041984" cy="434053"/>
+            <a:off x="1568367" y="1693888"/>
+            <a:ext cx="7724932" cy="584775"/>
           </a:xfrm>
-          <a:prstGeom prst="roundRect">
-            <a:avLst>
-              <a:gd name="adj" fmla="val 50000"/>
-            </a:avLst>
+          <a:prstGeom prst="rect">
+            <a:avLst/>
           </a:prstGeom>
-          <a:solidFill>
-            <a:schemeClr val="bg1">
-              <a:lumMod val="95000"/>
-            </a:schemeClr>
-          </a:solidFill>
-          <a:ln w="28575">
-            <a:solidFill>
-              <a:schemeClr val="tx1">
-                <a:lumMod val="65000"/>
-                <a:lumOff val="35000"/>
-              </a:schemeClr>
-            </a:solidFill>
-          </a:ln>
+          <a:noFill/>
         </p:spPr>
-        <p:style>
-          <a:lnRef idx="2">
-            <a:schemeClr val="accent1">
-              <a:shade val="50000"/>
-            </a:schemeClr>
-          </a:lnRef>
-          <a:fillRef idx="1">
-            <a:schemeClr val="accent1"/>
-          </a:fillRef>
-          <a:effectRef idx="0">
-            <a:schemeClr val="accent1"/>
-          </a:effectRef>
-          <a:fontRef idx="minor">
-            <a:schemeClr val="lt1"/>
-          </a:fontRef>
-        </p:style>
         <p:txBody>
-          <a:bodyPr rtlCol="0" anchor="ctr"/>
+          <a:bodyPr wrap="square" rtlCol="0">
+            <a:spAutoFit/>
+          </a:bodyPr>
           <a:lstStyle/>
           <a:p>
-            <a:pPr lvl="0" algn="ctr"/>
-            <a:r>
-              <a:rPr lang="en-US" altLang="ko-KR" sz="1400" i="1" dirty="0" err="1">
-                <a:solidFill>
-                  <a:schemeClr val="tx1">
-                    <a:lumMod val="65000"/>
-                    <a:lumOff val="35000"/>
-                  </a:schemeClr>
-                </a:solidFill>
+            <a:r>
+              <a:rPr lang="ko-KR" altLang="en-US" sz="3200" dirty="0">
+                <a:latin typeface="나눔바른고딕 Light" panose="020B0603020101020101" pitchFamily="50" charset="-127"/>
+                <a:ea typeface="나눔바른고딕 Light" panose="020B0603020101020101" pitchFamily="50" charset="-127"/>
               </a:rPr>
-              <a:t>JavaStudy</a:t>
-            </a:r>
-            <a:r>
-              <a:rPr lang="en-US" altLang="ko-KR" sz="1400" i="1" dirty="0">
-                <a:solidFill>
-                  <a:schemeClr val="tx1">
-                    <a:lumMod val="65000"/>
-                    <a:lumOff val="35000"/>
-                  </a:schemeClr>
-                </a:solidFill>
-              </a:rPr>
-              <a:t> </a:t>
-            </a:r>
-            <a:r>
-              <a:rPr lang="ko-KR" altLang="en-US" b="1" i="1" dirty="0" err="1">
-                <a:solidFill>
-                  <a:schemeClr val="tx1">
-                    <a:lumMod val="65000"/>
-                    <a:lumOff val="35000"/>
-                  </a:schemeClr>
-                </a:solidFill>
-              </a:rPr>
-              <a:t>이것이자바다</a:t>
-            </a:r>
-            <a:endParaRPr lang="en-US" altLang="ko-KR" b="1" i="1" dirty="0">
-              <a:solidFill>
-                <a:schemeClr val="tx1">
-                  <a:lumMod val="65000"/>
-                  <a:lumOff val="35000"/>
-                </a:schemeClr>
-              </a:solidFill>
-            </a:endParaRPr>
+              <a:t>안녕</a:t>
+            </a:r>
           </a:p>
         </p:txBody>
       </p:sp>
